--- a/doc/华智队作品展示PPT.pptx
+++ b/doc/华智队作品展示PPT.pptx
@@ -163,6 +163,5245 @@
 </p:presentation>
 </file>
 
+<file path=ppt/charts/chart1.xml><?xml version="1.0" encoding="utf-8"?>
+<c:chartSpace xmlns:c="http://schemas.openxmlformats.org/drawingml/2006/chart" xmlns:a="http://schemas.openxmlformats.org/drawingml/2006/main" xmlns:r="http://schemas.openxmlformats.org/officeDocument/2006/relationships" xmlns:c16r2="http://schemas.microsoft.com/office/drawing/2015/06/chart">
+  <c:date1904 val="0"/>
+  <c:lang val="zh-CN"/>
+  <c:roundedCorners val="0"/>
+  <mc:AlternateContent xmlns:mc="http://schemas.openxmlformats.org/markup-compatibility/2006">
+    <mc:Choice xmlns:c14="http://schemas.microsoft.com/office/drawing/2007/8/2/chart" Requires="c14">
+      <c14:style val="102"/>
+    </mc:Choice>
+    <mc:Fallback>
+      <c:style val="2"/>
+    </mc:Fallback>
+  </mc:AlternateContent>
+  <c:chart>
+    <c:title>
+      <c:tx>
+        <c:rich>
+          <a:bodyPr rot="0" spcFirstLastPara="1" vertOverflow="ellipsis" vert="horz" wrap="square" anchor="ctr" anchorCtr="1"/>
+          <a:lstStyle/>
+          <a:p>
+            <a:pPr>
+              <a:defRPr sz="1862" b="0" i="0" u="none" strike="noStrike" kern="1200" spc="0" baseline="0">
+                <a:solidFill>
+                  <a:schemeClr val="tx1">
+                    <a:lumMod val="65000"/>
+                    <a:lumOff val="35000"/>
+                  </a:schemeClr>
+                </a:solidFill>
+                <a:latin typeface="+mn-lt"/>
+                <a:ea typeface="+mn-ea"/>
+                <a:cs typeface="+mn-cs"/>
+              </a:defRPr>
+            </a:pPr>
+            <a:r>
+              <a:rPr lang="zh-CN" altLang="en-US" dirty="0" smtClean="0"/>
+              <a:t>性能对比图</a:t>
+            </a:r>
+            <a:endParaRPr lang="zh-CN" altLang="en-US" dirty="0"/>
+          </a:p>
+        </c:rich>
+      </c:tx>
+      <c:layout>
+        <c:manualLayout>
+          <c:xMode val="edge"/>
+          <c:yMode val="edge"/>
+          <c:x val="0.49979962542451473"/>
+          <c:y val="0.12491718504656722"/>
+        </c:manualLayout>
+      </c:layout>
+      <c:overlay val="0"/>
+      <c:spPr>
+        <a:noFill/>
+        <a:ln>
+          <a:noFill/>
+        </a:ln>
+        <a:effectLst/>
+      </c:spPr>
+      <c:txPr>
+        <a:bodyPr rot="0" spcFirstLastPara="1" vertOverflow="ellipsis" vert="horz" wrap="square" anchor="ctr" anchorCtr="1"/>
+        <a:lstStyle/>
+        <a:p>
+          <a:pPr>
+            <a:defRPr sz="1862" b="0" i="0" u="none" strike="noStrike" kern="1200" spc="0" baseline="0">
+              <a:solidFill>
+                <a:schemeClr val="tx1">
+                  <a:lumMod val="65000"/>
+                  <a:lumOff val="35000"/>
+                </a:schemeClr>
+              </a:solidFill>
+              <a:latin typeface="+mn-lt"/>
+              <a:ea typeface="+mn-ea"/>
+              <a:cs typeface="+mn-cs"/>
+            </a:defRPr>
+          </a:pPr>
+          <a:endParaRPr lang="zh-CN"/>
+        </a:p>
+      </c:txPr>
+    </c:title>
+    <c:autoTitleDeleted val="0"/>
+    <c:view3D>
+      <c:rotX val="15"/>
+      <c:rotY val="20"/>
+      <c:depthPercent val="100"/>
+      <c:rAngAx val="1"/>
+    </c:view3D>
+    <c:floor>
+      <c:thickness val="0"/>
+      <c:spPr>
+        <a:noFill/>
+        <a:ln>
+          <a:noFill/>
+        </a:ln>
+        <a:effectLst/>
+        <a:sp3d/>
+      </c:spPr>
+    </c:floor>
+    <c:sideWall>
+      <c:thickness val="0"/>
+      <c:spPr>
+        <a:noFill/>
+        <a:ln>
+          <a:noFill/>
+        </a:ln>
+        <a:effectLst/>
+        <a:sp3d/>
+      </c:spPr>
+    </c:sideWall>
+    <c:backWall>
+      <c:thickness val="0"/>
+      <c:spPr>
+        <a:noFill/>
+        <a:ln>
+          <a:noFill/>
+        </a:ln>
+        <a:effectLst/>
+        <a:sp3d/>
+      </c:spPr>
+    </c:backWall>
+    <c:plotArea>
+      <c:layout>
+        <c:manualLayout>
+          <c:layoutTarget val="inner"/>
+          <c:xMode val="edge"/>
+          <c:yMode val="edge"/>
+          <c:x val="9.5369071511250555E-2"/>
+          <c:y val="0.1077525075244003"/>
+          <c:w val="0.90954584253774273"/>
+          <c:h val="0.77493477276762501"/>
+        </c:manualLayout>
+      </c:layout>
+      <c:bar3DChart>
+        <c:barDir val="col"/>
+        <c:grouping val="clustered"/>
+        <c:varyColors val="0"/>
+        <c:ser>
+          <c:idx val="0"/>
+          <c:order val="0"/>
+          <c:tx>
+            <c:strRef>
+              <c:f>Sheet1!$B$1</c:f>
+              <c:strCache>
+                <c:ptCount val="1"/>
+                <c:pt idx="0">
+                  <c:v>单任务</c:v>
+                </c:pt>
+              </c:strCache>
+            </c:strRef>
+          </c:tx>
+          <c:spPr>
+            <a:solidFill>
+              <a:srgbClr val="9A6DD5"/>
+            </a:solidFill>
+            <a:ln>
+              <a:noFill/>
+            </a:ln>
+            <a:effectLst/>
+            <a:sp3d/>
+          </c:spPr>
+          <c:invertIfNegative val="0"/>
+          <c:dLbls>
+            <c:dLbl>
+              <c:idx val="0"/>
+              <c:layout>
+                <c:manualLayout>
+                  <c:x val="-0.13166546529121642"/>
+                  <c:y val="6.8235665698449868E-2"/>
+                </c:manualLayout>
+              </c:layout>
+              <c:tx>
+                <c:rich>
+                  <a:bodyPr rot="0" spcFirstLastPara="1" vertOverflow="clip" horzOverflow="clip" vert="horz" wrap="square" lIns="38100" tIns="19050" rIns="38100" bIns="19050" anchor="ctr" anchorCtr="1">
+                    <a:noAutofit/>
+                  </a:bodyPr>
+                  <a:lstStyle/>
+                  <a:p>
+                    <a:pPr>
+                      <a:defRPr sz="1197" b="0" i="0" u="none" strike="noStrike" kern="1200" baseline="0">
+                        <a:solidFill>
+                          <a:schemeClr val="dk1">
+                            <a:lumMod val="65000"/>
+                            <a:lumOff val="35000"/>
+                          </a:schemeClr>
+                        </a:solidFill>
+                        <a:latin typeface="+mn-lt"/>
+                        <a:ea typeface="+mn-ea"/>
+                        <a:cs typeface="+mn-cs"/>
+                      </a:defRPr>
+                    </a:pPr>
+                    <a:fld id="{AEECC724-1958-4EB5-BB7C-AAFDF3861943}" type="VALUE">
+                      <a:rPr lang="en-US" altLang="zh-CN" baseline="0" smtClean="0"/>
+                      <a:pPr>
+                        <a:defRPr/>
+                      </a:pPr>
+                      <a:t>[值]</a:t>
+                    </a:fld>
+                    <a:endParaRPr lang="zh-CN" altLang="en-US"/>
+                  </a:p>
+                </c:rich>
+              </c:tx>
+              <c:spPr>
+                <a:xfrm>
+                  <a:off x="344661" y="364853"/>
+                  <a:ext cx="329030" cy="298057"/>
+                </a:xfrm>
+                <a:solidFill>
+                  <a:prstClr val="white"/>
+                </a:solidFill>
+                <a:ln w="9525" cap="flat" cmpd="sng" algn="ctr">
+                  <a:solidFill>
+                    <a:prstClr val="black">
+                      <a:lumMod val="25000"/>
+                      <a:lumOff val="75000"/>
+                    </a:prstClr>
+                  </a:solidFill>
+                  <a:prstDash val="solid"/>
+                  <a:round/>
+                  <a:headEnd type="none" w="med" len="med"/>
+                  <a:tailEnd type="none" w="med" len="med"/>
+                </a:ln>
+                <a:effectLst/>
+              </c:spPr>
+              <c:txPr>
+                <a:bodyPr rot="0" spcFirstLastPara="1" vertOverflow="clip" horzOverflow="clip" vert="horz" wrap="square" lIns="38100" tIns="19050" rIns="38100" bIns="19050" anchor="ctr" anchorCtr="1">
+                  <a:noAutofit/>
+                </a:bodyPr>
+                <a:lstStyle/>
+                <a:p>
+                  <a:pPr>
+                    <a:defRPr sz="1197" b="0" i="0" u="none" strike="noStrike" kern="1200" baseline="0">
+                      <a:solidFill>
+                        <a:schemeClr val="dk1">
+                          <a:lumMod val="65000"/>
+                          <a:lumOff val="35000"/>
+                        </a:schemeClr>
+                      </a:solidFill>
+                      <a:latin typeface="+mn-lt"/>
+                      <a:ea typeface="+mn-ea"/>
+                      <a:cs typeface="+mn-cs"/>
+                    </a:defRPr>
+                  </a:pPr>
+                  <a:endParaRPr lang="zh-CN"/>
+                </a:p>
+              </c:txPr>
+              <c:showLegendKey val="0"/>
+              <c:showVal val="1"/>
+              <c:showCatName val="1"/>
+              <c:showSerName val="0"/>
+              <c:showPercent val="0"/>
+              <c:showBubbleSize val="0"/>
+              <c:extLst>
+                <c:ext xmlns:c15="http://schemas.microsoft.com/office/drawing/2012/chart" uri="{CE6537A1-D6FC-4f65-9D91-7224C49458BB}">
+                  <c15:spPr xmlns:c15="http://schemas.microsoft.com/office/drawing/2012/chart">
+                    <a:prstGeom prst="wedgeRectCallout">
+                      <a:avLst>
+                        <a:gd name="adj1" fmla="val 106586"/>
+                        <a:gd name="adj2" fmla="val 50202"/>
+                      </a:avLst>
+                    </a:prstGeom>
+                    <a:noFill/>
+                    <a:ln>
+                      <a:noFill/>
+                    </a:ln>
+                  </c15:spPr>
+                  <c15:layout>
+                    <c:manualLayout>
+                      <c:w val="9.8412090722290846E-2"/>
+                      <c:h val="0.1380343408221939"/>
+                    </c:manualLayout>
+                  </c15:layout>
+                  <c15:dlblFieldTable/>
+                  <c15:showDataLabelsRange val="0"/>
+                </c:ext>
+                <c:ext xmlns:c16="http://schemas.microsoft.com/office/drawing/2014/chart" uri="{C3380CC4-5D6E-409C-BE32-E72D297353CC}">
+                  <c16:uniqueId val="{00000000-F8B4-424A-AB0D-3BA81D2B0E2E}"/>
+                </c:ext>
+              </c:extLst>
+            </c:dLbl>
+            <c:dLbl>
+              <c:idx val="1"/>
+              <c:layout>
+                <c:manualLayout>
+                  <c:x val="-7.5604377085874905E-2"/>
+                  <c:y val="-5.0047449324785753E-17"/>
+                </c:manualLayout>
+              </c:layout>
+              <c:tx>
+                <c:rich>
+                  <a:bodyPr rot="0" spcFirstLastPara="1" vertOverflow="clip" horzOverflow="clip" vert="horz" wrap="square" lIns="38100" tIns="19050" rIns="38100" bIns="19050" anchor="ctr" anchorCtr="1">
+                    <a:spAutoFit/>
+                  </a:bodyPr>
+                  <a:lstStyle/>
+                  <a:p>
+                    <a:pPr>
+                      <a:defRPr sz="1197" b="0" i="0" u="none" strike="noStrike" kern="1200" baseline="0">
+                        <a:solidFill>
+                          <a:schemeClr val="dk1">
+                            <a:lumMod val="65000"/>
+                            <a:lumOff val="35000"/>
+                          </a:schemeClr>
+                        </a:solidFill>
+                        <a:latin typeface="+mn-lt"/>
+                        <a:ea typeface="+mn-ea"/>
+                        <a:cs typeface="+mn-cs"/>
+                      </a:defRPr>
+                    </a:pPr>
+                    <a:fld id="{A98BB6C5-832E-4361-AF71-8060564E2D9A}" type="VALUE">
+                      <a:rPr lang="en-US" altLang="zh-CN" baseline="0" smtClean="0"/>
+                      <a:pPr>
+                        <a:defRPr/>
+                      </a:pPr>
+                      <a:t>[值]</a:t>
+                    </a:fld>
+                    <a:endParaRPr lang="zh-CN" altLang="en-US"/>
+                  </a:p>
+                </c:rich>
+              </c:tx>
+              <c:spPr>
+                <a:solidFill>
+                  <a:prstClr val="white"/>
+                </a:solidFill>
+                <a:ln w="9525" cap="flat" cmpd="sng" algn="ctr">
+                  <a:solidFill>
+                    <a:prstClr val="black">
+                      <a:lumMod val="25000"/>
+                      <a:lumOff val="75000"/>
+                    </a:prstClr>
+                  </a:solidFill>
+                  <a:prstDash val="solid"/>
+                  <a:round/>
+                  <a:headEnd type="none" w="med" len="med"/>
+                  <a:tailEnd type="none" w="med" len="med"/>
+                </a:ln>
+                <a:effectLst/>
+              </c:spPr>
+              <c:txPr>
+                <a:bodyPr rot="0" spcFirstLastPara="1" vertOverflow="clip" horzOverflow="clip" vert="horz" wrap="square" lIns="38100" tIns="19050" rIns="38100" bIns="19050" anchor="ctr" anchorCtr="1">
+                  <a:spAutoFit/>
+                </a:bodyPr>
+                <a:lstStyle/>
+                <a:p>
+                  <a:pPr>
+                    <a:defRPr sz="1197" b="0" i="0" u="none" strike="noStrike" kern="1200" baseline="0">
+                      <a:solidFill>
+                        <a:schemeClr val="dk1">
+                          <a:lumMod val="65000"/>
+                          <a:lumOff val="35000"/>
+                        </a:schemeClr>
+                      </a:solidFill>
+                      <a:latin typeface="+mn-lt"/>
+                      <a:ea typeface="+mn-ea"/>
+                      <a:cs typeface="+mn-cs"/>
+                    </a:defRPr>
+                  </a:pPr>
+                  <a:endParaRPr lang="zh-CN"/>
+                </a:p>
+              </c:txPr>
+              <c:showLegendKey val="0"/>
+              <c:showVal val="1"/>
+              <c:showCatName val="1"/>
+              <c:showSerName val="0"/>
+              <c:showPercent val="0"/>
+              <c:showBubbleSize val="0"/>
+              <c:extLst>
+                <c:ext xmlns:c15="http://schemas.microsoft.com/office/drawing/2012/chart" uri="{CE6537A1-D6FC-4f65-9D91-7224C49458BB}">
+                  <c15:spPr xmlns:c15="http://schemas.microsoft.com/office/drawing/2012/chart">
+                    <a:prstGeom prst="wedgeRectCallout">
+                      <a:avLst>
+                        <a:gd name="adj1" fmla="val 103970"/>
+                        <a:gd name="adj2" fmla="val 75461"/>
+                      </a:avLst>
+                    </a:prstGeom>
+                    <a:noFill/>
+                    <a:ln>
+                      <a:noFill/>
+                    </a:ln>
+                  </c15:spPr>
+                  <c15:layout/>
+                  <c15:dlblFieldTable/>
+                  <c15:showDataLabelsRange val="0"/>
+                </c:ext>
+                <c:ext xmlns:c16="http://schemas.microsoft.com/office/drawing/2014/chart" uri="{C3380CC4-5D6E-409C-BE32-E72D297353CC}">
+                  <c16:uniqueId val="{00000001-F8B4-424A-AB0D-3BA81D2B0E2E}"/>
+                </c:ext>
+              </c:extLst>
+            </c:dLbl>
+            <c:dLbl>
+              <c:idx val="2"/>
+              <c:layout>
+                <c:manualLayout>
+                  <c:x val="-8.7235819714471086E-2"/>
+                  <c:y val="-5.4597848156936208E-3"/>
+                </c:manualLayout>
+              </c:layout>
+              <c:tx>
+                <c:rich>
+                  <a:bodyPr rot="0" spcFirstLastPara="1" vertOverflow="clip" horzOverflow="clip" vert="horz" wrap="square" lIns="38100" tIns="19050" rIns="38100" bIns="19050" anchor="ctr" anchorCtr="1">
+                    <a:spAutoFit/>
+                  </a:bodyPr>
+                  <a:lstStyle/>
+                  <a:p>
+                    <a:pPr>
+                      <a:defRPr sz="1197" b="0" i="0" u="none" strike="noStrike" kern="1200" baseline="0">
+                        <a:solidFill>
+                          <a:schemeClr val="dk1">
+                            <a:lumMod val="65000"/>
+                            <a:lumOff val="35000"/>
+                          </a:schemeClr>
+                        </a:solidFill>
+                        <a:latin typeface="+mn-lt"/>
+                        <a:ea typeface="+mn-ea"/>
+                        <a:cs typeface="+mn-cs"/>
+                      </a:defRPr>
+                    </a:pPr>
+                    <a:fld id="{36377EE8-3DA7-46A7-A329-21525C564AC4}" type="VALUE">
+                      <a:rPr lang="en-US" altLang="zh-CN" baseline="0" smtClean="0"/>
+                      <a:pPr>
+                        <a:defRPr/>
+                      </a:pPr>
+                      <a:t>[值]</a:t>
+                    </a:fld>
+                    <a:endParaRPr lang="zh-CN" altLang="en-US"/>
+                  </a:p>
+                </c:rich>
+              </c:tx>
+              <c:spPr>
+                <a:solidFill>
+                  <a:prstClr val="white"/>
+                </a:solidFill>
+                <a:ln w="9525" cap="flat" cmpd="sng" algn="ctr">
+                  <a:solidFill>
+                    <a:prstClr val="black">
+                      <a:lumMod val="25000"/>
+                      <a:lumOff val="75000"/>
+                    </a:prstClr>
+                  </a:solidFill>
+                  <a:prstDash val="solid"/>
+                  <a:round/>
+                  <a:headEnd type="none" w="med" len="med"/>
+                  <a:tailEnd type="none" w="med" len="med"/>
+                </a:ln>
+                <a:effectLst/>
+              </c:spPr>
+              <c:txPr>
+                <a:bodyPr rot="0" spcFirstLastPara="1" vertOverflow="clip" horzOverflow="clip" vert="horz" wrap="square" lIns="38100" tIns="19050" rIns="38100" bIns="19050" anchor="ctr" anchorCtr="1">
+                  <a:spAutoFit/>
+                </a:bodyPr>
+                <a:lstStyle/>
+                <a:p>
+                  <a:pPr>
+                    <a:defRPr sz="1197" b="0" i="0" u="none" strike="noStrike" kern="1200" baseline="0">
+                      <a:solidFill>
+                        <a:schemeClr val="dk1">
+                          <a:lumMod val="65000"/>
+                          <a:lumOff val="35000"/>
+                        </a:schemeClr>
+                      </a:solidFill>
+                      <a:latin typeface="+mn-lt"/>
+                      <a:ea typeface="+mn-ea"/>
+                      <a:cs typeface="+mn-cs"/>
+                    </a:defRPr>
+                  </a:pPr>
+                  <a:endParaRPr lang="zh-CN"/>
+                </a:p>
+              </c:txPr>
+              <c:showLegendKey val="0"/>
+              <c:showVal val="1"/>
+              <c:showCatName val="1"/>
+              <c:showSerName val="0"/>
+              <c:showPercent val="0"/>
+              <c:showBubbleSize val="0"/>
+              <c:extLst>
+                <c:ext xmlns:c15="http://schemas.microsoft.com/office/drawing/2012/chart" uri="{CE6537A1-D6FC-4f65-9D91-7224C49458BB}">
+                  <c15:spPr xmlns:c15="http://schemas.microsoft.com/office/drawing/2012/chart">
+                    <a:prstGeom prst="wedgeRectCallout">
+                      <a:avLst>
+                        <a:gd name="adj1" fmla="val 111897"/>
+                        <a:gd name="adj2" fmla="val 86205"/>
+                      </a:avLst>
+                    </a:prstGeom>
+                    <a:noFill/>
+                    <a:ln>
+                      <a:noFill/>
+                    </a:ln>
+                  </c15:spPr>
+                  <c15:layout/>
+                  <c15:dlblFieldTable/>
+                  <c15:showDataLabelsRange val="0"/>
+                </c:ext>
+                <c:ext xmlns:c16="http://schemas.microsoft.com/office/drawing/2014/chart" uri="{C3380CC4-5D6E-409C-BE32-E72D297353CC}">
+                  <c16:uniqueId val="{00000002-F8B4-424A-AB0D-3BA81D2B0E2E}"/>
+                </c:ext>
+              </c:extLst>
+            </c:dLbl>
+            <c:dLbl>
+              <c:idx val="3"/>
+              <c:layout>
+                <c:manualLayout>
+                  <c:x val="-4.3617909857235598E-2"/>
+                  <c:y val="-5.4597848156935712E-2"/>
+                </c:manualLayout>
+              </c:layout>
+              <c:tx>
+                <c:rich>
+                  <a:bodyPr rot="0" spcFirstLastPara="1" vertOverflow="clip" horzOverflow="clip" vert="horz" wrap="square" lIns="38100" tIns="19050" rIns="38100" bIns="19050" anchor="ctr" anchorCtr="1">
+                    <a:spAutoFit/>
+                  </a:bodyPr>
+                  <a:lstStyle/>
+                  <a:p>
+                    <a:pPr>
+                      <a:defRPr sz="1197" b="0" i="0" u="none" strike="noStrike" kern="1200" baseline="0">
+                        <a:solidFill>
+                          <a:schemeClr val="dk1">
+                            <a:lumMod val="65000"/>
+                            <a:lumOff val="35000"/>
+                          </a:schemeClr>
+                        </a:solidFill>
+                        <a:latin typeface="+mn-lt"/>
+                        <a:ea typeface="+mn-ea"/>
+                        <a:cs typeface="+mn-cs"/>
+                      </a:defRPr>
+                    </a:pPr>
+                    <a:fld id="{F4CA0C91-AD07-4AC0-86FD-0B6FF4363072}" type="VALUE">
+                      <a:rPr lang="en-US" altLang="zh-CN" baseline="0" smtClean="0"/>
+                      <a:pPr>
+                        <a:defRPr/>
+                      </a:pPr>
+                      <a:t>[值]</a:t>
+                    </a:fld>
+                    <a:endParaRPr lang="zh-CN" altLang="en-US"/>
+                  </a:p>
+                </c:rich>
+              </c:tx>
+              <c:spPr>
+                <a:solidFill>
+                  <a:prstClr val="white"/>
+                </a:solidFill>
+                <a:ln w="9525" cap="flat" cmpd="sng" algn="ctr">
+                  <a:solidFill>
+                    <a:prstClr val="black">
+                      <a:lumMod val="25000"/>
+                      <a:lumOff val="75000"/>
+                    </a:prstClr>
+                  </a:solidFill>
+                  <a:prstDash val="solid"/>
+                  <a:round/>
+                  <a:headEnd type="none" w="med" len="med"/>
+                  <a:tailEnd type="none" w="med" len="med"/>
+                </a:ln>
+                <a:effectLst/>
+              </c:spPr>
+              <c:txPr>
+                <a:bodyPr rot="0" spcFirstLastPara="1" vertOverflow="clip" horzOverflow="clip" vert="horz" wrap="square" lIns="38100" tIns="19050" rIns="38100" bIns="19050" anchor="ctr" anchorCtr="1">
+                  <a:spAutoFit/>
+                </a:bodyPr>
+                <a:lstStyle/>
+                <a:p>
+                  <a:pPr>
+                    <a:defRPr sz="1197" b="0" i="0" u="none" strike="noStrike" kern="1200" baseline="0">
+                      <a:solidFill>
+                        <a:schemeClr val="dk1">
+                          <a:lumMod val="65000"/>
+                          <a:lumOff val="35000"/>
+                        </a:schemeClr>
+                      </a:solidFill>
+                      <a:latin typeface="+mn-lt"/>
+                      <a:ea typeface="+mn-ea"/>
+                      <a:cs typeface="+mn-cs"/>
+                    </a:defRPr>
+                  </a:pPr>
+                  <a:endParaRPr lang="zh-CN"/>
+                </a:p>
+              </c:txPr>
+              <c:showLegendKey val="0"/>
+              <c:showVal val="1"/>
+              <c:showCatName val="1"/>
+              <c:showSerName val="0"/>
+              <c:showPercent val="0"/>
+              <c:showBubbleSize val="0"/>
+              <c:extLst>
+                <c:ext xmlns:c15="http://schemas.microsoft.com/office/drawing/2012/chart" uri="{CE6537A1-D6FC-4f65-9D91-7224C49458BB}">
+                  <c15:spPr xmlns:c15="http://schemas.microsoft.com/office/drawing/2012/chart">
+                    <a:prstGeom prst="wedgeRectCallout">
+                      <a:avLst>
+                        <a:gd name="adj1" fmla="val 60145"/>
+                        <a:gd name="adj2" fmla="val 134550"/>
+                      </a:avLst>
+                    </a:prstGeom>
+                    <a:noFill/>
+                    <a:ln>
+                      <a:noFill/>
+                    </a:ln>
+                  </c15:spPr>
+                  <c15:dlblFieldTable/>
+                  <c15:showDataLabelsRange val="0"/>
+                </c:ext>
+                <c:ext xmlns:c16="http://schemas.microsoft.com/office/drawing/2014/chart" uri="{C3380CC4-5D6E-409C-BE32-E72D297353CC}">
+                  <c16:uniqueId val="{00000003-F8B4-424A-AB0D-3BA81D2B0E2E}"/>
+                </c:ext>
+              </c:extLst>
+            </c:dLbl>
+            <c:spPr>
+              <a:solidFill>
+                <a:prstClr val="white"/>
+              </a:solidFill>
+              <a:ln>
+                <a:solidFill>
+                  <a:prstClr val="black">
+                    <a:lumMod val="25000"/>
+                    <a:lumOff val="75000"/>
+                  </a:prstClr>
+                </a:solidFill>
+              </a:ln>
+              <a:effectLst/>
+            </c:spPr>
+            <c:txPr>
+              <a:bodyPr rot="0" spcFirstLastPara="1" vertOverflow="clip" horzOverflow="clip" vert="horz" wrap="square" lIns="38100" tIns="19050" rIns="38100" bIns="19050" anchor="ctr" anchorCtr="1">
+                <a:spAutoFit/>
+              </a:bodyPr>
+              <a:lstStyle/>
+              <a:p>
+                <a:pPr>
+                  <a:defRPr sz="1197" b="0" i="0" u="none" strike="noStrike" kern="1200" baseline="0">
+                    <a:solidFill>
+                      <a:schemeClr val="dk1">
+                        <a:lumMod val="65000"/>
+                        <a:lumOff val="35000"/>
+                      </a:schemeClr>
+                    </a:solidFill>
+                    <a:latin typeface="+mn-lt"/>
+                    <a:ea typeface="+mn-ea"/>
+                    <a:cs typeface="+mn-cs"/>
+                  </a:defRPr>
+                </a:pPr>
+                <a:endParaRPr lang="zh-CN"/>
+              </a:p>
+            </c:txPr>
+            <c:showLegendKey val="0"/>
+            <c:showVal val="1"/>
+            <c:showCatName val="1"/>
+            <c:showSerName val="0"/>
+            <c:showPercent val="0"/>
+            <c:showBubbleSize val="0"/>
+            <c:showLeaderLines val="0"/>
+            <c:extLst>
+              <c:ext xmlns:c15="http://schemas.microsoft.com/office/drawing/2012/chart" uri="{CE6537A1-D6FC-4f65-9D91-7224C49458BB}">
+                <c15:spPr xmlns:c15="http://schemas.microsoft.com/office/drawing/2012/chart">
+                  <a:prstGeom prst="wedgeRectCallout">
+                    <a:avLst/>
+                  </a:prstGeom>
+                  <a:noFill/>
+                  <a:ln>
+                    <a:noFill/>
+                  </a:ln>
+                </c15:spPr>
+                <c15:showLeaderLines val="0"/>
+              </c:ext>
+            </c:extLst>
+          </c:dLbls>
+          <c:cat>
+            <c:strRef>
+              <c:f>Sheet1!$A$2:$A$3</c:f>
+              <c:strCache>
+                <c:ptCount val="2"/>
+                <c:pt idx="0">
+                  <c:v>无优化</c:v>
+                </c:pt>
+                <c:pt idx="1">
+                  <c:v>Dsp加速</c:v>
+                </c:pt>
+              </c:strCache>
+            </c:strRef>
+          </c:cat>
+          <c:val>
+            <c:numRef>
+              <c:f>Sheet1!$B$2:$B$3</c:f>
+              <c:numCache>
+                <c:formatCode>General</c:formatCode>
+                <c:ptCount val="2"/>
+                <c:pt idx="0">
+                  <c:v>32</c:v>
+                </c:pt>
+                <c:pt idx="1">
+                  <c:v>19</c:v>
+                </c:pt>
+              </c:numCache>
+            </c:numRef>
+          </c:val>
+          <c:extLst>
+            <c:ext xmlns:c16="http://schemas.microsoft.com/office/drawing/2014/chart" uri="{C3380CC4-5D6E-409C-BE32-E72D297353CC}">
+              <c16:uniqueId val="{00000004-F8B4-424A-AB0D-3BA81D2B0E2E}"/>
+            </c:ext>
+          </c:extLst>
+        </c:ser>
+        <c:ser>
+          <c:idx val="1"/>
+          <c:order val="1"/>
+          <c:tx>
+            <c:strRef>
+              <c:f>Sheet1!$C$1</c:f>
+              <c:strCache>
+                <c:ptCount val="1"/>
+                <c:pt idx="0">
+                  <c:v>多任务</c:v>
+                </c:pt>
+              </c:strCache>
+            </c:strRef>
+          </c:tx>
+          <c:spPr>
+            <a:solidFill>
+              <a:schemeClr val="accent6"/>
+            </a:solidFill>
+            <a:ln>
+              <a:noFill/>
+            </a:ln>
+            <a:effectLst/>
+            <a:sp3d/>
+          </c:spPr>
+          <c:invertIfNegative val="0"/>
+          <c:dLbls>
+            <c:dLbl>
+              <c:idx val="2"/>
+              <c:layout>
+                <c:manualLayout>
+                  <c:x val="7.2696516428725821E-2"/>
+                  <c:y val="-7.6436987419710001E-2"/>
+                </c:manualLayout>
+              </c:layout>
+              <c:tx>
+                <c:rich>
+                  <a:bodyPr rot="0" spcFirstLastPara="1" vertOverflow="clip" horzOverflow="clip" vert="horz" wrap="square" lIns="38100" tIns="19050" rIns="38100" bIns="19050" anchor="ctr" anchorCtr="1">
+                    <a:spAutoFit/>
+                  </a:bodyPr>
+                  <a:lstStyle/>
+                  <a:p>
+                    <a:pPr>
+                      <a:defRPr sz="1197" b="0" i="0" u="none" strike="noStrike" kern="1200" baseline="0">
+                        <a:solidFill>
+                          <a:schemeClr val="dk1">
+                            <a:lumMod val="65000"/>
+                            <a:lumOff val="35000"/>
+                          </a:schemeClr>
+                        </a:solidFill>
+                        <a:latin typeface="+mn-lt"/>
+                        <a:ea typeface="+mn-ea"/>
+                        <a:cs typeface="+mn-cs"/>
+                      </a:defRPr>
+                    </a:pPr>
+                    <a:fld id="{2A4A7BBA-62FB-4703-B27C-9D989421CDC7}" type="VALUE">
+                      <a:rPr lang="en-US" altLang="zh-CN" baseline="0" smtClean="0"/>
+                      <a:pPr>
+                        <a:defRPr/>
+                      </a:pPr>
+                      <a:t>[值]</a:t>
+                    </a:fld>
+                    <a:endParaRPr lang="zh-CN" altLang="en-US"/>
+                  </a:p>
+                </c:rich>
+              </c:tx>
+              <c:spPr>
+                <a:solidFill>
+                  <a:prstClr val="white"/>
+                </a:solidFill>
+                <a:ln w="9525" cap="flat" cmpd="sng" algn="ctr">
+                  <a:solidFill>
+                    <a:prstClr val="black">
+                      <a:lumMod val="25000"/>
+                      <a:lumOff val="75000"/>
+                    </a:prstClr>
+                  </a:solidFill>
+                  <a:prstDash val="solid"/>
+                  <a:round/>
+                  <a:headEnd type="none" w="med" len="med"/>
+                  <a:tailEnd type="none" w="med" len="med"/>
+                </a:ln>
+                <a:effectLst/>
+              </c:spPr>
+              <c:txPr>
+                <a:bodyPr rot="0" spcFirstLastPara="1" vertOverflow="clip" horzOverflow="clip" vert="horz" wrap="square" lIns="38100" tIns="19050" rIns="38100" bIns="19050" anchor="ctr" anchorCtr="1">
+                  <a:spAutoFit/>
+                </a:bodyPr>
+                <a:lstStyle/>
+                <a:p>
+                  <a:pPr>
+                    <a:defRPr sz="1197" b="0" i="0" u="none" strike="noStrike" kern="1200" baseline="0">
+                      <a:solidFill>
+                        <a:schemeClr val="dk1">
+                          <a:lumMod val="65000"/>
+                          <a:lumOff val="35000"/>
+                        </a:schemeClr>
+                      </a:solidFill>
+                      <a:latin typeface="+mn-lt"/>
+                      <a:ea typeface="+mn-ea"/>
+                      <a:cs typeface="+mn-cs"/>
+                    </a:defRPr>
+                  </a:pPr>
+                  <a:endParaRPr lang="zh-CN"/>
+                </a:p>
+              </c:txPr>
+              <c:showLegendKey val="0"/>
+              <c:showVal val="1"/>
+              <c:showCatName val="1"/>
+              <c:showSerName val="0"/>
+              <c:showPercent val="0"/>
+              <c:showBubbleSize val="0"/>
+              <c:extLst>
+                <c:ext xmlns:c15="http://schemas.microsoft.com/office/drawing/2012/chart" uri="{CE6537A1-D6FC-4f65-9D91-7224C49458BB}">
+                  <c15:spPr xmlns:c15="http://schemas.microsoft.com/office/drawing/2012/chart">
+                    <a:prstGeom prst="wedgeRectCallout">
+                      <a:avLst>
+                        <a:gd name="adj1" fmla="val -98841"/>
+                        <a:gd name="adj2" fmla="val 143683"/>
+                      </a:avLst>
+                    </a:prstGeom>
+                    <a:noFill/>
+                    <a:ln>
+                      <a:noFill/>
+                    </a:ln>
+                  </c15:spPr>
+                  <c15:layout/>
+                  <c15:dlblFieldTable/>
+                  <c15:showDataLabelsRange val="0"/>
+                </c:ext>
+                <c:ext xmlns:c16="http://schemas.microsoft.com/office/drawing/2014/chart" uri="{C3380CC4-5D6E-409C-BE32-E72D297353CC}">
+                  <c16:uniqueId val="{00000005-F8B4-424A-AB0D-3BA81D2B0E2E}"/>
+                </c:ext>
+              </c:extLst>
+            </c:dLbl>
+            <c:dLbl>
+              <c:idx val="3"/>
+              <c:layout>
+                <c:manualLayout>
+                  <c:x val="4.9433631171533446E-2"/>
+                  <c:y val="-5.459784815693576E-2"/>
+                </c:manualLayout>
+              </c:layout>
+              <c:tx>
+                <c:rich>
+                  <a:bodyPr rot="0" spcFirstLastPara="1" vertOverflow="clip" horzOverflow="clip" vert="horz" wrap="square" lIns="38100" tIns="19050" rIns="38100" bIns="19050" anchor="ctr" anchorCtr="1">
+                    <a:spAutoFit/>
+                  </a:bodyPr>
+                  <a:lstStyle/>
+                  <a:p>
+                    <a:pPr>
+                      <a:defRPr sz="1197" b="0" i="0" u="none" strike="noStrike" kern="1200" baseline="0">
+                        <a:solidFill>
+                          <a:schemeClr val="dk1">
+                            <a:lumMod val="65000"/>
+                            <a:lumOff val="35000"/>
+                          </a:schemeClr>
+                        </a:solidFill>
+                        <a:latin typeface="+mn-lt"/>
+                        <a:ea typeface="+mn-ea"/>
+                        <a:cs typeface="+mn-cs"/>
+                      </a:defRPr>
+                    </a:pPr>
+                    <a:fld id="{3ABF1A2B-47DD-4F0E-A595-10C87A06BD05}" type="VALUE">
+                      <a:rPr lang="en-US" altLang="zh-CN" baseline="0" smtClean="0"/>
+                      <a:pPr>
+                        <a:defRPr/>
+                      </a:pPr>
+                      <a:t>[值]</a:t>
+                    </a:fld>
+                    <a:endParaRPr lang="zh-CN" altLang="en-US"/>
+                  </a:p>
+                </c:rich>
+              </c:tx>
+              <c:spPr>
+                <a:solidFill>
+                  <a:prstClr val="white"/>
+                </a:solidFill>
+                <a:ln w="9525" cap="flat" cmpd="sng" algn="ctr">
+                  <a:solidFill>
+                    <a:prstClr val="black">
+                      <a:lumMod val="25000"/>
+                      <a:lumOff val="75000"/>
+                    </a:prstClr>
+                  </a:solidFill>
+                  <a:prstDash val="solid"/>
+                  <a:round/>
+                  <a:headEnd type="none" w="med" len="med"/>
+                  <a:tailEnd type="none" w="med" len="med"/>
+                </a:ln>
+                <a:effectLst/>
+              </c:spPr>
+              <c:txPr>
+                <a:bodyPr rot="0" spcFirstLastPara="1" vertOverflow="clip" horzOverflow="clip" vert="horz" wrap="square" lIns="38100" tIns="19050" rIns="38100" bIns="19050" anchor="ctr" anchorCtr="1">
+                  <a:spAutoFit/>
+                </a:bodyPr>
+                <a:lstStyle/>
+                <a:p>
+                  <a:pPr>
+                    <a:defRPr sz="1197" b="0" i="0" u="none" strike="noStrike" kern="1200" baseline="0">
+                      <a:solidFill>
+                        <a:schemeClr val="dk1">
+                          <a:lumMod val="65000"/>
+                          <a:lumOff val="35000"/>
+                        </a:schemeClr>
+                      </a:solidFill>
+                      <a:latin typeface="+mn-lt"/>
+                      <a:ea typeface="+mn-ea"/>
+                      <a:cs typeface="+mn-cs"/>
+                    </a:defRPr>
+                  </a:pPr>
+                  <a:endParaRPr lang="zh-CN"/>
+                </a:p>
+              </c:txPr>
+              <c:showLegendKey val="0"/>
+              <c:showVal val="1"/>
+              <c:showCatName val="1"/>
+              <c:showSerName val="0"/>
+              <c:showPercent val="0"/>
+              <c:showBubbleSize val="0"/>
+              <c:extLst>
+                <c:ext xmlns:c15="http://schemas.microsoft.com/office/drawing/2012/chart" uri="{CE6537A1-D6FC-4f65-9D91-7224C49458BB}">
+                  <c15:spPr xmlns:c15="http://schemas.microsoft.com/office/drawing/2012/chart">
+                    <a:prstGeom prst="wedgeRectCallout">
+                      <a:avLst>
+                        <a:gd name="adj1" fmla="val -49420"/>
+                        <a:gd name="adj2" fmla="val 139385"/>
+                      </a:avLst>
+                    </a:prstGeom>
+                    <a:noFill/>
+                    <a:ln>
+                      <a:noFill/>
+                    </a:ln>
+                  </c15:spPr>
+                  <c15:dlblFieldTable/>
+                  <c15:showDataLabelsRange val="0"/>
+                </c:ext>
+                <c:ext xmlns:c16="http://schemas.microsoft.com/office/drawing/2014/chart" uri="{C3380CC4-5D6E-409C-BE32-E72D297353CC}">
+                  <c16:uniqueId val="{00000006-F8B4-424A-AB0D-3BA81D2B0E2E}"/>
+                </c:ext>
+              </c:extLst>
+            </c:dLbl>
+            <c:spPr>
+              <a:solidFill>
+                <a:prstClr val="white"/>
+              </a:solidFill>
+              <a:ln>
+                <a:solidFill>
+                  <a:prstClr val="black">
+                    <a:lumMod val="25000"/>
+                    <a:lumOff val="75000"/>
+                  </a:prstClr>
+                </a:solidFill>
+              </a:ln>
+              <a:effectLst/>
+            </c:spPr>
+            <c:txPr>
+              <a:bodyPr rot="0" spcFirstLastPara="1" vertOverflow="clip" horzOverflow="clip" vert="horz" wrap="square" lIns="38100" tIns="19050" rIns="38100" bIns="19050" anchor="ctr" anchorCtr="1">
+                <a:spAutoFit/>
+              </a:bodyPr>
+              <a:lstStyle/>
+              <a:p>
+                <a:pPr>
+                  <a:defRPr sz="1197" b="0" i="0" u="none" strike="noStrike" kern="1200" baseline="0">
+                    <a:solidFill>
+                      <a:schemeClr val="dk1">
+                        <a:lumMod val="65000"/>
+                        <a:lumOff val="35000"/>
+                      </a:schemeClr>
+                    </a:solidFill>
+                    <a:latin typeface="+mn-lt"/>
+                    <a:ea typeface="+mn-ea"/>
+                    <a:cs typeface="+mn-cs"/>
+                  </a:defRPr>
+                </a:pPr>
+                <a:endParaRPr lang="zh-CN"/>
+              </a:p>
+            </c:txPr>
+            <c:showLegendKey val="0"/>
+            <c:showVal val="1"/>
+            <c:showCatName val="1"/>
+            <c:showSerName val="0"/>
+            <c:showPercent val="0"/>
+            <c:showBubbleSize val="0"/>
+            <c:showLeaderLines val="0"/>
+            <c:extLst>
+              <c:ext xmlns:c15="http://schemas.microsoft.com/office/drawing/2012/chart" uri="{CE6537A1-D6FC-4f65-9D91-7224C49458BB}">
+                <c15:spPr xmlns:c15="http://schemas.microsoft.com/office/drawing/2012/chart">
+                  <a:prstGeom prst="wedgeRectCallout">
+                    <a:avLst/>
+                  </a:prstGeom>
+                  <a:noFill/>
+                  <a:ln>
+                    <a:noFill/>
+                  </a:ln>
+                </c15:spPr>
+                <c15:showLeaderLines val="0"/>
+              </c:ext>
+            </c:extLst>
+          </c:dLbls>
+          <c:cat>
+            <c:strRef>
+              <c:f>Sheet1!$A$2:$A$3</c:f>
+              <c:strCache>
+                <c:ptCount val="2"/>
+                <c:pt idx="0">
+                  <c:v>无优化</c:v>
+                </c:pt>
+                <c:pt idx="1">
+                  <c:v>Dsp加速</c:v>
+                </c:pt>
+              </c:strCache>
+            </c:strRef>
+          </c:cat>
+          <c:val>
+            <c:numRef>
+              <c:f>Sheet1!$C$2:$C$3</c:f>
+              <c:numCache>
+                <c:formatCode>General</c:formatCode>
+                <c:ptCount val="2"/>
+              </c:numCache>
+            </c:numRef>
+          </c:val>
+          <c:extLst>
+            <c:ext xmlns:c16="http://schemas.microsoft.com/office/drawing/2014/chart" uri="{C3380CC4-5D6E-409C-BE32-E72D297353CC}">
+              <c16:uniqueId val="{00000007-F8B4-424A-AB0D-3BA81D2B0E2E}"/>
+            </c:ext>
+          </c:extLst>
+        </c:ser>
+        <c:dLbls>
+          <c:showLegendKey val="0"/>
+          <c:showVal val="0"/>
+          <c:showCatName val="0"/>
+          <c:showSerName val="0"/>
+          <c:showPercent val="0"/>
+          <c:showBubbleSize val="0"/>
+        </c:dLbls>
+        <c:gapWidth val="126"/>
+        <c:shape val="box"/>
+        <c:axId val="1277804784"/>
+        <c:axId val="1277801040"/>
+        <c:axId val="0"/>
+      </c:bar3DChart>
+      <c:catAx>
+        <c:axId val="1277804784"/>
+        <c:scaling>
+          <c:orientation val="minMax"/>
+        </c:scaling>
+        <c:delete val="0"/>
+        <c:axPos val="b"/>
+        <c:numFmt formatCode="General" sourceLinked="1"/>
+        <c:majorTickMark val="none"/>
+        <c:minorTickMark val="none"/>
+        <c:tickLblPos val="nextTo"/>
+        <c:spPr>
+          <a:noFill/>
+          <a:ln>
+            <a:noFill/>
+          </a:ln>
+          <a:effectLst/>
+        </c:spPr>
+        <c:txPr>
+          <a:bodyPr rot="-60000000" spcFirstLastPara="1" vertOverflow="ellipsis" vert="horz" wrap="square" anchor="ctr" anchorCtr="1"/>
+          <a:lstStyle/>
+          <a:p>
+            <a:pPr>
+              <a:defRPr sz="1050" b="0" i="0" u="none" strike="noStrike" kern="1200" baseline="0">
+                <a:solidFill>
+                  <a:schemeClr val="tx1">
+                    <a:lumMod val="65000"/>
+                    <a:lumOff val="35000"/>
+                  </a:schemeClr>
+                </a:solidFill>
+                <a:latin typeface="+mn-lt"/>
+                <a:ea typeface="+mn-ea"/>
+                <a:cs typeface="+mn-cs"/>
+              </a:defRPr>
+            </a:pPr>
+            <a:endParaRPr lang="zh-CN"/>
+          </a:p>
+        </c:txPr>
+        <c:crossAx val="1277801040"/>
+        <c:crosses val="autoZero"/>
+        <c:auto val="1"/>
+        <c:lblAlgn val="ctr"/>
+        <c:lblOffset val="100"/>
+        <c:noMultiLvlLbl val="0"/>
+      </c:catAx>
+      <c:valAx>
+        <c:axId val="1277801040"/>
+        <c:scaling>
+          <c:orientation val="minMax"/>
+        </c:scaling>
+        <c:delete val="0"/>
+        <c:axPos val="l"/>
+        <c:majorGridlines>
+          <c:spPr>
+            <a:ln w="9525" cap="flat" cmpd="sng" algn="ctr">
+              <a:solidFill>
+                <a:schemeClr val="tx1">
+                  <a:lumMod val="15000"/>
+                  <a:lumOff val="85000"/>
+                </a:schemeClr>
+              </a:solidFill>
+              <a:round/>
+            </a:ln>
+            <a:effectLst/>
+          </c:spPr>
+        </c:majorGridlines>
+        <c:numFmt formatCode="General" sourceLinked="1"/>
+        <c:majorTickMark val="none"/>
+        <c:minorTickMark val="none"/>
+        <c:tickLblPos val="nextTo"/>
+        <c:spPr>
+          <a:noFill/>
+          <a:ln>
+            <a:noFill/>
+          </a:ln>
+          <a:effectLst/>
+        </c:spPr>
+        <c:txPr>
+          <a:bodyPr rot="-60000000" spcFirstLastPara="1" vertOverflow="ellipsis" vert="horz" wrap="square" anchor="ctr" anchorCtr="1"/>
+          <a:lstStyle/>
+          <a:p>
+            <a:pPr>
+              <a:defRPr sz="1197" b="0" i="0" u="none" strike="noStrike" kern="1200" baseline="0">
+                <a:solidFill>
+                  <a:schemeClr val="tx1">
+                    <a:lumMod val="65000"/>
+                    <a:lumOff val="35000"/>
+                  </a:schemeClr>
+                </a:solidFill>
+                <a:latin typeface="+mn-lt"/>
+                <a:ea typeface="+mn-ea"/>
+                <a:cs typeface="+mn-cs"/>
+              </a:defRPr>
+            </a:pPr>
+            <a:endParaRPr lang="zh-CN"/>
+          </a:p>
+        </c:txPr>
+        <c:crossAx val="1277804784"/>
+        <c:crosses val="autoZero"/>
+        <c:crossBetween val="between"/>
+      </c:valAx>
+      <c:spPr>
+        <a:noFill/>
+        <a:ln>
+          <a:noFill/>
+        </a:ln>
+        <a:effectLst/>
+      </c:spPr>
+    </c:plotArea>
+    <c:plotVisOnly val="1"/>
+    <c:dispBlanksAs val="gap"/>
+    <c:showDLblsOverMax val="0"/>
+  </c:chart>
+  <c:spPr>
+    <a:noFill/>
+    <a:ln>
+      <a:noFill/>
+    </a:ln>
+    <a:effectLst/>
+  </c:spPr>
+  <c:txPr>
+    <a:bodyPr/>
+    <a:lstStyle/>
+    <a:p>
+      <a:pPr>
+        <a:defRPr/>
+      </a:pPr>
+      <a:endParaRPr lang="zh-CN"/>
+    </a:p>
+  </c:txPr>
+  <c:externalData r:id="rId3">
+    <c:autoUpdate val="0"/>
+  </c:externalData>
+</c:chartSpace>
+</file>
+
+<file path=ppt/charts/chart2.xml><?xml version="1.0" encoding="utf-8"?>
+<c:chartSpace xmlns:c="http://schemas.openxmlformats.org/drawingml/2006/chart" xmlns:a="http://schemas.openxmlformats.org/drawingml/2006/main" xmlns:r="http://schemas.openxmlformats.org/officeDocument/2006/relationships" xmlns:c16r2="http://schemas.microsoft.com/office/drawing/2015/06/chart">
+  <c:date1904 val="0"/>
+  <c:lang val="zh-CN"/>
+  <c:roundedCorners val="0"/>
+  <mc:AlternateContent xmlns:mc="http://schemas.openxmlformats.org/markup-compatibility/2006">
+    <mc:Choice xmlns:c14="http://schemas.microsoft.com/office/drawing/2007/8/2/chart" Requires="c14">
+      <c14:style val="102"/>
+    </mc:Choice>
+    <mc:Fallback>
+      <c:style val="2"/>
+    </mc:Fallback>
+  </mc:AlternateContent>
+  <c:chart>
+    <c:title>
+      <c:tx>
+        <c:rich>
+          <a:bodyPr rot="0" spcFirstLastPara="1" vertOverflow="ellipsis" vert="horz" wrap="square" anchor="ctr" anchorCtr="1"/>
+          <a:lstStyle/>
+          <a:p>
+            <a:pPr>
+              <a:defRPr sz="1862" b="0" i="0" u="none" strike="noStrike" kern="1200" spc="0" baseline="0">
+                <a:solidFill>
+                  <a:schemeClr val="tx1">
+                    <a:lumMod val="65000"/>
+                    <a:lumOff val="35000"/>
+                  </a:schemeClr>
+                </a:solidFill>
+                <a:latin typeface="+mn-lt"/>
+                <a:ea typeface="+mn-ea"/>
+                <a:cs typeface="+mn-cs"/>
+              </a:defRPr>
+            </a:pPr>
+            <a:r>
+              <a:rPr lang="zh-CN" altLang="en-US" dirty="0" smtClean="0"/>
+              <a:t>性能对比图</a:t>
+            </a:r>
+            <a:endParaRPr lang="zh-CN" altLang="en-US" dirty="0"/>
+          </a:p>
+        </c:rich>
+      </c:tx>
+      <c:layout>
+        <c:manualLayout>
+          <c:xMode val="edge"/>
+          <c:yMode val="edge"/>
+          <c:x val="0.33037212373656888"/>
+          <c:y val="0.12011526594525856"/>
+        </c:manualLayout>
+      </c:layout>
+      <c:overlay val="0"/>
+      <c:spPr>
+        <a:noFill/>
+        <a:ln>
+          <a:noFill/>
+        </a:ln>
+        <a:effectLst/>
+      </c:spPr>
+      <c:txPr>
+        <a:bodyPr rot="0" spcFirstLastPara="1" vertOverflow="ellipsis" vert="horz" wrap="square" anchor="ctr" anchorCtr="1"/>
+        <a:lstStyle/>
+        <a:p>
+          <a:pPr>
+            <a:defRPr sz="1862" b="0" i="0" u="none" strike="noStrike" kern="1200" spc="0" baseline="0">
+              <a:solidFill>
+                <a:schemeClr val="tx1">
+                  <a:lumMod val="65000"/>
+                  <a:lumOff val="35000"/>
+                </a:schemeClr>
+              </a:solidFill>
+              <a:latin typeface="+mn-lt"/>
+              <a:ea typeface="+mn-ea"/>
+              <a:cs typeface="+mn-cs"/>
+            </a:defRPr>
+          </a:pPr>
+          <a:endParaRPr lang="zh-CN"/>
+        </a:p>
+      </c:txPr>
+    </c:title>
+    <c:autoTitleDeleted val="0"/>
+    <c:view3D>
+      <c:rotX val="15"/>
+      <c:rotY val="20"/>
+      <c:depthPercent val="100"/>
+      <c:rAngAx val="1"/>
+    </c:view3D>
+    <c:floor>
+      <c:thickness val="0"/>
+      <c:spPr>
+        <a:noFill/>
+        <a:ln>
+          <a:noFill/>
+        </a:ln>
+        <a:effectLst/>
+        <a:sp3d/>
+      </c:spPr>
+    </c:floor>
+    <c:sideWall>
+      <c:thickness val="0"/>
+      <c:spPr>
+        <a:noFill/>
+        <a:ln>
+          <a:noFill/>
+        </a:ln>
+        <a:effectLst/>
+        <a:sp3d/>
+      </c:spPr>
+    </c:sideWall>
+    <c:backWall>
+      <c:thickness val="0"/>
+      <c:spPr>
+        <a:noFill/>
+        <a:ln>
+          <a:noFill/>
+        </a:ln>
+        <a:effectLst/>
+        <a:sp3d/>
+      </c:spPr>
+    </c:backWall>
+    <c:plotArea>
+      <c:layout>
+        <c:manualLayout>
+          <c:layoutTarget val="inner"/>
+          <c:xMode val="edge"/>
+          <c:yMode val="edge"/>
+          <c:x val="9.0454157462257337E-2"/>
+          <c:y val="5.5613282151791468E-2"/>
+          <c:w val="0.90954584253774273"/>
+          <c:h val="0.82407283610886717"/>
+        </c:manualLayout>
+      </c:layout>
+      <c:bar3DChart>
+        <c:barDir val="col"/>
+        <c:grouping val="clustered"/>
+        <c:varyColors val="0"/>
+        <c:ser>
+          <c:idx val="0"/>
+          <c:order val="0"/>
+          <c:tx>
+            <c:strRef>
+              <c:f>Sheet1!$B$1</c:f>
+              <c:strCache>
+                <c:ptCount val="1"/>
+                <c:pt idx="0">
+                  <c:v>单任务</c:v>
+                </c:pt>
+              </c:strCache>
+            </c:strRef>
+          </c:tx>
+          <c:spPr>
+            <a:solidFill>
+              <a:srgbClr val="9A6DD5"/>
+            </a:solidFill>
+            <a:ln>
+              <a:noFill/>
+            </a:ln>
+            <a:effectLst/>
+            <a:sp3d/>
+          </c:spPr>
+          <c:invertIfNegative val="0"/>
+          <c:dLbls>
+            <c:dLbl>
+              <c:idx val="0"/>
+              <c:layout>
+                <c:manualLayout>
+                  <c:x val="-3.8601163102126121E-2"/>
+                  <c:y val="-4.6408170933395367E-2"/>
+                </c:manualLayout>
+              </c:layout>
+              <c:tx>
+                <c:rich>
+                  <a:bodyPr rot="0" spcFirstLastPara="1" vertOverflow="clip" horzOverflow="clip" vert="horz" wrap="square" lIns="38100" tIns="19050" rIns="38100" bIns="19050" anchor="ctr" anchorCtr="1">
+                    <a:noAutofit/>
+                  </a:bodyPr>
+                  <a:lstStyle/>
+                  <a:p>
+                    <a:pPr>
+                      <a:defRPr sz="1197" b="0" i="0" u="none" strike="noStrike" kern="1200" baseline="0">
+                        <a:solidFill>
+                          <a:schemeClr val="dk1">
+                            <a:lumMod val="65000"/>
+                            <a:lumOff val="35000"/>
+                          </a:schemeClr>
+                        </a:solidFill>
+                        <a:latin typeface="+mn-lt"/>
+                        <a:ea typeface="+mn-ea"/>
+                        <a:cs typeface="+mn-cs"/>
+                      </a:defRPr>
+                    </a:pPr>
+                    <a:fld id="{AEECC724-1958-4EB5-BB7C-AAFDF3861943}" type="VALUE">
+                      <a:rPr lang="en-US" altLang="zh-CN" baseline="0" smtClean="0"/>
+                      <a:pPr>
+                        <a:defRPr/>
+                      </a:pPr>
+                      <a:t>[值]</a:t>
+                    </a:fld>
+                    <a:endParaRPr lang="zh-CN" altLang="en-US"/>
+                  </a:p>
+                </c:rich>
+              </c:tx>
+              <c:spPr>
+                <a:xfrm>
+                  <a:off x="524862" y="34129"/>
+                  <a:ext cx="247321" cy="225314"/>
+                </a:xfrm>
+                <a:solidFill>
+                  <a:prstClr val="white"/>
+                </a:solidFill>
+                <a:ln w="9525" cap="flat" cmpd="sng" algn="ctr">
+                  <a:solidFill>
+                    <a:prstClr val="black">
+                      <a:lumMod val="25000"/>
+                      <a:lumOff val="75000"/>
+                    </a:prstClr>
+                  </a:solidFill>
+                  <a:prstDash val="solid"/>
+                  <a:round/>
+                  <a:headEnd type="none" w="med" len="med"/>
+                  <a:tailEnd type="none" w="med" len="med"/>
+                </a:ln>
+                <a:effectLst/>
+              </c:spPr>
+              <c:txPr>
+                <a:bodyPr rot="0" spcFirstLastPara="1" vertOverflow="clip" horzOverflow="clip" vert="horz" wrap="square" lIns="38100" tIns="19050" rIns="38100" bIns="19050" anchor="ctr" anchorCtr="1">
+                  <a:noAutofit/>
+                </a:bodyPr>
+                <a:lstStyle/>
+                <a:p>
+                  <a:pPr>
+                    <a:defRPr sz="1197" b="0" i="0" u="none" strike="noStrike" kern="1200" baseline="0">
+                      <a:solidFill>
+                        <a:schemeClr val="dk1">
+                          <a:lumMod val="65000"/>
+                          <a:lumOff val="35000"/>
+                        </a:schemeClr>
+                      </a:solidFill>
+                      <a:latin typeface="+mn-lt"/>
+                      <a:ea typeface="+mn-ea"/>
+                      <a:cs typeface="+mn-cs"/>
+                    </a:defRPr>
+                  </a:pPr>
+                  <a:endParaRPr lang="zh-CN"/>
+                </a:p>
+              </c:txPr>
+              <c:showLegendKey val="0"/>
+              <c:showVal val="1"/>
+              <c:showCatName val="1"/>
+              <c:showSerName val="0"/>
+              <c:showPercent val="0"/>
+              <c:showBubbleSize val="0"/>
+              <c:extLst>
+                <c:ext xmlns:c15="http://schemas.microsoft.com/office/drawing/2012/chart" uri="{CE6537A1-D6FC-4f65-9D91-7224C49458BB}">
+                  <c15:spPr xmlns:c15="http://schemas.microsoft.com/office/drawing/2012/chart">
+                    <a:prstGeom prst="wedgeRectCallout">
+                      <a:avLst>
+                        <a:gd name="adj1" fmla="val 62833"/>
+                        <a:gd name="adj2" fmla="val 128272"/>
+                      </a:avLst>
+                    </a:prstGeom>
+                    <a:noFill/>
+                    <a:ln>
+                      <a:noFill/>
+                    </a:ln>
+                  </c15:spPr>
+                  <c15:layout>
+                    <c:manualLayout>
+                      <c:w val="8.701647130606957E-2"/>
+                      <c:h val="0.11870260036223737"/>
+                    </c:manualLayout>
+                  </c15:layout>
+                  <c15:dlblFieldTable/>
+                  <c15:showDataLabelsRange val="0"/>
+                </c:ext>
+                <c:ext xmlns:c16="http://schemas.microsoft.com/office/drawing/2014/chart" uri="{C3380CC4-5D6E-409C-BE32-E72D297353CC}">
+                  <c16:uniqueId val="{00000000-C50F-4186-8FD4-2B4E1CD99847}"/>
+                </c:ext>
+              </c:extLst>
+            </c:dLbl>
+            <c:dLbl>
+              <c:idx val="1"/>
+              <c:layout>
+                <c:manualLayout>
+                  <c:x val="-7.5604377085874905E-2"/>
+                  <c:y val="-5.0047449324785753E-17"/>
+                </c:manualLayout>
+              </c:layout>
+              <c:tx>
+                <c:rich>
+                  <a:bodyPr rot="0" spcFirstLastPara="1" vertOverflow="clip" horzOverflow="clip" vert="horz" wrap="square" lIns="38100" tIns="19050" rIns="38100" bIns="19050" anchor="ctr" anchorCtr="1">
+                    <a:spAutoFit/>
+                  </a:bodyPr>
+                  <a:lstStyle/>
+                  <a:p>
+                    <a:pPr>
+                      <a:defRPr sz="1197" b="0" i="0" u="none" strike="noStrike" kern="1200" baseline="0">
+                        <a:solidFill>
+                          <a:schemeClr val="dk1">
+                            <a:lumMod val="65000"/>
+                            <a:lumOff val="35000"/>
+                          </a:schemeClr>
+                        </a:solidFill>
+                        <a:latin typeface="+mn-lt"/>
+                        <a:ea typeface="+mn-ea"/>
+                        <a:cs typeface="+mn-cs"/>
+                      </a:defRPr>
+                    </a:pPr>
+                    <a:fld id="{A98BB6C5-832E-4361-AF71-8060564E2D9A}" type="VALUE">
+                      <a:rPr lang="en-US" altLang="zh-CN" baseline="0" smtClean="0"/>
+                      <a:pPr>
+                        <a:defRPr/>
+                      </a:pPr>
+                      <a:t>[值]</a:t>
+                    </a:fld>
+                    <a:endParaRPr lang="zh-CN" altLang="en-US"/>
+                  </a:p>
+                </c:rich>
+              </c:tx>
+              <c:spPr>
+                <a:solidFill>
+                  <a:prstClr val="white"/>
+                </a:solidFill>
+                <a:ln w="9525" cap="flat" cmpd="sng" algn="ctr">
+                  <a:solidFill>
+                    <a:prstClr val="black">
+                      <a:lumMod val="25000"/>
+                      <a:lumOff val="75000"/>
+                    </a:prstClr>
+                  </a:solidFill>
+                  <a:prstDash val="solid"/>
+                  <a:round/>
+                  <a:headEnd type="none" w="med" len="med"/>
+                  <a:tailEnd type="none" w="med" len="med"/>
+                </a:ln>
+                <a:effectLst/>
+              </c:spPr>
+              <c:txPr>
+                <a:bodyPr rot="0" spcFirstLastPara="1" vertOverflow="clip" horzOverflow="clip" vert="horz" wrap="square" lIns="38100" tIns="19050" rIns="38100" bIns="19050" anchor="ctr" anchorCtr="1">
+                  <a:spAutoFit/>
+                </a:bodyPr>
+                <a:lstStyle/>
+                <a:p>
+                  <a:pPr>
+                    <a:defRPr sz="1197" b="0" i="0" u="none" strike="noStrike" kern="1200" baseline="0">
+                      <a:solidFill>
+                        <a:schemeClr val="dk1">
+                          <a:lumMod val="65000"/>
+                          <a:lumOff val="35000"/>
+                        </a:schemeClr>
+                      </a:solidFill>
+                      <a:latin typeface="+mn-lt"/>
+                      <a:ea typeface="+mn-ea"/>
+                      <a:cs typeface="+mn-cs"/>
+                    </a:defRPr>
+                  </a:pPr>
+                  <a:endParaRPr lang="zh-CN"/>
+                </a:p>
+              </c:txPr>
+              <c:showLegendKey val="0"/>
+              <c:showVal val="1"/>
+              <c:showCatName val="1"/>
+              <c:showSerName val="0"/>
+              <c:showPercent val="0"/>
+              <c:showBubbleSize val="0"/>
+              <c:extLst>
+                <c:ext xmlns:c15="http://schemas.microsoft.com/office/drawing/2012/chart" uri="{CE6537A1-D6FC-4f65-9D91-7224C49458BB}">
+                  <c15:spPr xmlns:c15="http://schemas.microsoft.com/office/drawing/2012/chart">
+                    <a:prstGeom prst="wedgeRectCallout">
+                      <a:avLst>
+                        <a:gd name="adj1" fmla="val 103970"/>
+                        <a:gd name="adj2" fmla="val 75461"/>
+                      </a:avLst>
+                    </a:prstGeom>
+                    <a:noFill/>
+                    <a:ln>
+                      <a:noFill/>
+                    </a:ln>
+                  </c15:spPr>
+                  <c15:layout/>
+                  <c15:dlblFieldTable/>
+                  <c15:showDataLabelsRange val="0"/>
+                </c:ext>
+                <c:ext xmlns:c16="http://schemas.microsoft.com/office/drawing/2014/chart" uri="{C3380CC4-5D6E-409C-BE32-E72D297353CC}">
+                  <c16:uniqueId val="{00000001-C50F-4186-8FD4-2B4E1CD99847}"/>
+                </c:ext>
+              </c:extLst>
+            </c:dLbl>
+            <c:dLbl>
+              <c:idx val="2"/>
+              <c:layout>
+                <c:manualLayout>
+                  <c:x val="-8.7235819714471086E-2"/>
+                  <c:y val="-5.4597848156936208E-3"/>
+                </c:manualLayout>
+              </c:layout>
+              <c:tx>
+                <c:rich>
+                  <a:bodyPr rot="0" spcFirstLastPara="1" vertOverflow="clip" horzOverflow="clip" vert="horz" wrap="square" lIns="38100" tIns="19050" rIns="38100" bIns="19050" anchor="ctr" anchorCtr="1">
+                    <a:spAutoFit/>
+                  </a:bodyPr>
+                  <a:lstStyle/>
+                  <a:p>
+                    <a:pPr>
+                      <a:defRPr sz="1197" b="0" i="0" u="none" strike="noStrike" kern="1200" baseline="0">
+                        <a:solidFill>
+                          <a:schemeClr val="dk1">
+                            <a:lumMod val="65000"/>
+                            <a:lumOff val="35000"/>
+                          </a:schemeClr>
+                        </a:solidFill>
+                        <a:latin typeface="+mn-lt"/>
+                        <a:ea typeface="+mn-ea"/>
+                        <a:cs typeface="+mn-cs"/>
+                      </a:defRPr>
+                    </a:pPr>
+                    <a:fld id="{36377EE8-3DA7-46A7-A329-21525C564AC4}" type="VALUE">
+                      <a:rPr lang="en-US" altLang="zh-CN" baseline="0" smtClean="0"/>
+                      <a:pPr>
+                        <a:defRPr/>
+                      </a:pPr>
+                      <a:t>[值]</a:t>
+                    </a:fld>
+                    <a:endParaRPr lang="zh-CN" altLang="en-US"/>
+                  </a:p>
+                </c:rich>
+              </c:tx>
+              <c:spPr>
+                <a:solidFill>
+                  <a:prstClr val="white"/>
+                </a:solidFill>
+                <a:ln w="9525" cap="flat" cmpd="sng" algn="ctr">
+                  <a:solidFill>
+                    <a:prstClr val="black">
+                      <a:lumMod val="25000"/>
+                      <a:lumOff val="75000"/>
+                    </a:prstClr>
+                  </a:solidFill>
+                  <a:prstDash val="solid"/>
+                  <a:round/>
+                  <a:headEnd type="none" w="med" len="med"/>
+                  <a:tailEnd type="none" w="med" len="med"/>
+                </a:ln>
+                <a:effectLst/>
+              </c:spPr>
+              <c:txPr>
+                <a:bodyPr rot="0" spcFirstLastPara="1" vertOverflow="clip" horzOverflow="clip" vert="horz" wrap="square" lIns="38100" tIns="19050" rIns="38100" bIns="19050" anchor="ctr" anchorCtr="1">
+                  <a:spAutoFit/>
+                </a:bodyPr>
+                <a:lstStyle/>
+                <a:p>
+                  <a:pPr>
+                    <a:defRPr sz="1197" b="0" i="0" u="none" strike="noStrike" kern="1200" baseline="0">
+                      <a:solidFill>
+                        <a:schemeClr val="dk1">
+                          <a:lumMod val="65000"/>
+                          <a:lumOff val="35000"/>
+                        </a:schemeClr>
+                      </a:solidFill>
+                      <a:latin typeface="+mn-lt"/>
+                      <a:ea typeface="+mn-ea"/>
+                      <a:cs typeface="+mn-cs"/>
+                    </a:defRPr>
+                  </a:pPr>
+                  <a:endParaRPr lang="zh-CN"/>
+                </a:p>
+              </c:txPr>
+              <c:showLegendKey val="0"/>
+              <c:showVal val="1"/>
+              <c:showCatName val="1"/>
+              <c:showSerName val="0"/>
+              <c:showPercent val="0"/>
+              <c:showBubbleSize val="0"/>
+              <c:extLst>
+                <c:ext xmlns:c15="http://schemas.microsoft.com/office/drawing/2012/chart" uri="{CE6537A1-D6FC-4f65-9D91-7224C49458BB}">
+                  <c15:spPr xmlns:c15="http://schemas.microsoft.com/office/drawing/2012/chart">
+                    <a:prstGeom prst="wedgeRectCallout">
+                      <a:avLst>
+                        <a:gd name="adj1" fmla="val 111897"/>
+                        <a:gd name="adj2" fmla="val 86205"/>
+                      </a:avLst>
+                    </a:prstGeom>
+                    <a:noFill/>
+                    <a:ln>
+                      <a:noFill/>
+                    </a:ln>
+                  </c15:spPr>
+                  <c15:layout/>
+                  <c15:dlblFieldTable/>
+                  <c15:showDataLabelsRange val="0"/>
+                </c:ext>
+                <c:ext xmlns:c16="http://schemas.microsoft.com/office/drawing/2014/chart" uri="{C3380CC4-5D6E-409C-BE32-E72D297353CC}">
+                  <c16:uniqueId val="{00000002-C50F-4186-8FD4-2B4E1CD99847}"/>
+                </c:ext>
+              </c:extLst>
+            </c:dLbl>
+            <c:dLbl>
+              <c:idx val="3"/>
+              <c:layout>
+                <c:manualLayout>
+                  <c:x val="-4.3617909857235598E-2"/>
+                  <c:y val="-5.4597848156935712E-2"/>
+                </c:manualLayout>
+              </c:layout>
+              <c:tx>
+                <c:rich>
+                  <a:bodyPr rot="0" spcFirstLastPara="1" vertOverflow="clip" horzOverflow="clip" vert="horz" wrap="square" lIns="38100" tIns="19050" rIns="38100" bIns="19050" anchor="ctr" anchorCtr="1">
+                    <a:spAutoFit/>
+                  </a:bodyPr>
+                  <a:lstStyle/>
+                  <a:p>
+                    <a:pPr>
+                      <a:defRPr sz="1197" b="0" i="0" u="none" strike="noStrike" kern="1200" baseline="0">
+                        <a:solidFill>
+                          <a:schemeClr val="dk1">
+                            <a:lumMod val="65000"/>
+                            <a:lumOff val="35000"/>
+                          </a:schemeClr>
+                        </a:solidFill>
+                        <a:latin typeface="+mn-lt"/>
+                        <a:ea typeface="+mn-ea"/>
+                        <a:cs typeface="+mn-cs"/>
+                      </a:defRPr>
+                    </a:pPr>
+                    <a:fld id="{F4CA0C91-AD07-4AC0-86FD-0B6FF4363072}" type="VALUE">
+                      <a:rPr lang="en-US" altLang="zh-CN" baseline="0" smtClean="0"/>
+                      <a:pPr>
+                        <a:defRPr/>
+                      </a:pPr>
+                      <a:t>[值]</a:t>
+                    </a:fld>
+                    <a:endParaRPr lang="zh-CN" altLang="en-US"/>
+                  </a:p>
+                </c:rich>
+              </c:tx>
+              <c:spPr>
+                <a:solidFill>
+                  <a:prstClr val="white"/>
+                </a:solidFill>
+                <a:ln w="9525" cap="flat" cmpd="sng" algn="ctr">
+                  <a:solidFill>
+                    <a:prstClr val="black">
+                      <a:lumMod val="25000"/>
+                      <a:lumOff val="75000"/>
+                    </a:prstClr>
+                  </a:solidFill>
+                  <a:prstDash val="solid"/>
+                  <a:round/>
+                  <a:headEnd type="none" w="med" len="med"/>
+                  <a:tailEnd type="none" w="med" len="med"/>
+                </a:ln>
+                <a:effectLst/>
+              </c:spPr>
+              <c:txPr>
+                <a:bodyPr rot="0" spcFirstLastPara="1" vertOverflow="clip" horzOverflow="clip" vert="horz" wrap="square" lIns="38100" tIns="19050" rIns="38100" bIns="19050" anchor="ctr" anchorCtr="1">
+                  <a:spAutoFit/>
+                </a:bodyPr>
+                <a:lstStyle/>
+                <a:p>
+                  <a:pPr>
+                    <a:defRPr sz="1197" b="0" i="0" u="none" strike="noStrike" kern="1200" baseline="0">
+                      <a:solidFill>
+                        <a:schemeClr val="dk1">
+                          <a:lumMod val="65000"/>
+                          <a:lumOff val="35000"/>
+                        </a:schemeClr>
+                      </a:solidFill>
+                      <a:latin typeface="+mn-lt"/>
+                      <a:ea typeface="+mn-ea"/>
+                      <a:cs typeface="+mn-cs"/>
+                    </a:defRPr>
+                  </a:pPr>
+                  <a:endParaRPr lang="zh-CN"/>
+                </a:p>
+              </c:txPr>
+              <c:showLegendKey val="0"/>
+              <c:showVal val="1"/>
+              <c:showCatName val="1"/>
+              <c:showSerName val="0"/>
+              <c:showPercent val="0"/>
+              <c:showBubbleSize val="0"/>
+              <c:extLst>
+                <c:ext xmlns:c15="http://schemas.microsoft.com/office/drawing/2012/chart" uri="{CE6537A1-D6FC-4f65-9D91-7224C49458BB}">
+                  <c15:spPr xmlns:c15="http://schemas.microsoft.com/office/drawing/2012/chart">
+                    <a:prstGeom prst="wedgeRectCallout">
+                      <a:avLst>
+                        <a:gd name="adj1" fmla="val 60145"/>
+                        <a:gd name="adj2" fmla="val 134550"/>
+                      </a:avLst>
+                    </a:prstGeom>
+                    <a:noFill/>
+                    <a:ln>
+                      <a:noFill/>
+                    </a:ln>
+                  </c15:spPr>
+                  <c15:layout/>
+                  <c15:dlblFieldTable/>
+                  <c15:showDataLabelsRange val="0"/>
+                </c:ext>
+                <c:ext xmlns:c16="http://schemas.microsoft.com/office/drawing/2014/chart" uri="{C3380CC4-5D6E-409C-BE32-E72D297353CC}">
+                  <c16:uniqueId val="{00000003-C50F-4186-8FD4-2B4E1CD99847}"/>
+                </c:ext>
+              </c:extLst>
+            </c:dLbl>
+            <c:spPr>
+              <a:solidFill>
+                <a:prstClr val="white"/>
+              </a:solidFill>
+              <a:ln>
+                <a:solidFill>
+                  <a:prstClr val="black">
+                    <a:lumMod val="25000"/>
+                    <a:lumOff val="75000"/>
+                  </a:prstClr>
+                </a:solidFill>
+              </a:ln>
+              <a:effectLst/>
+            </c:spPr>
+            <c:txPr>
+              <a:bodyPr rot="0" spcFirstLastPara="1" vertOverflow="clip" horzOverflow="clip" vert="horz" wrap="square" lIns="38100" tIns="19050" rIns="38100" bIns="19050" anchor="ctr" anchorCtr="1">
+                <a:spAutoFit/>
+              </a:bodyPr>
+              <a:lstStyle/>
+              <a:p>
+                <a:pPr>
+                  <a:defRPr sz="1197" b="0" i="0" u="none" strike="noStrike" kern="1200" baseline="0">
+                    <a:solidFill>
+                      <a:schemeClr val="dk1">
+                        <a:lumMod val="65000"/>
+                        <a:lumOff val="35000"/>
+                      </a:schemeClr>
+                    </a:solidFill>
+                    <a:latin typeface="+mn-lt"/>
+                    <a:ea typeface="+mn-ea"/>
+                    <a:cs typeface="+mn-cs"/>
+                  </a:defRPr>
+                </a:pPr>
+                <a:endParaRPr lang="zh-CN"/>
+              </a:p>
+            </c:txPr>
+            <c:showLegendKey val="0"/>
+            <c:showVal val="1"/>
+            <c:showCatName val="1"/>
+            <c:showSerName val="0"/>
+            <c:showPercent val="0"/>
+            <c:showBubbleSize val="0"/>
+            <c:showLeaderLines val="0"/>
+            <c:extLst>
+              <c:ext xmlns:c15="http://schemas.microsoft.com/office/drawing/2012/chart" uri="{CE6537A1-D6FC-4f65-9D91-7224C49458BB}">
+                <c15:spPr xmlns:c15="http://schemas.microsoft.com/office/drawing/2012/chart">
+                  <a:prstGeom prst="wedgeRectCallout">
+                    <a:avLst/>
+                  </a:prstGeom>
+                  <a:noFill/>
+                  <a:ln>
+                    <a:noFill/>
+                  </a:ln>
+                </c15:spPr>
+                <c15:showLeaderLines val="0"/>
+              </c:ext>
+            </c:extLst>
+          </c:dLbls>
+          <c:cat>
+            <c:strRef>
+              <c:f>Sheet1!$A$2:$A$4</c:f>
+              <c:strCache>
+                <c:ptCount val="3"/>
+                <c:pt idx="0">
+                  <c:v>无优化</c:v>
+                </c:pt>
+                <c:pt idx="1">
+                  <c:v>Dsp加速</c:v>
+                </c:pt>
+                <c:pt idx="2">
+                  <c:v>深度优化</c:v>
+                </c:pt>
+              </c:strCache>
+            </c:strRef>
+          </c:cat>
+          <c:val>
+            <c:numRef>
+              <c:f>Sheet1!$B$2:$B$4</c:f>
+              <c:numCache>
+                <c:formatCode>General</c:formatCode>
+                <c:ptCount val="3"/>
+                <c:pt idx="0">
+                  <c:v>32</c:v>
+                </c:pt>
+                <c:pt idx="1">
+                  <c:v>19</c:v>
+                </c:pt>
+                <c:pt idx="2">
+                  <c:v>18</c:v>
+                </c:pt>
+              </c:numCache>
+            </c:numRef>
+          </c:val>
+          <c:extLst>
+            <c:ext xmlns:c16="http://schemas.microsoft.com/office/drawing/2014/chart" uri="{C3380CC4-5D6E-409C-BE32-E72D297353CC}">
+              <c16:uniqueId val="{00000004-C50F-4186-8FD4-2B4E1CD99847}"/>
+            </c:ext>
+          </c:extLst>
+        </c:ser>
+        <c:ser>
+          <c:idx val="1"/>
+          <c:order val="1"/>
+          <c:tx>
+            <c:strRef>
+              <c:f>Sheet1!$C$1</c:f>
+              <c:strCache>
+                <c:ptCount val="1"/>
+                <c:pt idx="0">
+                  <c:v>多任务</c:v>
+                </c:pt>
+              </c:strCache>
+            </c:strRef>
+          </c:tx>
+          <c:spPr>
+            <a:solidFill>
+              <a:schemeClr val="accent6"/>
+            </a:solidFill>
+            <a:ln>
+              <a:noFill/>
+            </a:ln>
+            <a:effectLst/>
+            <a:sp3d/>
+          </c:spPr>
+          <c:invertIfNegative val="0"/>
+          <c:dLbls>
+            <c:dLbl>
+              <c:idx val="2"/>
+              <c:layout>
+                <c:manualLayout>
+                  <c:x val="7.2696516428725821E-2"/>
+                  <c:y val="-7.6436987419710001E-2"/>
+                </c:manualLayout>
+              </c:layout>
+              <c:tx>
+                <c:rich>
+                  <a:bodyPr rot="0" spcFirstLastPara="1" vertOverflow="clip" horzOverflow="clip" vert="horz" wrap="square" lIns="38100" tIns="19050" rIns="38100" bIns="19050" anchor="ctr" anchorCtr="1">
+                    <a:spAutoFit/>
+                  </a:bodyPr>
+                  <a:lstStyle/>
+                  <a:p>
+                    <a:pPr>
+                      <a:defRPr sz="1197" b="0" i="0" u="none" strike="noStrike" kern="1200" baseline="0">
+                        <a:solidFill>
+                          <a:schemeClr val="dk1">
+                            <a:lumMod val="65000"/>
+                            <a:lumOff val="35000"/>
+                          </a:schemeClr>
+                        </a:solidFill>
+                        <a:latin typeface="+mn-lt"/>
+                        <a:ea typeface="+mn-ea"/>
+                        <a:cs typeface="+mn-cs"/>
+                      </a:defRPr>
+                    </a:pPr>
+                    <a:fld id="{2A4A7BBA-62FB-4703-B27C-9D989421CDC7}" type="VALUE">
+                      <a:rPr lang="en-US" altLang="zh-CN" baseline="0" smtClean="0"/>
+                      <a:pPr>
+                        <a:defRPr/>
+                      </a:pPr>
+                      <a:t>[值]</a:t>
+                    </a:fld>
+                    <a:endParaRPr lang="zh-CN" altLang="en-US"/>
+                  </a:p>
+                </c:rich>
+              </c:tx>
+              <c:spPr>
+                <a:solidFill>
+                  <a:prstClr val="white"/>
+                </a:solidFill>
+                <a:ln w="9525" cap="flat" cmpd="sng" algn="ctr">
+                  <a:solidFill>
+                    <a:prstClr val="black">
+                      <a:lumMod val="25000"/>
+                      <a:lumOff val="75000"/>
+                    </a:prstClr>
+                  </a:solidFill>
+                  <a:prstDash val="solid"/>
+                  <a:round/>
+                  <a:headEnd type="none" w="med" len="med"/>
+                  <a:tailEnd type="none" w="med" len="med"/>
+                </a:ln>
+                <a:effectLst/>
+              </c:spPr>
+              <c:txPr>
+                <a:bodyPr rot="0" spcFirstLastPara="1" vertOverflow="clip" horzOverflow="clip" vert="horz" wrap="square" lIns="38100" tIns="19050" rIns="38100" bIns="19050" anchor="ctr" anchorCtr="1">
+                  <a:spAutoFit/>
+                </a:bodyPr>
+                <a:lstStyle/>
+                <a:p>
+                  <a:pPr>
+                    <a:defRPr sz="1197" b="0" i="0" u="none" strike="noStrike" kern="1200" baseline="0">
+                      <a:solidFill>
+                        <a:schemeClr val="dk1">
+                          <a:lumMod val="65000"/>
+                          <a:lumOff val="35000"/>
+                        </a:schemeClr>
+                      </a:solidFill>
+                      <a:latin typeface="+mn-lt"/>
+                      <a:ea typeface="+mn-ea"/>
+                      <a:cs typeface="+mn-cs"/>
+                    </a:defRPr>
+                  </a:pPr>
+                  <a:endParaRPr lang="zh-CN"/>
+                </a:p>
+              </c:txPr>
+              <c:showLegendKey val="0"/>
+              <c:showVal val="1"/>
+              <c:showCatName val="1"/>
+              <c:showSerName val="0"/>
+              <c:showPercent val="0"/>
+              <c:showBubbleSize val="0"/>
+              <c:extLst>
+                <c:ext xmlns:c15="http://schemas.microsoft.com/office/drawing/2012/chart" uri="{CE6537A1-D6FC-4f65-9D91-7224C49458BB}">
+                  <c15:spPr xmlns:c15="http://schemas.microsoft.com/office/drawing/2012/chart">
+                    <a:prstGeom prst="wedgeRectCallout">
+                      <a:avLst>
+                        <a:gd name="adj1" fmla="val -98841"/>
+                        <a:gd name="adj2" fmla="val 143683"/>
+                      </a:avLst>
+                    </a:prstGeom>
+                    <a:noFill/>
+                    <a:ln>
+                      <a:noFill/>
+                    </a:ln>
+                  </c15:spPr>
+                  <c15:layout/>
+                  <c15:dlblFieldTable/>
+                  <c15:showDataLabelsRange val="0"/>
+                </c:ext>
+                <c:ext xmlns:c16="http://schemas.microsoft.com/office/drawing/2014/chart" uri="{C3380CC4-5D6E-409C-BE32-E72D297353CC}">
+                  <c16:uniqueId val="{00000005-C50F-4186-8FD4-2B4E1CD99847}"/>
+                </c:ext>
+              </c:extLst>
+            </c:dLbl>
+            <c:dLbl>
+              <c:idx val="3"/>
+              <c:layout>
+                <c:manualLayout>
+                  <c:x val="4.9433631171533446E-2"/>
+                  <c:y val="-5.459784815693576E-2"/>
+                </c:manualLayout>
+              </c:layout>
+              <c:tx>
+                <c:rich>
+                  <a:bodyPr rot="0" spcFirstLastPara="1" vertOverflow="clip" horzOverflow="clip" vert="horz" wrap="square" lIns="38100" tIns="19050" rIns="38100" bIns="19050" anchor="ctr" anchorCtr="1">
+                    <a:spAutoFit/>
+                  </a:bodyPr>
+                  <a:lstStyle/>
+                  <a:p>
+                    <a:pPr>
+                      <a:defRPr sz="1197" b="0" i="0" u="none" strike="noStrike" kern="1200" baseline="0">
+                        <a:solidFill>
+                          <a:schemeClr val="dk1">
+                            <a:lumMod val="65000"/>
+                            <a:lumOff val="35000"/>
+                          </a:schemeClr>
+                        </a:solidFill>
+                        <a:latin typeface="+mn-lt"/>
+                        <a:ea typeface="+mn-ea"/>
+                        <a:cs typeface="+mn-cs"/>
+                      </a:defRPr>
+                    </a:pPr>
+                    <a:fld id="{3ABF1A2B-47DD-4F0E-A595-10C87A06BD05}" type="VALUE">
+                      <a:rPr lang="en-US" altLang="zh-CN" baseline="0" smtClean="0"/>
+                      <a:pPr>
+                        <a:defRPr/>
+                      </a:pPr>
+                      <a:t>[值]</a:t>
+                    </a:fld>
+                    <a:endParaRPr lang="zh-CN" altLang="en-US"/>
+                  </a:p>
+                </c:rich>
+              </c:tx>
+              <c:spPr>
+                <a:solidFill>
+                  <a:prstClr val="white"/>
+                </a:solidFill>
+                <a:ln w="9525" cap="flat" cmpd="sng" algn="ctr">
+                  <a:solidFill>
+                    <a:prstClr val="black">
+                      <a:lumMod val="25000"/>
+                      <a:lumOff val="75000"/>
+                    </a:prstClr>
+                  </a:solidFill>
+                  <a:prstDash val="solid"/>
+                  <a:round/>
+                  <a:headEnd type="none" w="med" len="med"/>
+                  <a:tailEnd type="none" w="med" len="med"/>
+                </a:ln>
+                <a:effectLst/>
+              </c:spPr>
+              <c:txPr>
+                <a:bodyPr rot="0" spcFirstLastPara="1" vertOverflow="clip" horzOverflow="clip" vert="horz" wrap="square" lIns="38100" tIns="19050" rIns="38100" bIns="19050" anchor="ctr" anchorCtr="1">
+                  <a:spAutoFit/>
+                </a:bodyPr>
+                <a:lstStyle/>
+                <a:p>
+                  <a:pPr>
+                    <a:defRPr sz="1197" b="0" i="0" u="none" strike="noStrike" kern="1200" baseline="0">
+                      <a:solidFill>
+                        <a:schemeClr val="dk1">
+                          <a:lumMod val="65000"/>
+                          <a:lumOff val="35000"/>
+                        </a:schemeClr>
+                      </a:solidFill>
+                      <a:latin typeface="+mn-lt"/>
+                      <a:ea typeface="+mn-ea"/>
+                      <a:cs typeface="+mn-cs"/>
+                    </a:defRPr>
+                  </a:pPr>
+                  <a:endParaRPr lang="zh-CN"/>
+                </a:p>
+              </c:txPr>
+              <c:showLegendKey val="0"/>
+              <c:showVal val="1"/>
+              <c:showCatName val="1"/>
+              <c:showSerName val="0"/>
+              <c:showPercent val="0"/>
+              <c:showBubbleSize val="0"/>
+              <c:extLst>
+                <c:ext xmlns:c15="http://schemas.microsoft.com/office/drawing/2012/chart" uri="{CE6537A1-D6FC-4f65-9D91-7224C49458BB}">
+                  <c15:spPr xmlns:c15="http://schemas.microsoft.com/office/drawing/2012/chart">
+                    <a:prstGeom prst="wedgeRectCallout">
+                      <a:avLst>
+                        <a:gd name="adj1" fmla="val -49420"/>
+                        <a:gd name="adj2" fmla="val 139385"/>
+                      </a:avLst>
+                    </a:prstGeom>
+                    <a:noFill/>
+                    <a:ln>
+                      <a:noFill/>
+                    </a:ln>
+                  </c15:spPr>
+                  <c15:layout/>
+                  <c15:dlblFieldTable/>
+                  <c15:showDataLabelsRange val="0"/>
+                </c:ext>
+                <c:ext xmlns:c16="http://schemas.microsoft.com/office/drawing/2014/chart" uri="{C3380CC4-5D6E-409C-BE32-E72D297353CC}">
+                  <c16:uniqueId val="{00000006-C50F-4186-8FD4-2B4E1CD99847}"/>
+                </c:ext>
+              </c:extLst>
+            </c:dLbl>
+            <c:spPr>
+              <a:solidFill>
+                <a:prstClr val="white"/>
+              </a:solidFill>
+              <a:ln>
+                <a:solidFill>
+                  <a:prstClr val="black">
+                    <a:lumMod val="25000"/>
+                    <a:lumOff val="75000"/>
+                  </a:prstClr>
+                </a:solidFill>
+              </a:ln>
+              <a:effectLst/>
+            </c:spPr>
+            <c:txPr>
+              <a:bodyPr rot="0" spcFirstLastPara="1" vertOverflow="clip" horzOverflow="clip" vert="horz" wrap="square" lIns="38100" tIns="19050" rIns="38100" bIns="19050" anchor="ctr" anchorCtr="1">
+                <a:spAutoFit/>
+              </a:bodyPr>
+              <a:lstStyle/>
+              <a:p>
+                <a:pPr>
+                  <a:defRPr sz="1197" b="0" i="0" u="none" strike="noStrike" kern="1200" baseline="0">
+                    <a:solidFill>
+                      <a:schemeClr val="dk1">
+                        <a:lumMod val="65000"/>
+                        <a:lumOff val="35000"/>
+                      </a:schemeClr>
+                    </a:solidFill>
+                    <a:latin typeface="+mn-lt"/>
+                    <a:ea typeface="+mn-ea"/>
+                    <a:cs typeface="+mn-cs"/>
+                  </a:defRPr>
+                </a:pPr>
+                <a:endParaRPr lang="zh-CN"/>
+              </a:p>
+            </c:txPr>
+            <c:showLegendKey val="0"/>
+            <c:showVal val="1"/>
+            <c:showCatName val="1"/>
+            <c:showSerName val="0"/>
+            <c:showPercent val="0"/>
+            <c:showBubbleSize val="0"/>
+            <c:showLeaderLines val="0"/>
+            <c:extLst>
+              <c:ext xmlns:c15="http://schemas.microsoft.com/office/drawing/2012/chart" uri="{CE6537A1-D6FC-4f65-9D91-7224C49458BB}">
+                <c15:spPr xmlns:c15="http://schemas.microsoft.com/office/drawing/2012/chart">
+                  <a:prstGeom prst="wedgeRectCallout">
+                    <a:avLst/>
+                  </a:prstGeom>
+                  <a:noFill/>
+                  <a:ln>
+                    <a:noFill/>
+                  </a:ln>
+                </c15:spPr>
+                <c15:showLeaderLines val="0"/>
+              </c:ext>
+            </c:extLst>
+          </c:dLbls>
+          <c:cat>
+            <c:strRef>
+              <c:f>Sheet1!$A$2:$A$4</c:f>
+              <c:strCache>
+                <c:ptCount val="3"/>
+                <c:pt idx="0">
+                  <c:v>无优化</c:v>
+                </c:pt>
+                <c:pt idx="1">
+                  <c:v>Dsp加速</c:v>
+                </c:pt>
+                <c:pt idx="2">
+                  <c:v>深度优化</c:v>
+                </c:pt>
+              </c:strCache>
+            </c:strRef>
+          </c:cat>
+          <c:val>
+            <c:numRef>
+              <c:f>Sheet1!$C$2:$C$4</c:f>
+              <c:numCache>
+                <c:formatCode>General</c:formatCode>
+                <c:ptCount val="3"/>
+                <c:pt idx="2">
+                  <c:v>26</c:v>
+                </c:pt>
+              </c:numCache>
+            </c:numRef>
+          </c:val>
+          <c:extLst>
+            <c:ext xmlns:c16="http://schemas.microsoft.com/office/drawing/2014/chart" uri="{C3380CC4-5D6E-409C-BE32-E72D297353CC}">
+              <c16:uniqueId val="{00000007-C50F-4186-8FD4-2B4E1CD99847}"/>
+            </c:ext>
+          </c:extLst>
+        </c:ser>
+        <c:dLbls>
+          <c:showLegendKey val="0"/>
+          <c:showVal val="0"/>
+          <c:showCatName val="0"/>
+          <c:showSerName val="0"/>
+          <c:showPercent val="0"/>
+          <c:showBubbleSize val="0"/>
+        </c:dLbls>
+        <c:gapWidth val="126"/>
+        <c:shape val="box"/>
+        <c:axId val="1277804784"/>
+        <c:axId val="1277801040"/>
+        <c:axId val="0"/>
+      </c:bar3DChart>
+      <c:catAx>
+        <c:axId val="1277804784"/>
+        <c:scaling>
+          <c:orientation val="minMax"/>
+        </c:scaling>
+        <c:delete val="0"/>
+        <c:axPos val="b"/>
+        <c:numFmt formatCode="General" sourceLinked="1"/>
+        <c:majorTickMark val="none"/>
+        <c:minorTickMark val="none"/>
+        <c:tickLblPos val="nextTo"/>
+        <c:spPr>
+          <a:noFill/>
+          <a:ln>
+            <a:noFill/>
+          </a:ln>
+          <a:effectLst/>
+        </c:spPr>
+        <c:txPr>
+          <a:bodyPr rot="-60000000" spcFirstLastPara="1" vertOverflow="ellipsis" vert="horz" wrap="square" anchor="ctr" anchorCtr="1"/>
+          <a:lstStyle/>
+          <a:p>
+            <a:pPr>
+              <a:defRPr sz="1050" b="0" i="0" u="none" strike="noStrike" kern="1200" baseline="0">
+                <a:solidFill>
+                  <a:schemeClr val="tx1">
+                    <a:lumMod val="65000"/>
+                    <a:lumOff val="35000"/>
+                  </a:schemeClr>
+                </a:solidFill>
+                <a:latin typeface="+mn-lt"/>
+                <a:ea typeface="+mn-ea"/>
+                <a:cs typeface="+mn-cs"/>
+              </a:defRPr>
+            </a:pPr>
+            <a:endParaRPr lang="zh-CN"/>
+          </a:p>
+        </c:txPr>
+        <c:crossAx val="1277801040"/>
+        <c:crosses val="autoZero"/>
+        <c:auto val="1"/>
+        <c:lblAlgn val="ctr"/>
+        <c:lblOffset val="100"/>
+        <c:noMultiLvlLbl val="0"/>
+      </c:catAx>
+      <c:valAx>
+        <c:axId val="1277801040"/>
+        <c:scaling>
+          <c:orientation val="minMax"/>
+        </c:scaling>
+        <c:delete val="0"/>
+        <c:axPos val="l"/>
+        <c:majorGridlines>
+          <c:spPr>
+            <a:ln w="9525" cap="flat" cmpd="sng" algn="ctr">
+              <a:solidFill>
+                <a:schemeClr val="tx1">
+                  <a:lumMod val="15000"/>
+                  <a:lumOff val="85000"/>
+                </a:schemeClr>
+              </a:solidFill>
+              <a:round/>
+            </a:ln>
+            <a:effectLst/>
+          </c:spPr>
+        </c:majorGridlines>
+        <c:numFmt formatCode="General" sourceLinked="1"/>
+        <c:majorTickMark val="none"/>
+        <c:minorTickMark val="none"/>
+        <c:tickLblPos val="nextTo"/>
+        <c:spPr>
+          <a:noFill/>
+          <a:ln>
+            <a:noFill/>
+          </a:ln>
+          <a:effectLst/>
+        </c:spPr>
+        <c:txPr>
+          <a:bodyPr rot="-60000000" spcFirstLastPara="1" vertOverflow="ellipsis" vert="horz" wrap="square" anchor="ctr" anchorCtr="1"/>
+          <a:lstStyle/>
+          <a:p>
+            <a:pPr>
+              <a:defRPr sz="1197" b="0" i="0" u="none" strike="noStrike" kern="1200" baseline="0">
+                <a:solidFill>
+                  <a:schemeClr val="tx1">
+                    <a:lumMod val="65000"/>
+                    <a:lumOff val="35000"/>
+                  </a:schemeClr>
+                </a:solidFill>
+                <a:latin typeface="+mn-lt"/>
+                <a:ea typeface="+mn-ea"/>
+                <a:cs typeface="+mn-cs"/>
+              </a:defRPr>
+            </a:pPr>
+            <a:endParaRPr lang="zh-CN"/>
+          </a:p>
+        </c:txPr>
+        <c:crossAx val="1277804784"/>
+        <c:crosses val="autoZero"/>
+        <c:crossBetween val="between"/>
+      </c:valAx>
+      <c:spPr>
+        <a:noFill/>
+        <a:ln>
+          <a:noFill/>
+        </a:ln>
+        <a:effectLst/>
+      </c:spPr>
+    </c:plotArea>
+    <c:legend>
+      <c:legendPos val="b"/>
+      <c:layout>
+        <c:manualLayout>
+          <c:xMode val="edge"/>
+          <c:yMode val="edge"/>
+          <c:x val="0.48229067066715026"/>
+          <c:y val="1.6859987472588229E-2"/>
+          <c:w val="0.51770925398540057"/>
+          <c:h val="8.0234994980016947E-2"/>
+        </c:manualLayout>
+      </c:layout>
+      <c:overlay val="0"/>
+      <c:spPr>
+        <a:noFill/>
+        <a:ln>
+          <a:noFill/>
+        </a:ln>
+        <a:effectLst/>
+      </c:spPr>
+      <c:txPr>
+        <a:bodyPr rot="0" spcFirstLastPara="1" vertOverflow="ellipsis" vert="horz" wrap="square" anchor="ctr" anchorCtr="1"/>
+        <a:lstStyle/>
+        <a:p>
+          <a:pPr>
+            <a:defRPr sz="1197" b="0" i="0" u="none" strike="noStrike" kern="1200" baseline="0">
+              <a:solidFill>
+                <a:schemeClr val="tx1">
+                  <a:lumMod val="65000"/>
+                  <a:lumOff val="35000"/>
+                </a:schemeClr>
+              </a:solidFill>
+              <a:latin typeface="+mn-lt"/>
+              <a:ea typeface="+mn-ea"/>
+              <a:cs typeface="+mn-cs"/>
+            </a:defRPr>
+          </a:pPr>
+          <a:endParaRPr lang="zh-CN"/>
+        </a:p>
+      </c:txPr>
+    </c:legend>
+    <c:plotVisOnly val="1"/>
+    <c:dispBlanksAs val="gap"/>
+    <c:showDLblsOverMax val="0"/>
+  </c:chart>
+  <c:spPr>
+    <a:noFill/>
+    <a:ln>
+      <a:noFill/>
+    </a:ln>
+    <a:effectLst/>
+  </c:spPr>
+  <c:txPr>
+    <a:bodyPr/>
+    <a:lstStyle/>
+    <a:p>
+      <a:pPr>
+        <a:defRPr/>
+      </a:pPr>
+      <a:endParaRPr lang="zh-CN"/>
+    </a:p>
+  </c:txPr>
+  <c:externalData r:id="rId3">
+    <c:autoUpdate val="0"/>
+  </c:externalData>
+</c:chartSpace>
+</file>
+
+<file path=ppt/charts/chart3.xml><?xml version="1.0" encoding="utf-8"?>
+<c:chartSpace xmlns:c="http://schemas.openxmlformats.org/drawingml/2006/chart" xmlns:a="http://schemas.openxmlformats.org/drawingml/2006/main" xmlns:r="http://schemas.openxmlformats.org/officeDocument/2006/relationships" xmlns:c16r2="http://schemas.microsoft.com/office/drawing/2015/06/chart">
+  <c:date1904 val="0"/>
+  <c:lang val="zh-CN"/>
+  <c:roundedCorners val="0"/>
+  <mc:AlternateContent xmlns:mc="http://schemas.openxmlformats.org/markup-compatibility/2006">
+    <mc:Choice xmlns:c14="http://schemas.microsoft.com/office/drawing/2007/8/2/chart" Requires="c14">
+      <c14:style val="102"/>
+    </mc:Choice>
+    <mc:Fallback>
+      <c:style val="2"/>
+    </mc:Fallback>
+  </mc:AlternateContent>
+  <c:chart>
+    <c:title>
+      <c:tx>
+        <c:rich>
+          <a:bodyPr rot="0" spcFirstLastPara="1" vertOverflow="ellipsis" vert="horz" wrap="square" anchor="ctr" anchorCtr="1"/>
+          <a:lstStyle/>
+          <a:p>
+            <a:pPr>
+              <a:defRPr sz="1862" b="0" i="0" u="none" strike="noStrike" kern="1200" spc="0" baseline="0">
+                <a:solidFill>
+                  <a:schemeClr val="tx1">
+                    <a:lumMod val="65000"/>
+                    <a:lumOff val="35000"/>
+                  </a:schemeClr>
+                </a:solidFill>
+                <a:latin typeface="+mn-lt"/>
+                <a:ea typeface="+mn-ea"/>
+                <a:cs typeface="+mn-cs"/>
+              </a:defRPr>
+            </a:pPr>
+            <a:r>
+              <a:rPr lang="zh-CN" altLang="en-US" dirty="0" smtClean="0"/>
+              <a:t>性能对比图</a:t>
+            </a:r>
+            <a:endParaRPr lang="zh-CN" altLang="en-US" dirty="0"/>
+          </a:p>
+        </c:rich>
+      </c:tx>
+      <c:layout>
+        <c:manualLayout>
+          <c:xMode val="edge"/>
+          <c:yMode val="edge"/>
+          <c:x val="0.33037212373656888"/>
+          <c:y val="0.12011526594525856"/>
+        </c:manualLayout>
+      </c:layout>
+      <c:overlay val="0"/>
+      <c:spPr>
+        <a:noFill/>
+        <a:ln>
+          <a:noFill/>
+        </a:ln>
+        <a:effectLst/>
+      </c:spPr>
+      <c:txPr>
+        <a:bodyPr rot="0" spcFirstLastPara="1" vertOverflow="ellipsis" vert="horz" wrap="square" anchor="ctr" anchorCtr="1"/>
+        <a:lstStyle/>
+        <a:p>
+          <a:pPr>
+            <a:defRPr sz="1862" b="0" i="0" u="none" strike="noStrike" kern="1200" spc="0" baseline="0">
+              <a:solidFill>
+                <a:schemeClr val="tx1">
+                  <a:lumMod val="65000"/>
+                  <a:lumOff val="35000"/>
+                </a:schemeClr>
+              </a:solidFill>
+              <a:latin typeface="+mn-lt"/>
+              <a:ea typeface="+mn-ea"/>
+              <a:cs typeface="+mn-cs"/>
+            </a:defRPr>
+          </a:pPr>
+          <a:endParaRPr lang="zh-CN"/>
+        </a:p>
+      </c:txPr>
+    </c:title>
+    <c:autoTitleDeleted val="0"/>
+    <c:view3D>
+      <c:rotX val="15"/>
+      <c:rotY val="20"/>
+      <c:depthPercent val="100"/>
+      <c:rAngAx val="1"/>
+    </c:view3D>
+    <c:floor>
+      <c:thickness val="0"/>
+      <c:spPr>
+        <a:noFill/>
+        <a:ln>
+          <a:noFill/>
+        </a:ln>
+        <a:effectLst/>
+        <a:sp3d/>
+      </c:spPr>
+    </c:floor>
+    <c:sideWall>
+      <c:thickness val="0"/>
+      <c:spPr>
+        <a:noFill/>
+        <a:ln>
+          <a:noFill/>
+        </a:ln>
+        <a:effectLst/>
+        <a:sp3d/>
+      </c:spPr>
+    </c:sideWall>
+    <c:backWall>
+      <c:thickness val="0"/>
+      <c:spPr>
+        <a:noFill/>
+        <a:ln>
+          <a:noFill/>
+        </a:ln>
+        <a:effectLst/>
+        <a:sp3d/>
+      </c:spPr>
+    </c:backWall>
+    <c:plotArea>
+      <c:layout>
+        <c:manualLayout>
+          <c:layoutTarget val="inner"/>
+          <c:xMode val="edge"/>
+          <c:yMode val="edge"/>
+          <c:x val="9.0454157462257337E-2"/>
+          <c:y val="5.5613282151791468E-2"/>
+          <c:w val="0.90954584253774273"/>
+          <c:h val="0.82407283610886717"/>
+        </c:manualLayout>
+      </c:layout>
+      <c:bar3DChart>
+        <c:barDir val="col"/>
+        <c:grouping val="clustered"/>
+        <c:varyColors val="0"/>
+        <c:ser>
+          <c:idx val="0"/>
+          <c:order val="0"/>
+          <c:tx>
+            <c:strRef>
+              <c:f>Sheet1!$B$1</c:f>
+              <c:strCache>
+                <c:ptCount val="1"/>
+                <c:pt idx="0">
+                  <c:v>单任务</c:v>
+                </c:pt>
+              </c:strCache>
+            </c:strRef>
+          </c:tx>
+          <c:spPr>
+            <a:solidFill>
+              <a:srgbClr val="9A6DD5"/>
+            </a:solidFill>
+            <a:ln>
+              <a:noFill/>
+            </a:ln>
+            <a:effectLst/>
+            <a:sp3d/>
+          </c:spPr>
+          <c:invertIfNegative val="0"/>
+          <c:dLbls>
+            <c:dLbl>
+              <c:idx val="0"/>
+              <c:layout>
+                <c:manualLayout>
+                  <c:x val="-5.3795307674554094E-2"/>
+                  <c:y val="-5.7327740564782508E-2"/>
+                </c:manualLayout>
+              </c:layout>
+              <c:tx>
+                <c:rich>
+                  <a:bodyPr rot="0" spcFirstLastPara="1" vertOverflow="clip" horzOverflow="clip" vert="horz" wrap="square" lIns="38100" tIns="19050" rIns="38100" bIns="19050" anchor="ctr" anchorCtr="1">
+                    <a:noAutofit/>
+                  </a:bodyPr>
+                  <a:lstStyle/>
+                  <a:p>
+                    <a:pPr>
+                      <a:defRPr sz="1197" b="0" i="0" u="none" strike="noStrike" kern="1200" baseline="0">
+                        <a:solidFill>
+                          <a:schemeClr val="dk1">
+                            <a:lumMod val="65000"/>
+                            <a:lumOff val="35000"/>
+                          </a:schemeClr>
+                        </a:solidFill>
+                        <a:latin typeface="+mn-lt"/>
+                        <a:ea typeface="+mn-ea"/>
+                        <a:cs typeface="+mn-cs"/>
+                      </a:defRPr>
+                    </a:pPr>
+                    <a:fld id="{AEECC724-1958-4EB5-BB7C-AAFDF3861943}" type="VALUE">
+                      <a:rPr lang="en-US" altLang="zh-CN" baseline="0" smtClean="0"/>
+                      <a:pPr>
+                        <a:defRPr/>
+                      </a:pPr>
+                      <a:t>[值]</a:t>
+                    </a:fld>
+                    <a:endParaRPr lang="zh-CN" altLang="en-US"/>
+                  </a:p>
+                </c:rich>
+              </c:tx>
+              <c:spPr>
+                <a:xfrm>
+                  <a:off x="524862" y="34129"/>
+                  <a:ext cx="247321" cy="225314"/>
+                </a:xfrm>
+                <a:solidFill>
+                  <a:prstClr val="white"/>
+                </a:solidFill>
+                <a:ln w="9525" cap="flat" cmpd="sng" algn="ctr">
+                  <a:solidFill>
+                    <a:prstClr val="black">
+                      <a:lumMod val="25000"/>
+                      <a:lumOff val="75000"/>
+                    </a:prstClr>
+                  </a:solidFill>
+                  <a:prstDash val="solid"/>
+                  <a:round/>
+                  <a:headEnd type="none" w="med" len="med"/>
+                  <a:tailEnd type="none" w="med" len="med"/>
+                </a:ln>
+                <a:effectLst/>
+              </c:spPr>
+              <c:txPr>
+                <a:bodyPr rot="0" spcFirstLastPara="1" vertOverflow="clip" horzOverflow="clip" vert="horz" wrap="square" lIns="38100" tIns="19050" rIns="38100" bIns="19050" anchor="ctr" anchorCtr="1">
+                  <a:noAutofit/>
+                </a:bodyPr>
+                <a:lstStyle/>
+                <a:p>
+                  <a:pPr>
+                    <a:defRPr sz="1197" b="0" i="0" u="none" strike="noStrike" kern="1200" baseline="0">
+                      <a:solidFill>
+                        <a:schemeClr val="dk1">
+                          <a:lumMod val="65000"/>
+                          <a:lumOff val="35000"/>
+                        </a:schemeClr>
+                      </a:solidFill>
+                      <a:latin typeface="+mn-lt"/>
+                      <a:ea typeface="+mn-ea"/>
+                      <a:cs typeface="+mn-cs"/>
+                    </a:defRPr>
+                  </a:pPr>
+                  <a:endParaRPr lang="zh-CN"/>
+                </a:p>
+              </c:txPr>
+              <c:showLegendKey val="0"/>
+              <c:showVal val="1"/>
+              <c:showCatName val="1"/>
+              <c:showSerName val="0"/>
+              <c:showPercent val="0"/>
+              <c:showBubbleSize val="0"/>
+              <c:extLst>
+                <c:ext xmlns:c15="http://schemas.microsoft.com/office/drawing/2012/chart" uri="{CE6537A1-D6FC-4f65-9D91-7224C49458BB}">
+                  <c15:spPr xmlns:c15="http://schemas.microsoft.com/office/drawing/2012/chart">
+                    <a:prstGeom prst="wedgeRectCallout">
+                      <a:avLst>
+                        <a:gd name="adj1" fmla="val 62833"/>
+                        <a:gd name="adj2" fmla="val 128272"/>
+                      </a:avLst>
+                    </a:prstGeom>
+                    <a:noFill/>
+                    <a:ln>
+                      <a:noFill/>
+                    </a:ln>
+                  </c15:spPr>
+                  <c15:layout>
+                    <c:manualLayout>
+                      <c:w val="5.6628182161213618E-2"/>
+                      <c:h val="9.6863461099463088E-2"/>
+                    </c:manualLayout>
+                  </c15:layout>
+                  <c15:dlblFieldTable/>
+                  <c15:showDataLabelsRange val="0"/>
+                </c:ext>
+                <c:ext xmlns:c16="http://schemas.microsoft.com/office/drawing/2014/chart" uri="{C3380CC4-5D6E-409C-BE32-E72D297353CC}">
+                  <c16:uniqueId val="{00000002-2076-4B5D-9462-18FC6B762A10}"/>
+                </c:ext>
+              </c:extLst>
+            </c:dLbl>
+            <c:dLbl>
+              <c:idx val="1"/>
+              <c:layout>
+                <c:manualLayout>
+                  <c:x val="-7.5604377085874905E-2"/>
+                  <c:y val="-5.0047449324785753E-17"/>
+                </c:manualLayout>
+              </c:layout>
+              <c:tx>
+                <c:rich>
+                  <a:bodyPr rot="0" spcFirstLastPara="1" vertOverflow="clip" horzOverflow="clip" vert="horz" wrap="square" lIns="38100" tIns="19050" rIns="38100" bIns="19050" anchor="ctr" anchorCtr="1">
+                    <a:spAutoFit/>
+                  </a:bodyPr>
+                  <a:lstStyle/>
+                  <a:p>
+                    <a:pPr>
+                      <a:defRPr sz="1197" b="0" i="0" u="none" strike="noStrike" kern="1200" baseline="0">
+                        <a:solidFill>
+                          <a:schemeClr val="dk1">
+                            <a:lumMod val="65000"/>
+                            <a:lumOff val="35000"/>
+                          </a:schemeClr>
+                        </a:solidFill>
+                        <a:latin typeface="+mn-lt"/>
+                        <a:ea typeface="+mn-ea"/>
+                        <a:cs typeface="+mn-cs"/>
+                      </a:defRPr>
+                    </a:pPr>
+                    <a:fld id="{A98BB6C5-832E-4361-AF71-8060564E2D9A}" type="VALUE">
+                      <a:rPr lang="en-US" altLang="zh-CN" baseline="0" smtClean="0"/>
+                      <a:pPr>
+                        <a:defRPr/>
+                      </a:pPr>
+                      <a:t>[值]</a:t>
+                    </a:fld>
+                    <a:endParaRPr lang="zh-CN" altLang="en-US"/>
+                  </a:p>
+                </c:rich>
+              </c:tx>
+              <c:spPr>
+                <a:solidFill>
+                  <a:prstClr val="white"/>
+                </a:solidFill>
+                <a:ln w="9525" cap="flat" cmpd="sng" algn="ctr">
+                  <a:solidFill>
+                    <a:prstClr val="black">
+                      <a:lumMod val="25000"/>
+                      <a:lumOff val="75000"/>
+                    </a:prstClr>
+                  </a:solidFill>
+                  <a:prstDash val="solid"/>
+                  <a:round/>
+                  <a:headEnd type="none" w="med" len="med"/>
+                  <a:tailEnd type="none" w="med" len="med"/>
+                </a:ln>
+                <a:effectLst/>
+              </c:spPr>
+              <c:txPr>
+                <a:bodyPr rot="0" spcFirstLastPara="1" vertOverflow="clip" horzOverflow="clip" vert="horz" wrap="square" lIns="38100" tIns="19050" rIns="38100" bIns="19050" anchor="ctr" anchorCtr="1">
+                  <a:spAutoFit/>
+                </a:bodyPr>
+                <a:lstStyle/>
+                <a:p>
+                  <a:pPr>
+                    <a:defRPr sz="1197" b="0" i="0" u="none" strike="noStrike" kern="1200" baseline="0">
+                      <a:solidFill>
+                        <a:schemeClr val="dk1">
+                          <a:lumMod val="65000"/>
+                          <a:lumOff val="35000"/>
+                        </a:schemeClr>
+                      </a:solidFill>
+                      <a:latin typeface="+mn-lt"/>
+                      <a:ea typeface="+mn-ea"/>
+                      <a:cs typeface="+mn-cs"/>
+                    </a:defRPr>
+                  </a:pPr>
+                  <a:endParaRPr lang="zh-CN"/>
+                </a:p>
+              </c:txPr>
+              <c:showLegendKey val="0"/>
+              <c:showVal val="1"/>
+              <c:showCatName val="1"/>
+              <c:showSerName val="0"/>
+              <c:showPercent val="0"/>
+              <c:showBubbleSize val="0"/>
+              <c:extLst>
+                <c:ext xmlns:c15="http://schemas.microsoft.com/office/drawing/2012/chart" uri="{CE6537A1-D6FC-4f65-9D91-7224C49458BB}">
+                  <c15:spPr xmlns:c15="http://schemas.microsoft.com/office/drawing/2012/chart">
+                    <a:prstGeom prst="wedgeRectCallout">
+                      <a:avLst>
+                        <a:gd name="adj1" fmla="val 103970"/>
+                        <a:gd name="adj2" fmla="val 75461"/>
+                      </a:avLst>
+                    </a:prstGeom>
+                    <a:noFill/>
+                    <a:ln>
+                      <a:noFill/>
+                    </a:ln>
+                  </c15:spPr>
+                  <c15:layout/>
+                  <c15:dlblFieldTable/>
+                  <c15:showDataLabelsRange val="0"/>
+                </c:ext>
+                <c:ext xmlns:c16="http://schemas.microsoft.com/office/drawing/2014/chart" uri="{C3380CC4-5D6E-409C-BE32-E72D297353CC}">
+                  <c16:uniqueId val="{00000003-2076-4B5D-9462-18FC6B762A10}"/>
+                </c:ext>
+              </c:extLst>
+            </c:dLbl>
+            <c:dLbl>
+              <c:idx val="2"/>
+              <c:layout>
+                <c:manualLayout>
+                  <c:x val="-8.7235819714471086E-2"/>
+                  <c:y val="-5.4597848156936208E-3"/>
+                </c:manualLayout>
+              </c:layout>
+              <c:tx>
+                <c:rich>
+                  <a:bodyPr rot="0" spcFirstLastPara="1" vertOverflow="clip" horzOverflow="clip" vert="horz" wrap="square" lIns="38100" tIns="19050" rIns="38100" bIns="19050" anchor="ctr" anchorCtr="1">
+                    <a:spAutoFit/>
+                  </a:bodyPr>
+                  <a:lstStyle/>
+                  <a:p>
+                    <a:pPr>
+                      <a:defRPr sz="1197" b="0" i="0" u="none" strike="noStrike" kern="1200" baseline="0">
+                        <a:solidFill>
+                          <a:schemeClr val="dk1">
+                            <a:lumMod val="65000"/>
+                            <a:lumOff val="35000"/>
+                          </a:schemeClr>
+                        </a:solidFill>
+                        <a:latin typeface="+mn-lt"/>
+                        <a:ea typeface="+mn-ea"/>
+                        <a:cs typeface="+mn-cs"/>
+                      </a:defRPr>
+                    </a:pPr>
+                    <a:fld id="{36377EE8-3DA7-46A7-A329-21525C564AC4}" type="VALUE">
+                      <a:rPr lang="en-US" altLang="zh-CN" baseline="0" smtClean="0"/>
+                      <a:pPr>
+                        <a:defRPr/>
+                      </a:pPr>
+                      <a:t>[值]</a:t>
+                    </a:fld>
+                    <a:endParaRPr lang="zh-CN" altLang="en-US"/>
+                  </a:p>
+                </c:rich>
+              </c:tx>
+              <c:spPr>
+                <a:solidFill>
+                  <a:prstClr val="white"/>
+                </a:solidFill>
+                <a:ln w="9525" cap="flat" cmpd="sng" algn="ctr">
+                  <a:solidFill>
+                    <a:prstClr val="black">
+                      <a:lumMod val="25000"/>
+                      <a:lumOff val="75000"/>
+                    </a:prstClr>
+                  </a:solidFill>
+                  <a:prstDash val="solid"/>
+                  <a:round/>
+                  <a:headEnd type="none" w="med" len="med"/>
+                  <a:tailEnd type="none" w="med" len="med"/>
+                </a:ln>
+                <a:effectLst/>
+              </c:spPr>
+              <c:txPr>
+                <a:bodyPr rot="0" spcFirstLastPara="1" vertOverflow="clip" horzOverflow="clip" vert="horz" wrap="square" lIns="38100" tIns="19050" rIns="38100" bIns="19050" anchor="ctr" anchorCtr="1">
+                  <a:spAutoFit/>
+                </a:bodyPr>
+                <a:lstStyle/>
+                <a:p>
+                  <a:pPr>
+                    <a:defRPr sz="1197" b="0" i="0" u="none" strike="noStrike" kern="1200" baseline="0">
+                      <a:solidFill>
+                        <a:schemeClr val="dk1">
+                          <a:lumMod val="65000"/>
+                          <a:lumOff val="35000"/>
+                        </a:schemeClr>
+                      </a:solidFill>
+                      <a:latin typeface="+mn-lt"/>
+                      <a:ea typeface="+mn-ea"/>
+                      <a:cs typeface="+mn-cs"/>
+                    </a:defRPr>
+                  </a:pPr>
+                  <a:endParaRPr lang="zh-CN"/>
+                </a:p>
+              </c:txPr>
+              <c:showLegendKey val="0"/>
+              <c:showVal val="1"/>
+              <c:showCatName val="1"/>
+              <c:showSerName val="0"/>
+              <c:showPercent val="0"/>
+              <c:showBubbleSize val="0"/>
+              <c:extLst>
+                <c:ext xmlns:c15="http://schemas.microsoft.com/office/drawing/2012/chart" uri="{CE6537A1-D6FC-4f65-9D91-7224C49458BB}">
+                  <c15:spPr xmlns:c15="http://schemas.microsoft.com/office/drawing/2012/chart">
+                    <a:prstGeom prst="wedgeRectCallout">
+                      <a:avLst>
+                        <a:gd name="adj1" fmla="val 111897"/>
+                        <a:gd name="adj2" fmla="val 86205"/>
+                      </a:avLst>
+                    </a:prstGeom>
+                    <a:noFill/>
+                    <a:ln>
+                      <a:noFill/>
+                    </a:ln>
+                  </c15:spPr>
+                  <c15:layout/>
+                  <c15:dlblFieldTable/>
+                  <c15:showDataLabelsRange val="0"/>
+                </c:ext>
+                <c:ext xmlns:c16="http://schemas.microsoft.com/office/drawing/2014/chart" uri="{C3380CC4-5D6E-409C-BE32-E72D297353CC}">
+                  <c16:uniqueId val="{00000004-2076-4B5D-9462-18FC6B762A10}"/>
+                </c:ext>
+              </c:extLst>
+            </c:dLbl>
+            <c:dLbl>
+              <c:idx val="3"/>
+              <c:layout>
+                <c:manualLayout>
+                  <c:x val="-4.3617909857235598E-2"/>
+                  <c:y val="-5.4597848156935712E-2"/>
+                </c:manualLayout>
+              </c:layout>
+              <c:tx>
+                <c:rich>
+                  <a:bodyPr rot="0" spcFirstLastPara="1" vertOverflow="clip" horzOverflow="clip" vert="horz" wrap="square" lIns="38100" tIns="19050" rIns="38100" bIns="19050" anchor="ctr" anchorCtr="1">
+                    <a:spAutoFit/>
+                  </a:bodyPr>
+                  <a:lstStyle/>
+                  <a:p>
+                    <a:pPr>
+                      <a:defRPr sz="1197" b="0" i="0" u="none" strike="noStrike" kern="1200" baseline="0">
+                        <a:solidFill>
+                          <a:schemeClr val="dk1">
+                            <a:lumMod val="65000"/>
+                            <a:lumOff val="35000"/>
+                          </a:schemeClr>
+                        </a:solidFill>
+                        <a:latin typeface="+mn-lt"/>
+                        <a:ea typeface="+mn-ea"/>
+                        <a:cs typeface="+mn-cs"/>
+                      </a:defRPr>
+                    </a:pPr>
+                    <a:fld id="{F4CA0C91-AD07-4AC0-86FD-0B6FF4363072}" type="VALUE">
+                      <a:rPr lang="en-US" altLang="zh-CN" baseline="0" smtClean="0"/>
+                      <a:pPr>
+                        <a:defRPr/>
+                      </a:pPr>
+                      <a:t>[值]</a:t>
+                    </a:fld>
+                    <a:endParaRPr lang="zh-CN" altLang="en-US"/>
+                  </a:p>
+                </c:rich>
+              </c:tx>
+              <c:spPr>
+                <a:solidFill>
+                  <a:prstClr val="white"/>
+                </a:solidFill>
+                <a:ln w="9525" cap="flat" cmpd="sng" algn="ctr">
+                  <a:solidFill>
+                    <a:prstClr val="black">
+                      <a:lumMod val="25000"/>
+                      <a:lumOff val="75000"/>
+                    </a:prstClr>
+                  </a:solidFill>
+                  <a:prstDash val="solid"/>
+                  <a:round/>
+                  <a:headEnd type="none" w="med" len="med"/>
+                  <a:tailEnd type="none" w="med" len="med"/>
+                </a:ln>
+                <a:effectLst/>
+              </c:spPr>
+              <c:txPr>
+                <a:bodyPr rot="0" spcFirstLastPara="1" vertOverflow="clip" horzOverflow="clip" vert="horz" wrap="square" lIns="38100" tIns="19050" rIns="38100" bIns="19050" anchor="ctr" anchorCtr="1">
+                  <a:spAutoFit/>
+                </a:bodyPr>
+                <a:lstStyle/>
+                <a:p>
+                  <a:pPr>
+                    <a:defRPr sz="1197" b="0" i="0" u="none" strike="noStrike" kern="1200" baseline="0">
+                      <a:solidFill>
+                        <a:schemeClr val="dk1">
+                          <a:lumMod val="65000"/>
+                          <a:lumOff val="35000"/>
+                        </a:schemeClr>
+                      </a:solidFill>
+                      <a:latin typeface="+mn-lt"/>
+                      <a:ea typeface="+mn-ea"/>
+                      <a:cs typeface="+mn-cs"/>
+                    </a:defRPr>
+                  </a:pPr>
+                  <a:endParaRPr lang="zh-CN"/>
+                </a:p>
+              </c:txPr>
+              <c:showLegendKey val="0"/>
+              <c:showVal val="1"/>
+              <c:showCatName val="1"/>
+              <c:showSerName val="0"/>
+              <c:showPercent val="0"/>
+              <c:showBubbleSize val="0"/>
+              <c:extLst>
+                <c:ext xmlns:c15="http://schemas.microsoft.com/office/drawing/2012/chart" uri="{CE6537A1-D6FC-4f65-9D91-7224C49458BB}">
+                  <c15:spPr xmlns:c15="http://schemas.microsoft.com/office/drawing/2012/chart">
+                    <a:prstGeom prst="wedgeRectCallout">
+                      <a:avLst>
+                        <a:gd name="adj1" fmla="val 60145"/>
+                        <a:gd name="adj2" fmla="val 134550"/>
+                      </a:avLst>
+                    </a:prstGeom>
+                    <a:noFill/>
+                    <a:ln>
+                      <a:noFill/>
+                    </a:ln>
+                  </c15:spPr>
+                  <c15:layout/>
+                  <c15:dlblFieldTable/>
+                  <c15:showDataLabelsRange val="0"/>
+                </c:ext>
+                <c:ext xmlns:c16="http://schemas.microsoft.com/office/drawing/2014/chart" uri="{C3380CC4-5D6E-409C-BE32-E72D297353CC}">
+                  <c16:uniqueId val="{00000006-2076-4B5D-9462-18FC6B762A10}"/>
+                </c:ext>
+              </c:extLst>
+            </c:dLbl>
+            <c:spPr>
+              <a:solidFill>
+                <a:prstClr val="white"/>
+              </a:solidFill>
+              <a:ln>
+                <a:solidFill>
+                  <a:prstClr val="black">
+                    <a:lumMod val="25000"/>
+                    <a:lumOff val="75000"/>
+                  </a:prstClr>
+                </a:solidFill>
+              </a:ln>
+              <a:effectLst/>
+            </c:spPr>
+            <c:txPr>
+              <a:bodyPr rot="0" spcFirstLastPara="1" vertOverflow="clip" horzOverflow="clip" vert="horz" wrap="square" lIns="38100" tIns="19050" rIns="38100" bIns="19050" anchor="ctr" anchorCtr="1">
+                <a:spAutoFit/>
+              </a:bodyPr>
+              <a:lstStyle/>
+              <a:p>
+                <a:pPr>
+                  <a:defRPr sz="1197" b="0" i="0" u="none" strike="noStrike" kern="1200" baseline="0">
+                    <a:solidFill>
+                      <a:schemeClr val="dk1">
+                        <a:lumMod val="65000"/>
+                        <a:lumOff val="35000"/>
+                      </a:schemeClr>
+                    </a:solidFill>
+                    <a:latin typeface="+mn-lt"/>
+                    <a:ea typeface="+mn-ea"/>
+                    <a:cs typeface="+mn-cs"/>
+                  </a:defRPr>
+                </a:pPr>
+                <a:endParaRPr lang="zh-CN"/>
+              </a:p>
+            </c:txPr>
+            <c:showLegendKey val="0"/>
+            <c:showVal val="1"/>
+            <c:showCatName val="1"/>
+            <c:showSerName val="0"/>
+            <c:showPercent val="0"/>
+            <c:showBubbleSize val="0"/>
+            <c:showLeaderLines val="0"/>
+            <c:extLst>
+              <c:ext xmlns:c15="http://schemas.microsoft.com/office/drawing/2012/chart" uri="{CE6537A1-D6FC-4f65-9D91-7224C49458BB}">
+                <c15:spPr xmlns:c15="http://schemas.microsoft.com/office/drawing/2012/chart">
+                  <a:prstGeom prst="wedgeRectCallout">
+                    <a:avLst/>
+                  </a:prstGeom>
+                  <a:noFill/>
+                  <a:ln>
+                    <a:noFill/>
+                  </a:ln>
+                </c15:spPr>
+                <c15:layout/>
+                <c15:showLeaderLines val="0"/>
+              </c:ext>
+            </c:extLst>
+          </c:dLbls>
+          <c:cat>
+            <c:strRef>
+              <c:f>Sheet1!$A$2:$A$5</c:f>
+              <c:strCache>
+                <c:ptCount val="4"/>
+                <c:pt idx="0">
+                  <c:v>无优化</c:v>
+                </c:pt>
+                <c:pt idx="1">
+                  <c:v>Dsp加速</c:v>
+                </c:pt>
+                <c:pt idx="2">
+                  <c:v>深度优化</c:v>
+                </c:pt>
+                <c:pt idx="3">
+                  <c:v>CCM</c:v>
+                </c:pt>
+              </c:strCache>
+            </c:strRef>
+          </c:cat>
+          <c:val>
+            <c:numRef>
+              <c:f>Sheet1!$B$2:$B$5</c:f>
+              <c:numCache>
+                <c:formatCode>General</c:formatCode>
+                <c:ptCount val="4"/>
+                <c:pt idx="0">
+                  <c:v>32</c:v>
+                </c:pt>
+                <c:pt idx="1">
+                  <c:v>19</c:v>
+                </c:pt>
+                <c:pt idx="2">
+                  <c:v>18</c:v>
+                </c:pt>
+                <c:pt idx="3">
+                  <c:v>14</c:v>
+                </c:pt>
+              </c:numCache>
+            </c:numRef>
+          </c:val>
+          <c:extLst>
+            <c:ext xmlns:c16="http://schemas.microsoft.com/office/drawing/2014/chart" uri="{C3380CC4-5D6E-409C-BE32-E72D297353CC}">
+              <c16:uniqueId val="{00000000-2076-4B5D-9462-18FC6B762A10}"/>
+            </c:ext>
+          </c:extLst>
+        </c:ser>
+        <c:ser>
+          <c:idx val="1"/>
+          <c:order val="1"/>
+          <c:tx>
+            <c:strRef>
+              <c:f>Sheet1!$C$1</c:f>
+              <c:strCache>
+                <c:ptCount val="1"/>
+                <c:pt idx="0">
+                  <c:v>多任务</c:v>
+                </c:pt>
+              </c:strCache>
+            </c:strRef>
+          </c:tx>
+          <c:spPr>
+            <a:solidFill>
+              <a:schemeClr val="accent6"/>
+            </a:solidFill>
+            <a:ln>
+              <a:noFill/>
+            </a:ln>
+            <a:effectLst/>
+            <a:sp3d/>
+          </c:spPr>
+          <c:invertIfNegative val="0"/>
+          <c:dLbls>
+            <c:dLbl>
+              <c:idx val="2"/>
+              <c:layout>
+                <c:manualLayout>
+                  <c:x val="7.2696516428725821E-2"/>
+                  <c:y val="-7.6436987419710001E-2"/>
+                </c:manualLayout>
+              </c:layout>
+              <c:tx>
+                <c:rich>
+                  <a:bodyPr rot="0" spcFirstLastPara="1" vertOverflow="clip" horzOverflow="clip" vert="horz" wrap="square" lIns="38100" tIns="19050" rIns="38100" bIns="19050" anchor="ctr" anchorCtr="1">
+                    <a:spAutoFit/>
+                  </a:bodyPr>
+                  <a:lstStyle/>
+                  <a:p>
+                    <a:pPr>
+                      <a:defRPr sz="1197" b="0" i="0" u="none" strike="noStrike" kern="1200" baseline="0">
+                        <a:solidFill>
+                          <a:schemeClr val="dk1">
+                            <a:lumMod val="65000"/>
+                            <a:lumOff val="35000"/>
+                          </a:schemeClr>
+                        </a:solidFill>
+                        <a:latin typeface="+mn-lt"/>
+                        <a:ea typeface="+mn-ea"/>
+                        <a:cs typeface="+mn-cs"/>
+                      </a:defRPr>
+                    </a:pPr>
+                    <a:fld id="{2A4A7BBA-62FB-4703-B27C-9D989421CDC7}" type="VALUE">
+                      <a:rPr lang="en-US" altLang="zh-CN" baseline="0" smtClean="0"/>
+                      <a:pPr>
+                        <a:defRPr/>
+                      </a:pPr>
+                      <a:t>[值]</a:t>
+                    </a:fld>
+                    <a:endParaRPr lang="zh-CN" altLang="en-US"/>
+                  </a:p>
+                </c:rich>
+              </c:tx>
+              <c:spPr>
+                <a:solidFill>
+                  <a:prstClr val="white"/>
+                </a:solidFill>
+                <a:ln w="9525" cap="flat" cmpd="sng" algn="ctr">
+                  <a:solidFill>
+                    <a:prstClr val="black">
+                      <a:lumMod val="25000"/>
+                      <a:lumOff val="75000"/>
+                    </a:prstClr>
+                  </a:solidFill>
+                  <a:prstDash val="solid"/>
+                  <a:round/>
+                  <a:headEnd type="none" w="med" len="med"/>
+                  <a:tailEnd type="none" w="med" len="med"/>
+                </a:ln>
+                <a:effectLst/>
+              </c:spPr>
+              <c:txPr>
+                <a:bodyPr rot="0" spcFirstLastPara="1" vertOverflow="clip" horzOverflow="clip" vert="horz" wrap="square" lIns="38100" tIns="19050" rIns="38100" bIns="19050" anchor="ctr" anchorCtr="1">
+                  <a:spAutoFit/>
+                </a:bodyPr>
+                <a:lstStyle/>
+                <a:p>
+                  <a:pPr>
+                    <a:defRPr sz="1197" b="0" i="0" u="none" strike="noStrike" kern="1200" baseline="0">
+                      <a:solidFill>
+                        <a:schemeClr val="dk1">
+                          <a:lumMod val="65000"/>
+                          <a:lumOff val="35000"/>
+                        </a:schemeClr>
+                      </a:solidFill>
+                      <a:latin typeface="+mn-lt"/>
+                      <a:ea typeface="+mn-ea"/>
+                      <a:cs typeface="+mn-cs"/>
+                    </a:defRPr>
+                  </a:pPr>
+                  <a:endParaRPr lang="zh-CN"/>
+                </a:p>
+              </c:txPr>
+              <c:showLegendKey val="0"/>
+              <c:showVal val="1"/>
+              <c:showCatName val="1"/>
+              <c:showSerName val="0"/>
+              <c:showPercent val="0"/>
+              <c:showBubbleSize val="0"/>
+              <c:extLst>
+                <c:ext xmlns:c15="http://schemas.microsoft.com/office/drawing/2012/chart" uri="{CE6537A1-D6FC-4f65-9D91-7224C49458BB}">
+                  <c15:spPr xmlns:c15="http://schemas.microsoft.com/office/drawing/2012/chart">
+                    <a:prstGeom prst="wedgeRectCallout">
+                      <a:avLst>
+                        <a:gd name="adj1" fmla="val -98841"/>
+                        <a:gd name="adj2" fmla="val 143683"/>
+                      </a:avLst>
+                    </a:prstGeom>
+                    <a:noFill/>
+                    <a:ln>
+                      <a:noFill/>
+                    </a:ln>
+                  </c15:spPr>
+                  <c15:layout/>
+                  <c15:dlblFieldTable/>
+                  <c15:showDataLabelsRange val="0"/>
+                </c:ext>
+                <c:ext xmlns:c16="http://schemas.microsoft.com/office/drawing/2014/chart" uri="{C3380CC4-5D6E-409C-BE32-E72D297353CC}">
+                  <c16:uniqueId val="{00000005-2076-4B5D-9462-18FC6B762A10}"/>
+                </c:ext>
+              </c:extLst>
+            </c:dLbl>
+            <c:dLbl>
+              <c:idx val="3"/>
+              <c:layout>
+                <c:manualLayout>
+                  <c:x val="4.9433631171533446E-2"/>
+                  <c:y val="-5.459784815693576E-2"/>
+                </c:manualLayout>
+              </c:layout>
+              <c:tx>
+                <c:rich>
+                  <a:bodyPr rot="0" spcFirstLastPara="1" vertOverflow="clip" horzOverflow="clip" vert="horz" wrap="square" lIns="38100" tIns="19050" rIns="38100" bIns="19050" anchor="ctr" anchorCtr="1">
+                    <a:spAutoFit/>
+                  </a:bodyPr>
+                  <a:lstStyle/>
+                  <a:p>
+                    <a:pPr>
+                      <a:defRPr sz="1197" b="0" i="0" u="none" strike="noStrike" kern="1200" baseline="0">
+                        <a:solidFill>
+                          <a:schemeClr val="dk1">
+                            <a:lumMod val="65000"/>
+                            <a:lumOff val="35000"/>
+                          </a:schemeClr>
+                        </a:solidFill>
+                        <a:latin typeface="+mn-lt"/>
+                        <a:ea typeface="+mn-ea"/>
+                        <a:cs typeface="+mn-cs"/>
+                      </a:defRPr>
+                    </a:pPr>
+                    <a:fld id="{3ABF1A2B-47DD-4F0E-A595-10C87A06BD05}" type="VALUE">
+                      <a:rPr lang="en-US" altLang="zh-CN" baseline="0" smtClean="0"/>
+                      <a:pPr>
+                        <a:defRPr/>
+                      </a:pPr>
+                      <a:t>[值]</a:t>
+                    </a:fld>
+                    <a:endParaRPr lang="zh-CN" altLang="en-US"/>
+                  </a:p>
+                </c:rich>
+              </c:tx>
+              <c:spPr>
+                <a:solidFill>
+                  <a:prstClr val="white"/>
+                </a:solidFill>
+                <a:ln w="9525" cap="flat" cmpd="sng" algn="ctr">
+                  <a:solidFill>
+                    <a:prstClr val="black">
+                      <a:lumMod val="25000"/>
+                      <a:lumOff val="75000"/>
+                    </a:prstClr>
+                  </a:solidFill>
+                  <a:prstDash val="solid"/>
+                  <a:round/>
+                  <a:headEnd type="none" w="med" len="med"/>
+                  <a:tailEnd type="none" w="med" len="med"/>
+                </a:ln>
+                <a:effectLst/>
+              </c:spPr>
+              <c:txPr>
+                <a:bodyPr rot="0" spcFirstLastPara="1" vertOverflow="clip" horzOverflow="clip" vert="horz" wrap="square" lIns="38100" tIns="19050" rIns="38100" bIns="19050" anchor="ctr" anchorCtr="1">
+                  <a:spAutoFit/>
+                </a:bodyPr>
+                <a:lstStyle/>
+                <a:p>
+                  <a:pPr>
+                    <a:defRPr sz="1197" b="0" i="0" u="none" strike="noStrike" kern="1200" baseline="0">
+                      <a:solidFill>
+                        <a:schemeClr val="dk1">
+                          <a:lumMod val="65000"/>
+                          <a:lumOff val="35000"/>
+                        </a:schemeClr>
+                      </a:solidFill>
+                      <a:latin typeface="+mn-lt"/>
+                      <a:ea typeface="+mn-ea"/>
+                      <a:cs typeface="+mn-cs"/>
+                    </a:defRPr>
+                  </a:pPr>
+                  <a:endParaRPr lang="zh-CN"/>
+                </a:p>
+              </c:txPr>
+              <c:showLegendKey val="0"/>
+              <c:showVal val="1"/>
+              <c:showCatName val="1"/>
+              <c:showSerName val="0"/>
+              <c:showPercent val="0"/>
+              <c:showBubbleSize val="0"/>
+              <c:extLst>
+                <c:ext xmlns:c15="http://schemas.microsoft.com/office/drawing/2012/chart" uri="{CE6537A1-D6FC-4f65-9D91-7224C49458BB}">
+                  <c15:spPr xmlns:c15="http://schemas.microsoft.com/office/drawing/2012/chart">
+                    <a:prstGeom prst="wedgeRectCallout">
+                      <a:avLst>
+                        <a:gd name="adj1" fmla="val -49420"/>
+                        <a:gd name="adj2" fmla="val 139385"/>
+                      </a:avLst>
+                    </a:prstGeom>
+                    <a:noFill/>
+                    <a:ln>
+                      <a:noFill/>
+                    </a:ln>
+                  </c15:spPr>
+                  <c15:layout/>
+                  <c15:dlblFieldTable/>
+                  <c15:showDataLabelsRange val="0"/>
+                </c:ext>
+                <c:ext xmlns:c16="http://schemas.microsoft.com/office/drawing/2014/chart" uri="{C3380CC4-5D6E-409C-BE32-E72D297353CC}">
+                  <c16:uniqueId val="{00000007-2076-4B5D-9462-18FC6B762A10}"/>
+                </c:ext>
+              </c:extLst>
+            </c:dLbl>
+            <c:spPr>
+              <a:solidFill>
+                <a:prstClr val="white"/>
+              </a:solidFill>
+              <a:ln>
+                <a:solidFill>
+                  <a:prstClr val="black">
+                    <a:lumMod val="25000"/>
+                    <a:lumOff val="75000"/>
+                  </a:prstClr>
+                </a:solidFill>
+              </a:ln>
+              <a:effectLst/>
+            </c:spPr>
+            <c:txPr>
+              <a:bodyPr rot="0" spcFirstLastPara="1" vertOverflow="clip" horzOverflow="clip" vert="horz" wrap="square" lIns="38100" tIns="19050" rIns="38100" bIns="19050" anchor="ctr" anchorCtr="1">
+                <a:spAutoFit/>
+              </a:bodyPr>
+              <a:lstStyle/>
+              <a:p>
+                <a:pPr>
+                  <a:defRPr sz="1197" b="0" i="0" u="none" strike="noStrike" kern="1200" baseline="0">
+                    <a:solidFill>
+                      <a:schemeClr val="dk1">
+                        <a:lumMod val="65000"/>
+                        <a:lumOff val="35000"/>
+                      </a:schemeClr>
+                    </a:solidFill>
+                    <a:latin typeface="+mn-lt"/>
+                    <a:ea typeface="+mn-ea"/>
+                    <a:cs typeface="+mn-cs"/>
+                  </a:defRPr>
+                </a:pPr>
+                <a:endParaRPr lang="zh-CN"/>
+              </a:p>
+            </c:txPr>
+            <c:showLegendKey val="0"/>
+            <c:showVal val="1"/>
+            <c:showCatName val="1"/>
+            <c:showSerName val="0"/>
+            <c:showPercent val="0"/>
+            <c:showBubbleSize val="0"/>
+            <c:showLeaderLines val="0"/>
+            <c:extLst>
+              <c:ext xmlns:c15="http://schemas.microsoft.com/office/drawing/2012/chart" uri="{CE6537A1-D6FC-4f65-9D91-7224C49458BB}">
+                <c15:spPr xmlns:c15="http://schemas.microsoft.com/office/drawing/2012/chart">
+                  <a:prstGeom prst="wedgeRectCallout">
+                    <a:avLst/>
+                  </a:prstGeom>
+                  <a:noFill/>
+                  <a:ln>
+                    <a:noFill/>
+                  </a:ln>
+                </c15:spPr>
+                <c15:layout/>
+                <c15:showLeaderLines val="0"/>
+              </c:ext>
+            </c:extLst>
+          </c:dLbls>
+          <c:cat>
+            <c:strRef>
+              <c:f>Sheet1!$A$2:$A$5</c:f>
+              <c:strCache>
+                <c:ptCount val="4"/>
+                <c:pt idx="0">
+                  <c:v>无优化</c:v>
+                </c:pt>
+                <c:pt idx="1">
+                  <c:v>Dsp加速</c:v>
+                </c:pt>
+                <c:pt idx="2">
+                  <c:v>深度优化</c:v>
+                </c:pt>
+                <c:pt idx="3">
+                  <c:v>CCM</c:v>
+                </c:pt>
+              </c:strCache>
+            </c:strRef>
+          </c:cat>
+          <c:val>
+            <c:numRef>
+              <c:f>Sheet1!$C$2:$C$5</c:f>
+              <c:numCache>
+                <c:formatCode>General</c:formatCode>
+                <c:ptCount val="4"/>
+                <c:pt idx="2">
+                  <c:v>26</c:v>
+                </c:pt>
+                <c:pt idx="3">
+                  <c:v>18</c:v>
+                </c:pt>
+              </c:numCache>
+            </c:numRef>
+          </c:val>
+          <c:extLst>
+            <c:ext xmlns:c16="http://schemas.microsoft.com/office/drawing/2014/chart" uri="{C3380CC4-5D6E-409C-BE32-E72D297353CC}">
+              <c16:uniqueId val="{00000001-2076-4B5D-9462-18FC6B762A10}"/>
+            </c:ext>
+          </c:extLst>
+        </c:ser>
+        <c:dLbls>
+          <c:showLegendKey val="0"/>
+          <c:showVal val="0"/>
+          <c:showCatName val="0"/>
+          <c:showSerName val="0"/>
+          <c:showPercent val="0"/>
+          <c:showBubbleSize val="0"/>
+        </c:dLbls>
+        <c:gapWidth val="126"/>
+        <c:shape val="box"/>
+        <c:axId val="1277804784"/>
+        <c:axId val="1277801040"/>
+        <c:axId val="0"/>
+      </c:bar3DChart>
+      <c:catAx>
+        <c:axId val="1277804784"/>
+        <c:scaling>
+          <c:orientation val="minMax"/>
+        </c:scaling>
+        <c:delete val="0"/>
+        <c:axPos val="b"/>
+        <c:numFmt formatCode="General" sourceLinked="1"/>
+        <c:majorTickMark val="none"/>
+        <c:minorTickMark val="none"/>
+        <c:tickLblPos val="nextTo"/>
+        <c:spPr>
+          <a:noFill/>
+          <a:ln>
+            <a:noFill/>
+          </a:ln>
+          <a:effectLst/>
+        </c:spPr>
+        <c:txPr>
+          <a:bodyPr rot="-60000000" spcFirstLastPara="1" vertOverflow="ellipsis" vert="horz" wrap="square" anchor="ctr" anchorCtr="1"/>
+          <a:lstStyle/>
+          <a:p>
+            <a:pPr>
+              <a:defRPr sz="1050" b="0" i="0" u="none" strike="noStrike" kern="1200" baseline="0">
+                <a:solidFill>
+                  <a:schemeClr val="tx1">
+                    <a:lumMod val="65000"/>
+                    <a:lumOff val="35000"/>
+                  </a:schemeClr>
+                </a:solidFill>
+                <a:latin typeface="+mn-lt"/>
+                <a:ea typeface="+mn-ea"/>
+                <a:cs typeface="+mn-cs"/>
+              </a:defRPr>
+            </a:pPr>
+            <a:endParaRPr lang="zh-CN"/>
+          </a:p>
+        </c:txPr>
+        <c:crossAx val="1277801040"/>
+        <c:crosses val="autoZero"/>
+        <c:auto val="1"/>
+        <c:lblAlgn val="ctr"/>
+        <c:lblOffset val="100"/>
+        <c:noMultiLvlLbl val="0"/>
+      </c:catAx>
+      <c:valAx>
+        <c:axId val="1277801040"/>
+        <c:scaling>
+          <c:orientation val="minMax"/>
+        </c:scaling>
+        <c:delete val="0"/>
+        <c:axPos val="l"/>
+        <c:majorGridlines>
+          <c:spPr>
+            <a:ln w="9525" cap="flat" cmpd="sng" algn="ctr">
+              <a:solidFill>
+                <a:schemeClr val="tx1">
+                  <a:lumMod val="15000"/>
+                  <a:lumOff val="85000"/>
+                </a:schemeClr>
+              </a:solidFill>
+              <a:round/>
+            </a:ln>
+            <a:effectLst/>
+          </c:spPr>
+        </c:majorGridlines>
+        <c:numFmt formatCode="General" sourceLinked="1"/>
+        <c:majorTickMark val="none"/>
+        <c:minorTickMark val="none"/>
+        <c:tickLblPos val="nextTo"/>
+        <c:spPr>
+          <a:noFill/>
+          <a:ln>
+            <a:noFill/>
+          </a:ln>
+          <a:effectLst/>
+        </c:spPr>
+        <c:txPr>
+          <a:bodyPr rot="-60000000" spcFirstLastPara="1" vertOverflow="ellipsis" vert="horz" wrap="square" anchor="ctr" anchorCtr="1"/>
+          <a:lstStyle/>
+          <a:p>
+            <a:pPr>
+              <a:defRPr sz="1197" b="0" i="0" u="none" strike="noStrike" kern="1200" baseline="0">
+                <a:solidFill>
+                  <a:schemeClr val="tx1">
+                    <a:lumMod val="65000"/>
+                    <a:lumOff val="35000"/>
+                  </a:schemeClr>
+                </a:solidFill>
+                <a:latin typeface="+mn-lt"/>
+                <a:ea typeface="+mn-ea"/>
+                <a:cs typeface="+mn-cs"/>
+              </a:defRPr>
+            </a:pPr>
+            <a:endParaRPr lang="zh-CN"/>
+          </a:p>
+        </c:txPr>
+        <c:crossAx val="1277804784"/>
+        <c:crosses val="autoZero"/>
+        <c:crossBetween val="between"/>
+      </c:valAx>
+      <c:spPr>
+        <a:noFill/>
+        <a:ln>
+          <a:noFill/>
+        </a:ln>
+        <a:effectLst/>
+      </c:spPr>
+    </c:plotArea>
+    <c:legend>
+      <c:legendPos val="b"/>
+      <c:layout>
+        <c:manualLayout>
+          <c:xMode val="edge"/>
+          <c:yMode val="edge"/>
+          <c:x val="0.48229067066715026"/>
+          <c:y val="1.6859987472588229E-2"/>
+          <c:w val="0.51770925398540057"/>
+          <c:h val="8.0234994980016947E-2"/>
+        </c:manualLayout>
+      </c:layout>
+      <c:overlay val="0"/>
+      <c:spPr>
+        <a:noFill/>
+        <a:ln>
+          <a:noFill/>
+        </a:ln>
+        <a:effectLst/>
+      </c:spPr>
+      <c:txPr>
+        <a:bodyPr rot="0" spcFirstLastPara="1" vertOverflow="ellipsis" vert="horz" wrap="square" anchor="ctr" anchorCtr="1"/>
+        <a:lstStyle/>
+        <a:p>
+          <a:pPr>
+            <a:defRPr sz="1197" b="0" i="0" u="none" strike="noStrike" kern="1200" baseline="0">
+              <a:solidFill>
+                <a:schemeClr val="tx1">
+                  <a:lumMod val="65000"/>
+                  <a:lumOff val="35000"/>
+                </a:schemeClr>
+              </a:solidFill>
+              <a:latin typeface="+mn-lt"/>
+              <a:ea typeface="+mn-ea"/>
+              <a:cs typeface="+mn-cs"/>
+            </a:defRPr>
+          </a:pPr>
+          <a:endParaRPr lang="zh-CN"/>
+        </a:p>
+      </c:txPr>
+    </c:legend>
+    <c:plotVisOnly val="1"/>
+    <c:dispBlanksAs val="gap"/>
+    <c:showDLblsOverMax val="0"/>
+  </c:chart>
+  <c:spPr>
+    <a:noFill/>
+    <a:ln>
+      <a:noFill/>
+    </a:ln>
+    <a:effectLst/>
+  </c:spPr>
+  <c:txPr>
+    <a:bodyPr/>
+    <a:lstStyle/>
+    <a:p>
+      <a:pPr>
+        <a:defRPr/>
+      </a:pPr>
+      <a:endParaRPr lang="zh-CN"/>
+    </a:p>
+  </c:txPr>
+  <c:externalData r:id="rId3">
+    <c:autoUpdate val="0"/>
+  </c:externalData>
+</c:chartSpace>
+</file>
+
+<file path=ppt/charts/colors1.xml><?xml version="1.0" encoding="utf-8"?>
+<cs:colorStyle xmlns:cs="http://schemas.microsoft.com/office/drawing/2012/chartStyle" xmlns:a="http://schemas.openxmlformats.org/drawingml/2006/main" meth="cycle" id="10">
+  <a:schemeClr val="accent1"/>
+  <a:schemeClr val="accent2"/>
+  <a:schemeClr val="accent3"/>
+  <a:schemeClr val="accent4"/>
+  <a:schemeClr val="accent5"/>
+  <a:schemeClr val="accent6"/>
+  <cs:variation/>
+  <cs:variation>
+    <a:lumMod val="60000"/>
+  </cs:variation>
+  <cs:variation>
+    <a:lumMod val="80000"/>
+    <a:lumOff val="20000"/>
+  </cs:variation>
+  <cs:variation>
+    <a:lumMod val="80000"/>
+  </cs:variation>
+  <cs:variation>
+    <a:lumMod val="60000"/>
+    <a:lumOff val="40000"/>
+  </cs:variation>
+  <cs:variation>
+    <a:lumMod val="50000"/>
+  </cs:variation>
+  <cs:variation>
+    <a:lumMod val="70000"/>
+    <a:lumOff val="30000"/>
+  </cs:variation>
+  <cs:variation>
+    <a:lumMod val="70000"/>
+  </cs:variation>
+  <cs:variation>
+    <a:lumMod val="50000"/>
+    <a:lumOff val="50000"/>
+  </cs:variation>
+</cs:colorStyle>
+</file>
+
+<file path=ppt/charts/colors2.xml><?xml version="1.0" encoding="utf-8"?>
+<cs:colorStyle xmlns:cs="http://schemas.microsoft.com/office/drawing/2012/chartStyle" xmlns:a="http://schemas.openxmlformats.org/drawingml/2006/main" meth="cycle" id="10">
+  <a:schemeClr val="accent1"/>
+  <a:schemeClr val="accent2"/>
+  <a:schemeClr val="accent3"/>
+  <a:schemeClr val="accent4"/>
+  <a:schemeClr val="accent5"/>
+  <a:schemeClr val="accent6"/>
+  <cs:variation/>
+  <cs:variation>
+    <a:lumMod val="60000"/>
+  </cs:variation>
+  <cs:variation>
+    <a:lumMod val="80000"/>
+    <a:lumOff val="20000"/>
+  </cs:variation>
+  <cs:variation>
+    <a:lumMod val="80000"/>
+  </cs:variation>
+  <cs:variation>
+    <a:lumMod val="60000"/>
+    <a:lumOff val="40000"/>
+  </cs:variation>
+  <cs:variation>
+    <a:lumMod val="50000"/>
+  </cs:variation>
+  <cs:variation>
+    <a:lumMod val="70000"/>
+    <a:lumOff val="30000"/>
+  </cs:variation>
+  <cs:variation>
+    <a:lumMod val="70000"/>
+  </cs:variation>
+  <cs:variation>
+    <a:lumMod val="50000"/>
+    <a:lumOff val="50000"/>
+  </cs:variation>
+</cs:colorStyle>
+</file>
+
+<file path=ppt/charts/colors3.xml><?xml version="1.0" encoding="utf-8"?>
+<cs:colorStyle xmlns:cs="http://schemas.microsoft.com/office/drawing/2012/chartStyle" xmlns:a="http://schemas.openxmlformats.org/drawingml/2006/main" meth="cycle" id="10">
+  <a:schemeClr val="accent1"/>
+  <a:schemeClr val="accent2"/>
+  <a:schemeClr val="accent3"/>
+  <a:schemeClr val="accent4"/>
+  <a:schemeClr val="accent5"/>
+  <a:schemeClr val="accent6"/>
+  <cs:variation/>
+  <cs:variation>
+    <a:lumMod val="60000"/>
+  </cs:variation>
+  <cs:variation>
+    <a:lumMod val="80000"/>
+    <a:lumOff val="20000"/>
+  </cs:variation>
+  <cs:variation>
+    <a:lumMod val="80000"/>
+  </cs:variation>
+  <cs:variation>
+    <a:lumMod val="60000"/>
+    <a:lumOff val="40000"/>
+  </cs:variation>
+  <cs:variation>
+    <a:lumMod val="50000"/>
+  </cs:variation>
+  <cs:variation>
+    <a:lumMod val="70000"/>
+    <a:lumOff val="30000"/>
+  </cs:variation>
+  <cs:variation>
+    <a:lumMod val="70000"/>
+  </cs:variation>
+  <cs:variation>
+    <a:lumMod val="50000"/>
+    <a:lumOff val="50000"/>
+  </cs:variation>
+</cs:colorStyle>
+</file>
+
+<file path=ppt/charts/style1.xml><?xml version="1.0" encoding="utf-8"?>
+<cs:chartStyle xmlns:cs="http://schemas.microsoft.com/office/drawing/2012/chartStyle" xmlns:a="http://schemas.openxmlformats.org/drawingml/2006/main" id="286">
+  <cs:axisTitle>
+    <cs:lnRef idx="0"/>
+    <cs:fillRef idx="0"/>
+    <cs:effectRef idx="0"/>
+    <cs:fontRef idx="minor">
+      <a:schemeClr val="tx1">
+        <a:lumMod val="65000"/>
+        <a:lumOff val="35000"/>
+      </a:schemeClr>
+    </cs:fontRef>
+    <cs:defRPr sz="1330" kern="1200"/>
+  </cs:axisTitle>
+  <cs:categoryAxis>
+    <cs:lnRef idx="0"/>
+    <cs:fillRef idx="0"/>
+    <cs:effectRef idx="0"/>
+    <cs:fontRef idx="minor">
+      <a:schemeClr val="tx1">
+        <a:lumMod val="65000"/>
+        <a:lumOff val="35000"/>
+      </a:schemeClr>
+    </cs:fontRef>
+    <cs:defRPr sz="1197" kern="1200"/>
+  </cs:categoryAxis>
+  <cs:chartArea mods="allowNoFillOverride allowNoLineOverride">
+    <cs:lnRef idx="0"/>
+    <cs:fillRef idx="0"/>
+    <cs:effectRef idx="0"/>
+    <cs:fontRef idx="minor">
+      <a:schemeClr val="tx1"/>
+    </cs:fontRef>
+    <cs:spPr>
+      <a:solidFill>
+        <a:schemeClr val="bg1"/>
+      </a:solidFill>
+      <a:ln w="9525" cap="flat" cmpd="sng" algn="ctr">
+        <a:solidFill>
+          <a:schemeClr val="tx1">
+            <a:lumMod val="15000"/>
+            <a:lumOff val="85000"/>
+          </a:schemeClr>
+        </a:solidFill>
+        <a:round/>
+      </a:ln>
+    </cs:spPr>
+    <cs:defRPr sz="1330" kern="1200"/>
+  </cs:chartArea>
+  <cs:dataLabel>
+    <cs:lnRef idx="0"/>
+    <cs:fillRef idx="0"/>
+    <cs:effectRef idx="0"/>
+    <cs:fontRef idx="minor">
+      <a:schemeClr val="tx1">
+        <a:lumMod val="75000"/>
+        <a:lumOff val="25000"/>
+      </a:schemeClr>
+    </cs:fontRef>
+    <cs:defRPr sz="1197" kern="1200"/>
+  </cs:dataLabel>
+  <cs:dataLabelCallout>
+    <cs:lnRef idx="0"/>
+    <cs:fillRef idx="0"/>
+    <cs:effectRef idx="0"/>
+    <cs:fontRef idx="minor">
+      <a:schemeClr val="dk1">
+        <a:lumMod val="65000"/>
+        <a:lumOff val="35000"/>
+      </a:schemeClr>
+    </cs:fontRef>
+    <cs:spPr>
+      <a:solidFill>
+        <a:schemeClr val="lt1"/>
+      </a:solidFill>
+      <a:ln>
+        <a:solidFill>
+          <a:schemeClr val="dk1">
+            <a:lumMod val="25000"/>
+            <a:lumOff val="75000"/>
+          </a:schemeClr>
+        </a:solidFill>
+      </a:ln>
+    </cs:spPr>
+    <cs:defRPr sz="1197" kern="1200"/>
+    <cs:bodyPr rot="0" spcFirstLastPara="1" vertOverflow="clip" horzOverflow="clip" vert="horz" wrap="square" lIns="36576" tIns="18288" rIns="36576" bIns="18288" anchor="ctr" anchorCtr="1">
+      <a:spAutoFit/>
+    </cs:bodyPr>
+  </cs:dataLabelCallout>
+  <cs:dataPoint>
+    <cs:lnRef idx="0"/>
+    <cs:fillRef idx="1">
+      <cs:styleClr val="auto"/>
+    </cs:fillRef>
+    <cs:effectRef idx="0"/>
+    <cs:fontRef idx="minor">
+      <a:schemeClr val="tx1"/>
+    </cs:fontRef>
+  </cs:dataPoint>
+  <cs:dataPoint3D>
+    <cs:lnRef idx="0"/>
+    <cs:fillRef idx="1">
+      <cs:styleClr val="auto"/>
+    </cs:fillRef>
+    <cs:effectRef idx="0"/>
+    <cs:fontRef idx="minor">
+      <a:schemeClr val="tx1"/>
+    </cs:fontRef>
+  </cs:dataPoint3D>
+  <cs:dataPointLine>
+    <cs:lnRef idx="0">
+      <cs:styleClr val="auto"/>
+    </cs:lnRef>
+    <cs:fillRef idx="1"/>
+    <cs:effectRef idx="0"/>
+    <cs:fontRef idx="minor">
+      <a:schemeClr val="tx1"/>
+    </cs:fontRef>
+    <cs:spPr>
+      <a:ln w="28575" cap="rnd">
+        <a:solidFill>
+          <a:schemeClr val="phClr"/>
+        </a:solidFill>
+        <a:round/>
+      </a:ln>
+    </cs:spPr>
+  </cs:dataPointLine>
+  <cs:dataPointMarker>
+    <cs:lnRef idx="0">
+      <cs:styleClr val="auto"/>
+    </cs:lnRef>
+    <cs:fillRef idx="1">
+      <cs:styleClr val="auto"/>
+    </cs:fillRef>
+    <cs:effectRef idx="0"/>
+    <cs:fontRef idx="minor">
+      <a:schemeClr val="tx1"/>
+    </cs:fontRef>
+    <cs:spPr>
+      <a:ln w="9525">
+        <a:solidFill>
+          <a:schemeClr val="phClr"/>
+        </a:solidFill>
+      </a:ln>
+    </cs:spPr>
+  </cs:dataPointMarker>
+  <cs:dataPointMarkerLayout symbol="circle" size="5"/>
+  <cs:dataPointWireframe>
+    <cs:lnRef idx="0">
+      <cs:styleClr val="auto"/>
+    </cs:lnRef>
+    <cs:fillRef idx="1"/>
+    <cs:effectRef idx="0"/>
+    <cs:fontRef idx="minor">
+      <a:schemeClr val="tx1"/>
+    </cs:fontRef>
+    <cs:spPr>
+      <a:ln w="9525" cap="rnd">
+        <a:solidFill>
+          <a:schemeClr val="phClr"/>
+        </a:solidFill>
+        <a:round/>
+      </a:ln>
+    </cs:spPr>
+  </cs:dataPointWireframe>
+  <cs:dataTable>
+    <cs:lnRef idx="0"/>
+    <cs:fillRef idx="0"/>
+    <cs:effectRef idx="0"/>
+    <cs:fontRef idx="minor">
+      <a:schemeClr val="tx1">
+        <a:lumMod val="65000"/>
+        <a:lumOff val="35000"/>
+      </a:schemeClr>
+    </cs:fontRef>
+    <cs:spPr>
+      <a:noFill/>
+      <a:ln w="9525" cap="flat" cmpd="sng" algn="ctr">
+        <a:solidFill>
+          <a:schemeClr val="tx1">
+            <a:lumMod val="15000"/>
+            <a:lumOff val="85000"/>
+          </a:schemeClr>
+        </a:solidFill>
+        <a:round/>
+      </a:ln>
+    </cs:spPr>
+    <cs:defRPr sz="1197" kern="1200"/>
+  </cs:dataTable>
+  <cs:downBar>
+    <cs:lnRef idx="0"/>
+    <cs:fillRef idx="0"/>
+    <cs:effectRef idx="0"/>
+    <cs:fontRef idx="minor">
+      <a:schemeClr val="tx1"/>
+    </cs:fontRef>
+    <cs:spPr>
+      <a:solidFill>
+        <a:schemeClr val="dk1">
+          <a:lumMod val="75000"/>
+          <a:lumOff val="25000"/>
+        </a:schemeClr>
+      </a:solidFill>
+      <a:ln w="9525" cap="flat" cmpd="sng" algn="ctr">
+        <a:solidFill>
+          <a:schemeClr val="tx1">
+            <a:lumMod val="65000"/>
+            <a:lumOff val="35000"/>
+          </a:schemeClr>
+        </a:solidFill>
+        <a:round/>
+      </a:ln>
+    </cs:spPr>
+  </cs:downBar>
+  <cs:dropLine>
+    <cs:lnRef idx="0"/>
+    <cs:fillRef idx="0"/>
+    <cs:effectRef idx="0"/>
+    <cs:fontRef idx="minor">
+      <a:schemeClr val="tx1"/>
+    </cs:fontRef>
+    <cs:spPr>
+      <a:ln w="9525" cap="flat" cmpd="sng" algn="ctr">
+        <a:solidFill>
+          <a:schemeClr val="tx1">
+            <a:lumMod val="35000"/>
+            <a:lumOff val="65000"/>
+          </a:schemeClr>
+        </a:solidFill>
+        <a:round/>
+      </a:ln>
+    </cs:spPr>
+  </cs:dropLine>
+  <cs:errorBar>
+    <cs:lnRef idx="0"/>
+    <cs:fillRef idx="0"/>
+    <cs:effectRef idx="0"/>
+    <cs:fontRef idx="minor">
+      <a:schemeClr val="tx1"/>
+    </cs:fontRef>
+    <cs:spPr>
+      <a:ln w="9525" cap="flat" cmpd="sng" algn="ctr">
+        <a:solidFill>
+          <a:schemeClr val="tx1">
+            <a:lumMod val="65000"/>
+            <a:lumOff val="35000"/>
+          </a:schemeClr>
+        </a:solidFill>
+        <a:round/>
+      </a:ln>
+    </cs:spPr>
+  </cs:errorBar>
+  <cs:floor>
+    <cs:lnRef idx="0"/>
+    <cs:fillRef idx="0"/>
+    <cs:effectRef idx="0"/>
+    <cs:fontRef idx="minor">
+      <a:schemeClr val="tx1"/>
+    </cs:fontRef>
+    <cs:spPr>
+      <a:noFill/>
+      <a:ln>
+        <a:noFill/>
+      </a:ln>
+    </cs:spPr>
+  </cs:floor>
+  <cs:gridlineMajor>
+    <cs:lnRef idx="0"/>
+    <cs:fillRef idx="0"/>
+    <cs:effectRef idx="0"/>
+    <cs:fontRef idx="minor">
+      <a:schemeClr val="tx1"/>
+    </cs:fontRef>
+    <cs:spPr>
+      <a:ln w="9525" cap="flat" cmpd="sng" algn="ctr">
+        <a:solidFill>
+          <a:schemeClr val="tx1">
+            <a:lumMod val="15000"/>
+            <a:lumOff val="85000"/>
+          </a:schemeClr>
+        </a:solidFill>
+        <a:round/>
+      </a:ln>
+    </cs:spPr>
+  </cs:gridlineMajor>
+  <cs:gridlineMinor>
+    <cs:lnRef idx="0"/>
+    <cs:fillRef idx="0"/>
+    <cs:effectRef idx="0"/>
+    <cs:fontRef idx="minor">
+      <a:schemeClr val="tx1"/>
+    </cs:fontRef>
+    <cs:spPr>
+      <a:ln w="9525" cap="flat" cmpd="sng" algn="ctr">
+        <a:solidFill>
+          <a:schemeClr val="tx1">
+            <a:lumMod val="5000"/>
+            <a:lumOff val="95000"/>
+          </a:schemeClr>
+        </a:solidFill>
+        <a:round/>
+      </a:ln>
+    </cs:spPr>
+  </cs:gridlineMinor>
+  <cs:hiLoLine>
+    <cs:lnRef idx="0"/>
+    <cs:fillRef idx="0"/>
+    <cs:effectRef idx="0"/>
+    <cs:fontRef idx="minor">
+      <a:schemeClr val="tx1"/>
+    </cs:fontRef>
+    <cs:spPr>
+      <a:ln w="9525" cap="flat" cmpd="sng" algn="ctr">
+        <a:solidFill>
+          <a:schemeClr val="tx1">
+            <a:lumMod val="50000"/>
+            <a:lumOff val="50000"/>
+          </a:schemeClr>
+        </a:solidFill>
+        <a:round/>
+      </a:ln>
+    </cs:spPr>
+  </cs:hiLoLine>
+  <cs:leaderLine>
+    <cs:lnRef idx="0"/>
+    <cs:fillRef idx="0"/>
+    <cs:effectRef idx="0"/>
+    <cs:fontRef idx="minor">
+      <a:schemeClr val="tx1"/>
+    </cs:fontRef>
+    <cs:spPr>
+      <a:ln w="9525" cap="flat" cmpd="sng" algn="ctr">
+        <a:solidFill>
+          <a:schemeClr val="tx1">
+            <a:lumMod val="35000"/>
+            <a:lumOff val="65000"/>
+          </a:schemeClr>
+        </a:solidFill>
+        <a:round/>
+      </a:ln>
+    </cs:spPr>
+  </cs:leaderLine>
+  <cs:legend>
+    <cs:lnRef idx="0"/>
+    <cs:fillRef idx="0"/>
+    <cs:effectRef idx="0"/>
+    <cs:fontRef idx="minor">
+      <a:schemeClr val="tx1">
+        <a:lumMod val="65000"/>
+        <a:lumOff val="35000"/>
+      </a:schemeClr>
+    </cs:fontRef>
+    <cs:defRPr sz="1197" kern="1200"/>
+  </cs:legend>
+  <cs:plotArea mods="allowNoFillOverride allowNoLineOverride">
+    <cs:lnRef idx="0"/>
+    <cs:fillRef idx="0"/>
+    <cs:effectRef idx="0"/>
+    <cs:fontRef idx="minor">
+      <a:schemeClr val="tx1"/>
+    </cs:fontRef>
+  </cs:plotArea>
+  <cs:plotArea3D mods="allowNoFillOverride allowNoLineOverride">
+    <cs:lnRef idx="0"/>
+    <cs:fillRef idx="0"/>
+    <cs:effectRef idx="0"/>
+    <cs:fontRef idx="minor">
+      <a:schemeClr val="tx1"/>
+    </cs:fontRef>
+  </cs:plotArea3D>
+  <cs:seriesAxis>
+    <cs:lnRef idx="0"/>
+    <cs:fillRef idx="0"/>
+    <cs:effectRef idx="0"/>
+    <cs:fontRef idx="minor">
+      <a:schemeClr val="tx1">
+        <a:lumMod val="65000"/>
+        <a:lumOff val="35000"/>
+      </a:schemeClr>
+    </cs:fontRef>
+    <cs:defRPr sz="1197" kern="1200"/>
+  </cs:seriesAxis>
+  <cs:seriesLine>
+    <cs:lnRef idx="0"/>
+    <cs:fillRef idx="0"/>
+    <cs:effectRef idx="0"/>
+    <cs:fontRef idx="minor">
+      <a:schemeClr val="tx1"/>
+    </cs:fontRef>
+    <cs:spPr>
+      <a:ln w="9525" cap="flat" cmpd="sng" algn="ctr">
+        <a:solidFill>
+          <a:schemeClr val="tx1">
+            <a:lumMod val="35000"/>
+            <a:lumOff val="65000"/>
+          </a:schemeClr>
+        </a:solidFill>
+        <a:round/>
+      </a:ln>
+    </cs:spPr>
+  </cs:seriesLine>
+  <cs:title>
+    <cs:lnRef idx="0"/>
+    <cs:fillRef idx="0"/>
+    <cs:effectRef idx="0"/>
+    <cs:fontRef idx="minor">
+      <a:schemeClr val="tx1">
+        <a:lumMod val="65000"/>
+        <a:lumOff val="35000"/>
+      </a:schemeClr>
+    </cs:fontRef>
+    <cs:defRPr sz="1862" b="0" kern="1200" spc="0" baseline="0"/>
+  </cs:title>
+  <cs:trendline>
+    <cs:lnRef idx="0">
+      <cs:styleClr val="auto"/>
+    </cs:lnRef>
+    <cs:fillRef idx="0"/>
+    <cs:effectRef idx="0"/>
+    <cs:fontRef idx="minor">
+      <a:schemeClr val="tx1"/>
+    </cs:fontRef>
+    <cs:spPr>
+      <a:ln w="19050" cap="rnd">
+        <a:solidFill>
+          <a:schemeClr val="phClr"/>
+        </a:solidFill>
+        <a:prstDash val="sysDot"/>
+      </a:ln>
+    </cs:spPr>
+  </cs:trendline>
+  <cs:trendlineLabel>
+    <cs:lnRef idx="0"/>
+    <cs:fillRef idx="0"/>
+    <cs:effectRef idx="0"/>
+    <cs:fontRef idx="minor">
+      <a:schemeClr val="tx1">
+        <a:lumMod val="65000"/>
+        <a:lumOff val="35000"/>
+      </a:schemeClr>
+    </cs:fontRef>
+    <cs:defRPr sz="1197" kern="1200"/>
+  </cs:trendlineLabel>
+  <cs:upBar>
+    <cs:lnRef idx="0"/>
+    <cs:fillRef idx="0"/>
+    <cs:effectRef idx="0"/>
+    <cs:fontRef idx="minor">
+      <a:schemeClr val="tx1"/>
+    </cs:fontRef>
+    <cs:spPr>
+      <a:solidFill>
+        <a:schemeClr val="lt1"/>
+      </a:solidFill>
+      <a:ln w="9525" cap="flat" cmpd="sng" algn="ctr">
+        <a:solidFill>
+          <a:schemeClr val="tx1">
+            <a:lumMod val="65000"/>
+            <a:lumOff val="35000"/>
+          </a:schemeClr>
+        </a:solidFill>
+        <a:round/>
+      </a:ln>
+    </cs:spPr>
+  </cs:upBar>
+  <cs:valueAxis>
+    <cs:lnRef idx="0"/>
+    <cs:fillRef idx="0"/>
+    <cs:effectRef idx="0"/>
+    <cs:fontRef idx="minor">
+      <a:schemeClr val="tx1">
+        <a:lumMod val="65000"/>
+        <a:lumOff val="35000"/>
+      </a:schemeClr>
+    </cs:fontRef>
+    <cs:defRPr sz="1197" kern="1200"/>
+  </cs:valueAxis>
+  <cs:wall>
+    <cs:lnRef idx="0"/>
+    <cs:fillRef idx="0"/>
+    <cs:effectRef idx="0"/>
+    <cs:fontRef idx="minor">
+      <a:schemeClr val="tx1"/>
+    </cs:fontRef>
+    <cs:spPr>
+      <a:noFill/>
+      <a:ln>
+        <a:noFill/>
+      </a:ln>
+    </cs:spPr>
+  </cs:wall>
+</cs:chartStyle>
+</file>
+
+<file path=ppt/charts/style2.xml><?xml version="1.0" encoding="utf-8"?>
+<cs:chartStyle xmlns:cs="http://schemas.microsoft.com/office/drawing/2012/chartStyle" xmlns:a="http://schemas.openxmlformats.org/drawingml/2006/main" id="286">
+  <cs:axisTitle>
+    <cs:lnRef idx="0"/>
+    <cs:fillRef idx="0"/>
+    <cs:effectRef idx="0"/>
+    <cs:fontRef idx="minor">
+      <a:schemeClr val="tx1">
+        <a:lumMod val="65000"/>
+        <a:lumOff val="35000"/>
+      </a:schemeClr>
+    </cs:fontRef>
+    <cs:defRPr sz="1330" kern="1200"/>
+  </cs:axisTitle>
+  <cs:categoryAxis>
+    <cs:lnRef idx="0"/>
+    <cs:fillRef idx="0"/>
+    <cs:effectRef idx="0"/>
+    <cs:fontRef idx="minor">
+      <a:schemeClr val="tx1">
+        <a:lumMod val="65000"/>
+        <a:lumOff val="35000"/>
+      </a:schemeClr>
+    </cs:fontRef>
+    <cs:defRPr sz="1197" kern="1200"/>
+  </cs:categoryAxis>
+  <cs:chartArea mods="allowNoFillOverride allowNoLineOverride">
+    <cs:lnRef idx="0"/>
+    <cs:fillRef idx="0"/>
+    <cs:effectRef idx="0"/>
+    <cs:fontRef idx="minor">
+      <a:schemeClr val="tx1"/>
+    </cs:fontRef>
+    <cs:spPr>
+      <a:solidFill>
+        <a:schemeClr val="bg1"/>
+      </a:solidFill>
+      <a:ln w="9525" cap="flat" cmpd="sng" algn="ctr">
+        <a:solidFill>
+          <a:schemeClr val="tx1">
+            <a:lumMod val="15000"/>
+            <a:lumOff val="85000"/>
+          </a:schemeClr>
+        </a:solidFill>
+        <a:round/>
+      </a:ln>
+    </cs:spPr>
+    <cs:defRPr sz="1330" kern="1200"/>
+  </cs:chartArea>
+  <cs:dataLabel>
+    <cs:lnRef idx="0"/>
+    <cs:fillRef idx="0"/>
+    <cs:effectRef idx="0"/>
+    <cs:fontRef idx="minor">
+      <a:schemeClr val="tx1">
+        <a:lumMod val="75000"/>
+        <a:lumOff val="25000"/>
+      </a:schemeClr>
+    </cs:fontRef>
+    <cs:defRPr sz="1197" kern="1200"/>
+  </cs:dataLabel>
+  <cs:dataLabelCallout>
+    <cs:lnRef idx="0"/>
+    <cs:fillRef idx="0"/>
+    <cs:effectRef idx="0"/>
+    <cs:fontRef idx="minor">
+      <a:schemeClr val="dk1">
+        <a:lumMod val="65000"/>
+        <a:lumOff val="35000"/>
+      </a:schemeClr>
+    </cs:fontRef>
+    <cs:spPr>
+      <a:solidFill>
+        <a:schemeClr val="lt1"/>
+      </a:solidFill>
+      <a:ln>
+        <a:solidFill>
+          <a:schemeClr val="dk1">
+            <a:lumMod val="25000"/>
+            <a:lumOff val="75000"/>
+          </a:schemeClr>
+        </a:solidFill>
+      </a:ln>
+    </cs:spPr>
+    <cs:defRPr sz="1197" kern="1200"/>
+    <cs:bodyPr rot="0" spcFirstLastPara="1" vertOverflow="clip" horzOverflow="clip" vert="horz" wrap="square" lIns="36576" tIns="18288" rIns="36576" bIns="18288" anchor="ctr" anchorCtr="1">
+      <a:spAutoFit/>
+    </cs:bodyPr>
+  </cs:dataLabelCallout>
+  <cs:dataPoint>
+    <cs:lnRef idx="0"/>
+    <cs:fillRef idx="1">
+      <cs:styleClr val="auto"/>
+    </cs:fillRef>
+    <cs:effectRef idx="0"/>
+    <cs:fontRef idx="minor">
+      <a:schemeClr val="tx1"/>
+    </cs:fontRef>
+  </cs:dataPoint>
+  <cs:dataPoint3D>
+    <cs:lnRef idx="0"/>
+    <cs:fillRef idx="1">
+      <cs:styleClr val="auto"/>
+    </cs:fillRef>
+    <cs:effectRef idx="0"/>
+    <cs:fontRef idx="minor">
+      <a:schemeClr val="tx1"/>
+    </cs:fontRef>
+  </cs:dataPoint3D>
+  <cs:dataPointLine>
+    <cs:lnRef idx="0">
+      <cs:styleClr val="auto"/>
+    </cs:lnRef>
+    <cs:fillRef idx="1"/>
+    <cs:effectRef idx="0"/>
+    <cs:fontRef idx="minor">
+      <a:schemeClr val="tx1"/>
+    </cs:fontRef>
+    <cs:spPr>
+      <a:ln w="28575" cap="rnd">
+        <a:solidFill>
+          <a:schemeClr val="phClr"/>
+        </a:solidFill>
+        <a:round/>
+      </a:ln>
+    </cs:spPr>
+  </cs:dataPointLine>
+  <cs:dataPointMarker>
+    <cs:lnRef idx="0">
+      <cs:styleClr val="auto"/>
+    </cs:lnRef>
+    <cs:fillRef idx="1">
+      <cs:styleClr val="auto"/>
+    </cs:fillRef>
+    <cs:effectRef idx="0"/>
+    <cs:fontRef idx="minor">
+      <a:schemeClr val="tx1"/>
+    </cs:fontRef>
+    <cs:spPr>
+      <a:ln w="9525">
+        <a:solidFill>
+          <a:schemeClr val="phClr"/>
+        </a:solidFill>
+      </a:ln>
+    </cs:spPr>
+  </cs:dataPointMarker>
+  <cs:dataPointMarkerLayout symbol="circle" size="5"/>
+  <cs:dataPointWireframe>
+    <cs:lnRef idx="0">
+      <cs:styleClr val="auto"/>
+    </cs:lnRef>
+    <cs:fillRef idx="1"/>
+    <cs:effectRef idx="0"/>
+    <cs:fontRef idx="minor">
+      <a:schemeClr val="tx1"/>
+    </cs:fontRef>
+    <cs:spPr>
+      <a:ln w="9525" cap="rnd">
+        <a:solidFill>
+          <a:schemeClr val="phClr"/>
+        </a:solidFill>
+        <a:round/>
+      </a:ln>
+    </cs:spPr>
+  </cs:dataPointWireframe>
+  <cs:dataTable>
+    <cs:lnRef idx="0"/>
+    <cs:fillRef idx="0"/>
+    <cs:effectRef idx="0"/>
+    <cs:fontRef idx="minor">
+      <a:schemeClr val="tx1">
+        <a:lumMod val="65000"/>
+        <a:lumOff val="35000"/>
+      </a:schemeClr>
+    </cs:fontRef>
+    <cs:spPr>
+      <a:noFill/>
+      <a:ln w="9525" cap="flat" cmpd="sng" algn="ctr">
+        <a:solidFill>
+          <a:schemeClr val="tx1">
+            <a:lumMod val="15000"/>
+            <a:lumOff val="85000"/>
+          </a:schemeClr>
+        </a:solidFill>
+        <a:round/>
+      </a:ln>
+    </cs:spPr>
+    <cs:defRPr sz="1197" kern="1200"/>
+  </cs:dataTable>
+  <cs:downBar>
+    <cs:lnRef idx="0"/>
+    <cs:fillRef idx="0"/>
+    <cs:effectRef idx="0"/>
+    <cs:fontRef idx="minor">
+      <a:schemeClr val="tx1"/>
+    </cs:fontRef>
+    <cs:spPr>
+      <a:solidFill>
+        <a:schemeClr val="dk1">
+          <a:lumMod val="75000"/>
+          <a:lumOff val="25000"/>
+        </a:schemeClr>
+      </a:solidFill>
+      <a:ln w="9525" cap="flat" cmpd="sng" algn="ctr">
+        <a:solidFill>
+          <a:schemeClr val="tx1">
+            <a:lumMod val="65000"/>
+            <a:lumOff val="35000"/>
+          </a:schemeClr>
+        </a:solidFill>
+        <a:round/>
+      </a:ln>
+    </cs:spPr>
+  </cs:downBar>
+  <cs:dropLine>
+    <cs:lnRef idx="0"/>
+    <cs:fillRef idx="0"/>
+    <cs:effectRef idx="0"/>
+    <cs:fontRef idx="minor">
+      <a:schemeClr val="tx1"/>
+    </cs:fontRef>
+    <cs:spPr>
+      <a:ln w="9525" cap="flat" cmpd="sng" algn="ctr">
+        <a:solidFill>
+          <a:schemeClr val="tx1">
+            <a:lumMod val="35000"/>
+            <a:lumOff val="65000"/>
+          </a:schemeClr>
+        </a:solidFill>
+        <a:round/>
+      </a:ln>
+    </cs:spPr>
+  </cs:dropLine>
+  <cs:errorBar>
+    <cs:lnRef idx="0"/>
+    <cs:fillRef idx="0"/>
+    <cs:effectRef idx="0"/>
+    <cs:fontRef idx="minor">
+      <a:schemeClr val="tx1"/>
+    </cs:fontRef>
+    <cs:spPr>
+      <a:ln w="9525" cap="flat" cmpd="sng" algn="ctr">
+        <a:solidFill>
+          <a:schemeClr val="tx1">
+            <a:lumMod val="65000"/>
+            <a:lumOff val="35000"/>
+          </a:schemeClr>
+        </a:solidFill>
+        <a:round/>
+      </a:ln>
+    </cs:spPr>
+  </cs:errorBar>
+  <cs:floor>
+    <cs:lnRef idx="0"/>
+    <cs:fillRef idx="0"/>
+    <cs:effectRef idx="0"/>
+    <cs:fontRef idx="minor">
+      <a:schemeClr val="tx1"/>
+    </cs:fontRef>
+    <cs:spPr>
+      <a:noFill/>
+      <a:ln>
+        <a:noFill/>
+      </a:ln>
+    </cs:spPr>
+  </cs:floor>
+  <cs:gridlineMajor>
+    <cs:lnRef idx="0"/>
+    <cs:fillRef idx="0"/>
+    <cs:effectRef idx="0"/>
+    <cs:fontRef idx="minor">
+      <a:schemeClr val="tx1"/>
+    </cs:fontRef>
+    <cs:spPr>
+      <a:ln w="9525" cap="flat" cmpd="sng" algn="ctr">
+        <a:solidFill>
+          <a:schemeClr val="tx1">
+            <a:lumMod val="15000"/>
+            <a:lumOff val="85000"/>
+          </a:schemeClr>
+        </a:solidFill>
+        <a:round/>
+      </a:ln>
+    </cs:spPr>
+  </cs:gridlineMajor>
+  <cs:gridlineMinor>
+    <cs:lnRef idx="0"/>
+    <cs:fillRef idx="0"/>
+    <cs:effectRef idx="0"/>
+    <cs:fontRef idx="minor">
+      <a:schemeClr val="tx1"/>
+    </cs:fontRef>
+    <cs:spPr>
+      <a:ln w="9525" cap="flat" cmpd="sng" algn="ctr">
+        <a:solidFill>
+          <a:schemeClr val="tx1">
+            <a:lumMod val="5000"/>
+            <a:lumOff val="95000"/>
+          </a:schemeClr>
+        </a:solidFill>
+        <a:round/>
+      </a:ln>
+    </cs:spPr>
+  </cs:gridlineMinor>
+  <cs:hiLoLine>
+    <cs:lnRef idx="0"/>
+    <cs:fillRef idx="0"/>
+    <cs:effectRef idx="0"/>
+    <cs:fontRef idx="minor">
+      <a:schemeClr val="tx1"/>
+    </cs:fontRef>
+    <cs:spPr>
+      <a:ln w="9525" cap="flat" cmpd="sng" algn="ctr">
+        <a:solidFill>
+          <a:schemeClr val="tx1">
+            <a:lumMod val="50000"/>
+            <a:lumOff val="50000"/>
+          </a:schemeClr>
+        </a:solidFill>
+        <a:round/>
+      </a:ln>
+    </cs:spPr>
+  </cs:hiLoLine>
+  <cs:leaderLine>
+    <cs:lnRef idx="0"/>
+    <cs:fillRef idx="0"/>
+    <cs:effectRef idx="0"/>
+    <cs:fontRef idx="minor">
+      <a:schemeClr val="tx1"/>
+    </cs:fontRef>
+    <cs:spPr>
+      <a:ln w="9525" cap="flat" cmpd="sng" algn="ctr">
+        <a:solidFill>
+          <a:schemeClr val="tx1">
+            <a:lumMod val="35000"/>
+            <a:lumOff val="65000"/>
+          </a:schemeClr>
+        </a:solidFill>
+        <a:round/>
+      </a:ln>
+    </cs:spPr>
+  </cs:leaderLine>
+  <cs:legend>
+    <cs:lnRef idx="0"/>
+    <cs:fillRef idx="0"/>
+    <cs:effectRef idx="0"/>
+    <cs:fontRef idx="minor">
+      <a:schemeClr val="tx1">
+        <a:lumMod val="65000"/>
+        <a:lumOff val="35000"/>
+      </a:schemeClr>
+    </cs:fontRef>
+    <cs:defRPr sz="1197" kern="1200"/>
+  </cs:legend>
+  <cs:plotArea mods="allowNoFillOverride allowNoLineOverride">
+    <cs:lnRef idx="0"/>
+    <cs:fillRef idx="0"/>
+    <cs:effectRef idx="0"/>
+    <cs:fontRef idx="minor">
+      <a:schemeClr val="tx1"/>
+    </cs:fontRef>
+  </cs:plotArea>
+  <cs:plotArea3D mods="allowNoFillOverride allowNoLineOverride">
+    <cs:lnRef idx="0"/>
+    <cs:fillRef idx="0"/>
+    <cs:effectRef idx="0"/>
+    <cs:fontRef idx="minor">
+      <a:schemeClr val="tx1"/>
+    </cs:fontRef>
+  </cs:plotArea3D>
+  <cs:seriesAxis>
+    <cs:lnRef idx="0"/>
+    <cs:fillRef idx="0"/>
+    <cs:effectRef idx="0"/>
+    <cs:fontRef idx="minor">
+      <a:schemeClr val="tx1">
+        <a:lumMod val="65000"/>
+        <a:lumOff val="35000"/>
+      </a:schemeClr>
+    </cs:fontRef>
+    <cs:defRPr sz="1197" kern="1200"/>
+  </cs:seriesAxis>
+  <cs:seriesLine>
+    <cs:lnRef idx="0"/>
+    <cs:fillRef idx="0"/>
+    <cs:effectRef idx="0"/>
+    <cs:fontRef idx="minor">
+      <a:schemeClr val="tx1"/>
+    </cs:fontRef>
+    <cs:spPr>
+      <a:ln w="9525" cap="flat" cmpd="sng" algn="ctr">
+        <a:solidFill>
+          <a:schemeClr val="tx1">
+            <a:lumMod val="35000"/>
+            <a:lumOff val="65000"/>
+          </a:schemeClr>
+        </a:solidFill>
+        <a:round/>
+      </a:ln>
+    </cs:spPr>
+  </cs:seriesLine>
+  <cs:title>
+    <cs:lnRef idx="0"/>
+    <cs:fillRef idx="0"/>
+    <cs:effectRef idx="0"/>
+    <cs:fontRef idx="minor">
+      <a:schemeClr val="tx1">
+        <a:lumMod val="65000"/>
+        <a:lumOff val="35000"/>
+      </a:schemeClr>
+    </cs:fontRef>
+    <cs:defRPr sz="1862" b="0" kern="1200" spc="0" baseline="0"/>
+  </cs:title>
+  <cs:trendline>
+    <cs:lnRef idx="0">
+      <cs:styleClr val="auto"/>
+    </cs:lnRef>
+    <cs:fillRef idx="0"/>
+    <cs:effectRef idx="0"/>
+    <cs:fontRef idx="minor">
+      <a:schemeClr val="tx1"/>
+    </cs:fontRef>
+    <cs:spPr>
+      <a:ln w="19050" cap="rnd">
+        <a:solidFill>
+          <a:schemeClr val="phClr"/>
+        </a:solidFill>
+        <a:prstDash val="sysDot"/>
+      </a:ln>
+    </cs:spPr>
+  </cs:trendline>
+  <cs:trendlineLabel>
+    <cs:lnRef idx="0"/>
+    <cs:fillRef idx="0"/>
+    <cs:effectRef idx="0"/>
+    <cs:fontRef idx="minor">
+      <a:schemeClr val="tx1">
+        <a:lumMod val="65000"/>
+        <a:lumOff val="35000"/>
+      </a:schemeClr>
+    </cs:fontRef>
+    <cs:defRPr sz="1197" kern="1200"/>
+  </cs:trendlineLabel>
+  <cs:upBar>
+    <cs:lnRef idx="0"/>
+    <cs:fillRef idx="0"/>
+    <cs:effectRef idx="0"/>
+    <cs:fontRef idx="minor">
+      <a:schemeClr val="tx1"/>
+    </cs:fontRef>
+    <cs:spPr>
+      <a:solidFill>
+        <a:schemeClr val="lt1"/>
+      </a:solidFill>
+      <a:ln w="9525" cap="flat" cmpd="sng" algn="ctr">
+        <a:solidFill>
+          <a:schemeClr val="tx1">
+            <a:lumMod val="65000"/>
+            <a:lumOff val="35000"/>
+          </a:schemeClr>
+        </a:solidFill>
+        <a:round/>
+      </a:ln>
+    </cs:spPr>
+  </cs:upBar>
+  <cs:valueAxis>
+    <cs:lnRef idx="0"/>
+    <cs:fillRef idx="0"/>
+    <cs:effectRef idx="0"/>
+    <cs:fontRef idx="minor">
+      <a:schemeClr val="tx1">
+        <a:lumMod val="65000"/>
+        <a:lumOff val="35000"/>
+      </a:schemeClr>
+    </cs:fontRef>
+    <cs:defRPr sz="1197" kern="1200"/>
+  </cs:valueAxis>
+  <cs:wall>
+    <cs:lnRef idx="0"/>
+    <cs:fillRef idx="0"/>
+    <cs:effectRef idx="0"/>
+    <cs:fontRef idx="minor">
+      <a:schemeClr val="tx1"/>
+    </cs:fontRef>
+    <cs:spPr>
+      <a:noFill/>
+      <a:ln>
+        <a:noFill/>
+      </a:ln>
+    </cs:spPr>
+  </cs:wall>
+</cs:chartStyle>
+</file>
+
+<file path=ppt/charts/style3.xml><?xml version="1.0" encoding="utf-8"?>
+<cs:chartStyle xmlns:cs="http://schemas.microsoft.com/office/drawing/2012/chartStyle" xmlns:a="http://schemas.openxmlformats.org/drawingml/2006/main" id="286">
+  <cs:axisTitle>
+    <cs:lnRef idx="0"/>
+    <cs:fillRef idx="0"/>
+    <cs:effectRef idx="0"/>
+    <cs:fontRef idx="minor">
+      <a:schemeClr val="tx1">
+        <a:lumMod val="65000"/>
+        <a:lumOff val="35000"/>
+      </a:schemeClr>
+    </cs:fontRef>
+    <cs:defRPr sz="1330" kern="1200"/>
+  </cs:axisTitle>
+  <cs:categoryAxis>
+    <cs:lnRef idx="0"/>
+    <cs:fillRef idx="0"/>
+    <cs:effectRef idx="0"/>
+    <cs:fontRef idx="minor">
+      <a:schemeClr val="tx1">
+        <a:lumMod val="65000"/>
+        <a:lumOff val="35000"/>
+      </a:schemeClr>
+    </cs:fontRef>
+    <cs:defRPr sz="1197" kern="1200"/>
+  </cs:categoryAxis>
+  <cs:chartArea mods="allowNoFillOverride allowNoLineOverride">
+    <cs:lnRef idx="0"/>
+    <cs:fillRef idx="0"/>
+    <cs:effectRef idx="0"/>
+    <cs:fontRef idx="minor">
+      <a:schemeClr val="tx1"/>
+    </cs:fontRef>
+    <cs:spPr>
+      <a:solidFill>
+        <a:schemeClr val="bg1"/>
+      </a:solidFill>
+      <a:ln w="9525" cap="flat" cmpd="sng" algn="ctr">
+        <a:solidFill>
+          <a:schemeClr val="tx1">
+            <a:lumMod val="15000"/>
+            <a:lumOff val="85000"/>
+          </a:schemeClr>
+        </a:solidFill>
+        <a:round/>
+      </a:ln>
+    </cs:spPr>
+    <cs:defRPr sz="1330" kern="1200"/>
+  </cs:chartArea>
+  <cs:dataLabel>
+    <cs:lnRef idx="0"/>
+    <cs:fillRef idx="0"/>
+    <cs:effectRef idx="0"/>
+    <cs:fontRef idx="minor">
+      <a:schemeClr val="tx1">
+        <a:lumMod val="75000"/>
+        <a:lumOff val="25000"/>
+      </a:schemeClr>
+    </cs:fontRef>
+    <cs:defRPr sz="1197" kern="1200"/>
+  </cs:dataLabel>
+  <cs:dataLabelCallout>
+    <cs:lnRef idx="0"/>
+    <cs:fillRef idx="0"/>
+    <cs:effectRef idx="0"/>
+    <cs:fontRef idx="minor">
+      <a:schemeClr val="dk1">
+        <a:lumMod val="65000"/>
+        <a:lumOff val="35000"/>
+      </a:schemeClr>
+    </cs:fontRef>
+    <cs:spPr>
+      <a:solidFill>
+        <a:schemeClr val="lt1"/>
+      </a:solidFill>
+      <a:ln>
+        <a:solidFill>
+          <a:schemeClr val="dk1">
+            <a:lumMod val="25000"/>
+            <a:lumOff val="75000"/>
+          </a:schemeClr>
+        </a:solidFill>
+      </a:ln>
+    </cs:spPr>
+    <cs:defRPr sz="1197" kern="1200"/>
+    <cs:bodyPr rot="0" spcFirstLastPara="1" vertOverflow="clip" horzOverflow="clip" vert="horz" wrap="square" lIns="36576" tIns="18288" rIns="36576" bIns="18288" anchor="ctr" anchorCtr="1">
+      <a:spAutoFit/>
+    </cs:bodyPr>
+  </cs:dataLabelCallout>
+  <cs:dataPoint>
+    <cs:lnRef idx="0"/>
+    <cs:fillRef idx="1">
+      <cs:styleClr val="auto"/>
+    </cs:fillRef>
+    <cs:effectRef idx="0"/>
+    <cs:fontRef idx="minor">
+      <a:schemeClr val="tx1"/>
+    </cs:fontRef>
+  </cs:dataPoint>
+  <cs:dataPoint3D>
+    <cs:lnRef idx="0"/>
+    <cs:fillRef idx="1">
+      <cs:styleClr val="auto"/>
+    </cs:fillRef>
+    <cs:effectRef idx="0"/>
+    <cs:fontRef idx="minor">
+      <a:schemeClr val="tx1"/>
+    </cs:fontRef>
+  </cs:dataPoint3D>
+  <cs:dataPointLine>
+    <cs:lnRef idx="0">
+      <cs:styleClr val="auto"/>
+    </cs:lnRef>
+    <cs:fillRef idx="1"/>
+    <cs:effectRef idx="0"/>
+    <cs:fontRef idx="minor">
+      <a:schemeClr val="tx1"/>
+    </cs:fontRef>
+    <cs:spPr>
+      <a:ln w="28575" cap="rnd">
+        <a:solidFill>
+          <a:schemeClr val="phClr"/>
+        </a:solidFill>
+        <a:round/>
+      </a:ln>
+    </cs:spPr>
+  </cs:dataPointLine>
+  <cs:dataPointMarker>
+    <cs:lnRef idx="0">
+      <cs:styleClr val="auto"/>
+    </cs:lnRef>
+    <cs:fillRef idx="1">
+      <cs:styleClr val="auto"/>
+    </cs:fillRef>
+    <cs:effectRef idx="0"/>
+    <cs:fontRef idx="minor">
+      <a:schemeClr val="tx1"/>
+    </cs:fontRef>
+    <cs:spPr>
+      <a:ln w="9525">
+        <a:solidFill>
+          <a:schemeClr val="phClr"/>
+        </a:solidFill>
+      </a:ln>
+    </cs:spPr>
+  </cs:dataPointMarker>
+  <cs:dataPointMarkerLayout symbol="circle" size="5"/>
+  <cs:dataPointWireframe>
+    <cs:lnRef idx="0">
+      <cs:styleClr val="auto"/>
+    </cs:lnRef>
+    <cs:fillRef idx="1"/>
+    <cs:effectRef idx="0"/>
+    <cs:fontRef idx="minor">
+      <a:schemeClr val="tx1"/>
+    </cs:fontRef>
+    <cs:spPr>
+      <a:ln w="9525" cap="rnd">
+        <a:solidFill>
+          <a:schemeClr val="phClr"/>
+        </a:solidFill>
+        <a:round/>
+      </a:ln>
+    </cs:spPr>
+  </cs:dataPointWireframe>
+  <cs:dataTable>
+    <cs:lnRef idx="0"/>
+    <cs:fillRef idx="0"/>
+    <cs:effectRef idx="0"/>
+    <cs:fontRef idx="minor">
+      <a:schemeClr val="tx1">
+        <a:lumMod val="65000"/>
+        <a:lumOff val="35000"/>
+      </a:schemeClr>
+    </cs:fontRef>
+    <cs:spPr>
+      <a:noFill/>
+      <a:ln w="9525" cap="flat" cmpd="sng" algn="ctr">
+        <a:solidFill>
+          <a:schemeClr val="tx1">
+            <a:lumMod val="15000"/>
+            <a:lumOff val="85000"/>
+          </a:schemeClr>
+        </a:solidFill>
+        <a:round/>
+      </a:ln>
+    </cs:spPr>
+    <cs:defRPr sz="1197" kern="1200"/>
+  </cs:dataTable>
+  <cs:downBar>
+    <cs:lnRef idx="0"/>
+    <cs:fillRef idx="0"/>
+    <cs:effectRef idx="0"/>
+    <cs:fontRef idx="minor">
+      <a:schemeClr val="tx1"/>
+    </cs:fontRef>
+    <cs:spPr>
+      <a:solidFill>
+        <a:schemeClr val="dk1">
+          <a:lumMod val="75000"/>
+          <a:lumOff val="25000"/>
+        </a:schemeClr>
+      </a:solidFill>
+      <a:ln w="9525" cap="flat" cmpd="sng" algn="ctr">
+        <a:solidFill>
+          <a:schemeClr val="tx1">
+            <a:lumMod val="65000"/>
+            <a:lumOff val="35000"/>
+          </a:schemeClr>
+        </a:solidFill>
+        <a:round/>
+      </a:ln>
+    </cs:spPr>
+  </cs:downBar>
+  <cs:dropLine>
+    <cs:lnRef idx="0"/>
+    <cs:fillRef idx="0"/>
+    <cs:effectRef idx="0"/>
+    <cs:fontRef idx="minor">
+      <a:schemeClr val="tx1"/>
+    </cs:fontRef>
+    <cs:spPr>
+      <a:ln w="9525" cap="flat" cmpd="sng" algn="ctr">
+        <a:solidFill>
+          <a:schemeClr val="tx1">
+            <a:lumMod val="35000"/>
+            <a:lumOff val="65000"/>
+          </a:schemeClr>
+        </a:solidFill>
+        <a:round/>
+      </a:ln>
+    </cs:spPr>
+  </cs:dropLine>
+  <cs:errorBar>
+    <cs:lnRef idx="0"/>
+    <cs:fillRef idx="0"/>
+    <cs:effectRef idx="0"/>
+    <cs:fontRef idx="minor">
+      <a:schemeClr val="tx1"/>
+    </cs:fontRef>
+    <cs:spPr>
+      <a:ln w="9525" cap="flat" cmpd="sng" algn="ctr">
+        <a:solidFill>
+          <a:schemeClr val="tx1">
+            <a:lumMod val="65000"/>
+            <a:lumOff val="35000"/>
+          </a:schemeClr>
+        </a:solidFill>
+        <a:round/>
+      </a:ln>
+    </cs:spPr>
+  </cs:errorBar>
+  <cs:floor>
+    <cs:lnRef idx="0"/>
+    <cs:fillRef idx="0"/>
+    <cs:effectRef idx="0"/>
+    <cs:fontRef idx="minor">
+      <a:schemeClr val="tx1"/>
+    </cs:fontRef>
+    <cs:spPr>
+      <a:noFill/>
+      <a:ln>
+        <a:noFill/>
+      </a:ln>
+    </cs:spPr>
+  </cs:floor>
+  <cs:gridlineMajor>
+    <cs:lnRef idx="0"/>
+    <cs:fillRef idx="0"/>
+    <cs:effectRef idx="0"/>
+    <cs:fontRef idx="minor">
+      <a:schemeClr val="tx1"/>
+    </cs:fontRef>
+    <cs:spPr>
+      <a:ln w="9525" cap="flat" cmpd="sng" algn="ctr">
+        <a:solidFill>
+          <a:schemeClr val="tx1">
+            <a:lumMod val="15000"/>
+            <a:lumOff val="85000"/>
+          </a:schemeClr>
+        </a:solidFill>
+        <a:round/>
+      </a:ln>
+    </cs:spPr>
+  </cs:gridlineMajor>
+  <cs:gridlineMinor>
+    <cs:lnRef idx="0"/>
+    <cs:fillRef idx="0"/>
+    <cs:effectRef idx="0"/>
+    <cs:fontRef idx="minor">
+      <a:schemeClr val="tx1"/>
+    </cs:fontRef>
+    <cs:spPr>
+      <a:ln w="9525" cap="flat" cmpd="sng" algn="ctr">
+        <a:solidFill>
+          <a:schemeClr val="tx1">
+            <a:lumMod val="5000"/>
+            <a:lumOff val="95000"/>
+          </a:schemeClr>
+        </a:solidFill>
+        <a:round/>
+      </a:ln>
+    </cs:spPr>
+  </cs:gridlineMinor>
+  <cs:hiLoLine>
+    <cs:lnRef idx="0"/>
+    <cs:fillRef idx="0"/>
+    <cs:effectRef idx="0"/>
+    <cs:fontRef idx="minor">
+      <a:schemeClr val="tx1"/>
+    </cs:fontRef>
+    <cs:spPr>
+      <a:ln w="9525" cap="flat" cmpd="sng" algn="ctr">
+        <a:solidFill>
+          <a:schemeClr val="tx1">
+            <a:lumMod val="50000"/>
+            <a:lumOff val="50000"/>
+          </a:schemeClr>
+        </a:solidFill>
+        <a:round/>
+      </a:ln>
+    </cs:spPr>
+  </cs:hiLoLine>
+  <cs:leaderLine>
+    <cs:lnRef idx="0"/>
+    <cs:fillRef idx="0"/>
+    <cs:effectRef idx="0"/>
+    <cs:fontRef idx="minor">
+      <a:schemeClr val="tx1"/>
+    </cs:fontRef>
+    <cs:spPr>
+      <a:ln w="9525" cap="flat" cmpd="sng" algn="ctr">
+        <a:solidFill>
+          <a:schemeClr val="tx1">
+            <a:lumMod val="35000"/>
+            <a:lumOff val="65000"/>
+          </a:schemeClr>
+        </a:solidFill>
+        <a:round/>
+      </a:ln>
+    </cs:spPr>
+  </cs:leaderLine>
+  <cs:legend>
+    <cs:lnRef idx="0"/>
+    <cs:fillRef idx="0"/>
+    <cs:effectRef idx="0"/>
+    <cs:fontRef idx="minor">
+      <a:schemeClr val="tx1">
+        <a:lumMod val="65000"/>
+        <a:lumOff val="35000"/>
+      </a:schemeClr>
+    </cs:fontRef>
+    <cs:defRPr sz="1197" kern="1200"/>
+  </cs:legend>
+  <cs:plotArea mods="allowNoFillOverride allowNoLineOverride">
+    <cs:lnRef idx="0"/>
+    <cs:fillRef idx="0"/>
+    <cs:effectRef idx="0"/>
+    <cs:fontRef idx="minor">
+      <a:schemeClr val="tx1"/>
+    </cs:fontRef>
+  </cs:plotArea>
+  <cs:plotArea3D mods="allowNoFillOverride allowNoLineOverride">
+    <cs:lnRef idx="0"/>
+    <cs:fillRef idx="0"/>
+    <cs:effectRef idx="0"/>
+    <cs:fontRef idx="minor">
+      <a:schemeClr val="tx1"/>
+    </cs:fontRef>
+  </cs:plotArea3D>
+  <cs:seriesAxis>
+    <cs:lnRef idx="0"/>
+    <cs:fillRef idx="0"/>
+    <cs:effectRef idx="0"/>
+    <cs:fontRef idx="minor">
+      <a:schemeClr val="tx1">
+        <a:lumMod val="65000"/>
+        <a:lumOff val="35000"/>
+      </a:schemeClr>
+    </cs:fontRef>
+    <cs:defRPr sz="1197" kern="1200"/>
+  </cs:seriesAxis>
+  <cs:seriesLine>
+    <cs:lnRef idx="0"/>
+    <cs:fillRef idx="0"/>
+    <cs:effectRef idx="0"/>
+    <cs:fontRef idx="minor">
+      <a:schemeClr val="tx1"/>
+    </cs:fontRef>
+    <cs:spPr>
+      <a:ln w="9525" cap="flat" cmpd="sng" algn="ctr">
+        <a:solidFill>
+          <a:schemeClr val="tx1">
+            <a:lumMod val="35000"/>
+            <a:lumOff val="65000"/>
+          </a:schemeClr>
+        </a:solidFill>
+        <a:round/>
+      </a:ln>
+    </cs:spPr>
+  </cs:seriesLine>
+  <cs:title>
+    <cs:lnRef idx="0"/>
+    <cs:fillRef idx="0"/>
+    <cs:effectRef idx="0"/>
+    <cs:fontRef idx="minor">
+      <a:schemeClr val="tx1">
+        <a:lumMod val="65000"/>
+        <a:lumOff val="35000"/>
+      </a:schemeClr>
+    </cs:fontRef>
+    <cs:defRPr sz="1862" b="0" kern="1200" spc="0" baseline="0"/>
+  </cs:title>
+  <cs:trendline>
+    <cs:lnRef idx="0">
+      <cs:styleClr val="auto"/>
+    </cs:lnRef>
+    <cs:fillRef idx="0"/>
+    <cs:effectRef idx="0"/>
+    <cs:fontRef idx="minor">
+      <a:schemeClr val="tx1"/>
+    </cs:fontRef>
+    <cs:spPr>
+      <a:ln w="19050" cap="rnd">
+        <a:solidFill>
+          <a:schemeClr val="phClr"/>
+        </a:solidFill>
+        <a:prstDash val="sysDot"/>
+      </a:ln>
+    </cs:spPr>
+  </cs:trendline>
+  <cs:trendlineLabel>
+    <cs:lnRef idx="0"/>
+    <cs:fillRef idx="0"/>
+    <cs:effectRef idx="0"/>
+    <cs:fontRef idx="minor">
+      <a:schemeClr val="tx1">
+        <a:lumMod val="65000"/>
+        <a:lumOff val="35000"/>
+      </a:schemeClr>
+    </cs:fontRef>
+    <cs:defRPr sz="1197" kern="1200"/>
+  </cs:trendlineLabel>
+  <cs:upBar>
+    <cs:lnRef idx="0"/>
+    <cs:fillRef idx="0"/>
+    <cs:effectRef idx="0"/>
+    <cs:fontRef idx="minor">
+      <a:schemeClr val="tx1"/>
+    </cs:fontRef>
+    <cs:spPr>
+      <a:solidFill>
+        <a:schemeClr val="lt1"/>
+      </a:solidFill>
+      <a:ln w="9525" cap="flat" cmpd="sng" algn="ctr">
+        <a:solidFill>
+          <a:schemeClr val="tx1">
+            <a:lumMod val="65000"/>
+            <a:lumOff val="35000"/>
+          </a:schemeClr>
+        </a:solidFill>
+        <a:round/>
+      </a:ln>
+    </cs:spPr>
+  </cs:upBar>
+  <cs:valueAxis>
+    <cs:lnRef idx="0"/>
+    <cs:fillRef idx="0"/>
+    <cs:effectRef idx="0"/>
+    <cs:fontRef idx="minor">
+      <a:schemeClr val="tx1">
+        <a:lumMod val="65000"/>
+        <a:lumOff val="35000"/>
+      </a:schemeClr>
+    </cs:fontRef>
+    <cs:defRPr sz="1197" kern="1200"/>
+  </cs:valueAxis>
+  <cs:wall>
+    <cs:lnRef idx="0"/>
+    <cs:fillRef idx="0"/>
+    <cs:effectRef idx="0"/>
+    <cs:fontRef idx="minor">
+      <a:schemeClr val="tx1"/>
+    </cs:fontRef>
+    <cs:spPr>
+      <a:noFill/>
+      <a:ln>
+        <a:noFill/>
+      </a:ln>
+    </cs:spPr>
+  </cs:wall>
+</cs:chartStyle>
+</file>
+
 <file path=ppt/handoutMasters/handoutMaster1.xml><?xml version="1.0" encoding="utf-8"?>
 <p:handoutMaster xmlns:a="http://schemas.openxmlformats.org/drawingml/2006/main" xmlns:r="http://schemas.openxmlformats.org/officeDocument/2006/relationships" xmlns:p="http://schemas.openxmlformats.org/presentationml/2006/main">
   <p:cSld>
@@ -770,6 +6009,100 @@
             <a:spLocks noGrp="1" noRot="1" noChangeAspect="1"/>
           </p:cNvSpPr>
           <p:nvPr>
+            <p:ph type="sldImg"/>
+          </p:nvPr>
+        </p:nvSpPr>
+        <p:spPr/>
+      </p:sp>
+      <p:sp>
+        <p:nvSpPr>
+          <p:cNvPr id="3" name="备注占位符 2"/>
+          <p:cNvSpPr>
+            <a:spLocks noGrp="1"/>
+          </p:cNvSpPr>
+          <p:nvPr>
+            <p:ph type="body" idx="1"/>
+          </p:nvPr>
+        </p:nvSpPr>
+        <p:spPr/>
+        <p:txBody>
+          <a:bodyPr/>
+          <a:lstStyle/>
+          <a:p>
+            <a:pPr marL="285750" indent="-285750">
+              <a:buFont typeface="Wingdings" panose="05000000000000000000" charset="0"/>
+              <a:buChar char=""/>
+            </a:pPr>
+            <a:r>
+              <a:rPr lang="zh-CN" altLang="en-US" dirty="0" smtClean="0"/>
+              <a:t>核心代码内联汇编实现，所有变量只在内存里加载一次</a:t>
+            </a:r>
+          </a:p>
+          <a:p>
+            <a:endParaRPr lang="zh-CN" altLang="en-US" dirty="0"/>
+          </a:p>
+        </p:txBody>
+      </p:sp>
+      <p:sp>
+        <p:nvSpPr>
+          <p:cNvPr id="4" name="灯片编号占位符 3"/>
+          <p:cNvSpPr>
+            <a:spLocks noGrp="1"/>
+          </p:cNvSpPr>
+          <p:nvPr>
+            <p:ph type="sldNum" sz="quarter" idx="10"/>
+          </p:nvPr>
+        </p:nvSpPr>
+        <p:spPr/>
+        <p:txBody>
+          <a:bodyPr/>
+          <a:lstStyle/>
+          <a:p>
+            <a:fld id="{34D3D779-E82F-4054-81A8-052CD8670119}" type="slidenum">
+              <a:rPr lang="en-US" smtClean="0"/>
+              <a:t>16</a:t>
+            </a:fld>
+            <a:endParaRPr lang="en-US"/>
+          </a:p>
+        </p:txBody>
+      </p:sp>
+    </p:spTree>
+    <p:extLst>
+      <p:ext uri="{BB962C8B-B14F-4D97-AF65-F5344CB8AC3E}">
+        <p14:creationId xmlns:p14="http://schemas.microsoft.com/office/powerpoint/2010/main" val="658412531"/>
+      </p:ext>
+    </p:extLst>
+  </p:cSld>
+  <p:clrMapOvr>
+    <a:masterClrMapping/>
+  </p:clrMapOvr>
+</p:notes>
+</file>
+
+<file path=ppt/notesSlides/notesSlide11.xml><?xml version="1.0" encoding="utf-8"?>
+<p:notes xmlns:a="http://schemas.openxmlformats.org/drawingml/2006/main" xmlns:r="http://schemas.openxmlformats.org/officeDocument/2006/relationships" xmlns:p="http://schemas.openxmlformats.org/presentationml/2006/main">
+  <p:cSld>
+    <p:spTree>
+      <p:nvGrpSpPr>
+        <p:cNvPr id="1" name=""/>
+        <p:cNvGrpSpPr/>
+        <p:nvPr/>
+      </p:nvGrpSpPr>
+      <p:grpSpPr>
+        <a:xfrm>
+          <a:off x="0" y="0"/>
+          <a:ext cx="0" cy="0"/>
+          <a:chOff x="0" y="0"/>
+          <a:chExt cx="0" cy="0"/>
+        </a:xfrm>
+      </p:grpSpPr>
+      <p:sp>
+        <p:nvSpPr>
+          <p:cNvPr id="2" name="幻灯片图像占位符 1"/>
+          <p:cNvSpPr>
+            <a:spLocks noGrp="1" noRot="1" noChangeAspect="1"/>
+          </p:cNvSpPr>
+          <p:nvPr>
             <p:ph type="sldImg" idx="2"/>
           </p:nvPr>
         </p:nvSpPr>
@@ -861,7 +6194,7 @@
 </p:notes>
 </file>
 
-<file path=ppt/notesSlides/notesSlide11.xml><?xml version="1.0" encoding="utf-8"?>
+<file path=ppt/notesSlides/notesSlide12.xml><?xml version="1.0" encoding="utf-8"?>
 <p:notes xmlns:a="http://schemas.openxmlformats.org/drawingml/2006/main" xmlns:r="http://schemas.openxmlformats.org/officeDocument/2006/relationships" xmlns:p="http://schemas.openxmlformats.org/presentationml/2006/main">
   <p:cSld>
     <p:spTree>
@@ -11932,7 +17265,7 @@
         <p:spPr>
           <a:xfrm>
             <a:off x="879792" y="4034155"/>
-            <a:ext cx="7722235" cy="2116028"/>
+            <a:ext cx="7722235" cy="2169825"/>
           </a:xfrm>
           <a:prstGeom prst="rect">
             <a:avLst/>
@@ -12011,7 +17344,11 @@
             </a:r>
             <a:r>
               <a:rPr lang="en-US" altLang="zh-CN" dirty="0"/>
-              <a:t>Music task</a:t>
+              <a:t>Music </a:t>
+            </a:r>
+            <a:r>
+              <a:rPr lang="en-US" altLang="zh-CN" dirty="0" smtClean="0"/>
+              <a:t>Task</a:t>
             </a:r>
             <a:r>
               <a:rPr lang="zh-CN" altLang="en-US" dirty="0"/>
@@ -12054,8 +17391,8 @@
               <a:t>Net </a:t>
             </a:r>
             <a:r>
-              <a:rPr lang="en-US" altLang="zh-CN" dirty="0"/>
-              <a:t>task</a:t>
+              <a:rPr lang="en-US" altLang="zh-CN" dirty="0" smtClean="0"/>
+              <a:t>Task</a:t>
             </a:r>
             <a:r>
               <a:rPr lang="zh-CN" altLang="en-US" dirty="0"/>
@@ -12103,7 +17440,13 @@
               <a:rPr lang="en-US" altLang="zh-CN" dirty="0">
                 <a:sym typeface="+mn-ea"/>
               </a:rPr>
-              <a:t>Music task</a:t>
+              <a:t>Music </a:t>
+            </a:r>
+            <a:r>
+              <a:rPr lang="en-US" altLang="zh-CN" dirty="0" smtClean="0">
+                <a:sym typeface="+mn-ea"/>
+              </a:rPr>
+              <a:t>Task</a:t>
             </a:r>
             <a:r>
               <a:rPr lang="zh-CN" altLang="en-US" dirty="0" smtClean="0">
@@ -17116,8 +22459,8 @@
         </p:nvSpPr>
         <p:spPr>
           <a:xfrm>
-            <a:off x="61596" y="5927091"/>
-            <a:ext cx="5878512" cy="369332"/>
+            <a:off x="89709" y="5474385"/>
+            <a:ext cx="5878512" cy="923330"/>
           </a:xfrm>
           <a:prstGeom prst="rect">
             <a:avLst/>
@@ -17136,20 +22479,51 @@
             </a:r>
             <a:r>
               <a:rPr lang="zh-CN" altLang="en-US" dirty="0" smtClean="0"/>
-              <a:t>：解码</a:t>
-            </a:r>
+              <a:t>：</a:t>
+            </a:r>
+            <a:endParaRPr lang="en-US" altLang="zh-CN" dirty="0" smtClean="0"/>
+          </a:p>
+          <a:p>
+            <a:pPr marL="285750" indent="-285750">
+              <a:buFont typeface="Arial" panose="020B0604020202020204" pitchFamily="34" charset="0"/>
+              <a:buChar char="•"/>
+            </a:pPr>
             <a:r>
               <a:rPr lang="zh-CN" altLang="en-US" dirty="0"/>
-              <a:t>用时</a:t>
-            </a:r>
-            <a:r>
-              <a:rPr lang="en-US" altLang="zh-CN" dirty="0"/>
+              <a:t>单任务状态运行时解码一帧所需</a:t>
+            </a:r>
+            <a:r>
+              <a:rPr lang="zh-CN" altLang="en-US" dirty="0" smtClean="0"/>
+              <a:t>时间约</a:t>
+            </a:r>
+            <a:r>
+              <a:rPr lang="en-US" altLang="zh-CN" dirty="0" smtClean="0"/>
               <a:t>32ms</a:t>
             </a:r>
             <a:r>
+              <a:rPr lang="zh-CN" altLang="en-US" dirty="0" smtClean="0"/>
+              <a:t>。</a:t>
+            </a:r>
+            <a:endParaRPr lang="en-US" altLang="zh-CN" dirty="0" smtClean="0"/>
+          </a:p>
+          <a:p>
+            <a:pPr marL="285750" indent="-285750">
+              <a:buFont typeface="Arial" panose="020B0604020202020204" pitchFamily="34" charset="0"/>
+              <a:buChar char="•"/>
+            </a:pPr>
+            <a:r>
+              <a:rPr lang="zh-CN" altLang="en-US" dirty="0" smtClean="0"/>
+              <a:t>多任务</a:t>
+            </a:r>
+            <a:r>
               <a:rPr lang="zh-CN" altLang="en-US" dirty="0"/>
-              <a:t>，多任务状态无法调度</a:t>
-            </a:r>
+              <a:t>状态无法</a:t>
+            </a:r>
+            <a:r>
+              <a:rPr lang="zh-CN" altLang="en-US" dirty="0" smtClean="0"/>
+              <a:t>调度。</a:t>
+            </a:r>
+            <a:endParaRPr lang="zh-CN" altLang="en-US" dirty="0"/>
           </a:p>
         </p:txBody>
       </p:sp>
@@ -18607,7 +23981,7 @@
         <p:spPr>
           <a:xfrm>
             <a:off x="152400" y="762000"/>
-            <a:ext cx="8661399" cy="3447622"/>
+            <a:ext cx="8661399" cy="3193864"/>
           </a:xfrm>
           <a:prstGeom prst="roundRect">
             <a:avLst/>
@@ -19391,7 +24765,7 @@
         </p:nvSpPr>
         <p:spPr>
           <a:xfrm>
-            <a:off x="838200" y="4418957"/>
+            <a:off x="838200" y="4146525"/>
             <a:ext cx="1466850" cy="575310"/>
           </a:xfrm>
           <a:prstGeom prst="roundRect">
@@ -19469,7 +24843,7 @@
         </p:nvSpPr>
         <p:spPr>
           <a:xfrm>
-            <a:off x="2476617" y="4555482"/>
+            <a:off x="2476617" y="4283050"/>
             <a:ext cx="791494" cy="257429"/>
           </a:xfrm>
           <a:prstGeom prst="rightArrow">
@@ -19523,7 +24897,7 @@
         </p:nvSpPr>
         <p:spPr>
           <a:xfrm>
-            <a:off x="3505401" y="4395944"/>
+            <a:off x="3505401" y="4123512"/>
             <a:ext cx="1745615" cy="575310"/>
           </a:xfrm>
           <a:prstGeom prst="roundRect">
@@ -19601,7 +24975,7 @@
         </p:nvSpPr>
         <p:spPr>
           <a:xfrm>
-            <a:off x="5413776" y="4532469"/>
+            <a:off x="5413776" y="4260037"/>
             <a:ext cx="926063" cy="280442"/>
           </a:xfrm>
           <a:prstGeom prst="rightArrow">
@@ -19655,7 +25029,7 @@
         </p:nvSpPr>
         <p:spPr>
           <a:xfrm>
-            <a:off x="6641781" y="4395944"/>
+            <a:off x="6641781" y="4123512"/>
             <a:ext cx="1679575" cy="575310"/>
           </a:xfrm>
           <a:prstGeom prst="roundRect">
@@ -19791,8 +25165,8 @@
         </p:nvSpPr>
         <p:spPr>
           <a:xfrm rot="5400000">
-            <a:off x="510218" y="2409255"/>
-            <a:ext cx="1658621" cy="291459"/>
+            <a:off x="545336" y="2374137"/>
+            <a:ext cx="1550926" cy="254001"/>
           </a:xfrm>
           <a:prstGeom prst="rightArrow">
             <a:avLst/>
@@ -19845,7 +25219,7 @@
         </p:nvSpPr>
         <p:spPr>
           <a:xfrm>
-            <a:off x="546961" y="3578605"/>
+            <a:off x="548237" y="3361417"/>
             <a:ext cx="1590675" cy="361811"/>
           </a:xfrm>
           <a:prstGeom prst="rect">
@@ -19882,7 +25256,7 @@
           <a:p>
             <a:pPr algn="ctr"/>
             <a:r>
-              <a:rPr lang="zh-CN" altLang="en-US" sz="1600"/>
+              <a:rPr lang="zh-CN" altLang="en-US" sz="1600" dirty="0"/>
               <a:t>最后结果</a:t>
             </a:r>
           </a:p>
@@ -19896,8 +25270,8 @@
         </p:nvSpPr>
         <p:spPr>
           <a:xfrm>
-            <a:off x="95885" y="5842095"/>
-            <a:ext cx="7616190" cy="369332"/>
+            <a:off x="-14463" y="5181600"/>
+            <a:ext cx="4497562" cy="1200329"/>
           </a:xfrm>
           <a:prstGeom prst="rect">
             <a:avLst/>
@@ -19912,15 +25286,53 @@
           <a:p>
             <a:r>
               <a:rPr lang="zh-CN" altLang="en-US" dirty="0" smtClean="0"/>
-              <a:t>结果：单</a:t>
+              <a:t>结果</a:t>
+            </a:r>
+            <a:r>
+              <a:rPr lang="zh-CN" altLang="en-US" dirty="0" smtClean="0"/>
+              <a:t>：</a:t>
+            </a:r>
+            <a:endParaRPr lang="en-US" altLang="zh-CN" dirty="0" smtClean="0"/>
+          </a:p>
+          <a:p>
+            <a:pPr marL="285750" indent="-285750">
+              <a:buFont typeface="Arial" panose="020B0604020202020204" pitchFamily="34" charset="0"/>
+              <a:buChar char="•"/>
+            </a:pPr>
+            <a:r>
+              <a:rPr lang="zh-CN" altLang="en-US" dirty="0" smtClean="0"/>
+              <a:t>单任务状态运行</a:t>
             </a:r>
             <a:r>
               <a:rPr lang="zh-CN" altLang="en-US" dirty="0"/>
-              <a:t>任务运行时解码一帧所需时间从约32ms，降低到约19</a:t>
+              <a:t>时解码一帧所需</a:t>
+            </a:r>
+            <a:r>
+              <a:rPr lang="zh-CN" altLang="en-US" dirty="0" smtClean="0"/>
+              <a:t>时间从</a:t>
+            </a:r>
+            <a:r>
+              <a:rPr lang="zh-CN" altLang="en-US" dirty="0"/>
+              <a:t>约32ms，降低到约19</a:t>
             </a:r>
             <a:r>
               <a:rPr lang="zh-CN" altLang="en-US" dirty="0" smtClean="0"/>
               <a:t>ms</a:t>
+            </a:r>
+            <a:r>
+              <a:rPr lang="zh-CN" altLang="en-US" dirty="0" smtClean="0"/>
+              <a:t>。</a:t>
+            </a:r>
+            <a:endParaRPr lang="en-US" altLang="zh-CN" dirty="0" smtClean="0"/>
+          </a:p>
+          <a:p>
+            <a:pPr marL="285750" indent="-285750">
+              <a:buFont typeface="Arial" panose="020B0604020202020204" pitchFamily="34" charset="0"/>
+              <a:buChar char="•"/>
+            </a:pPr>
+            <a:r>
+              <a:rPr lang="zh-CN" altLang="en-US" dirty="0" smtClean="0"/>
+              <a:t>多任务状态仍然无法调度。</a:t>
             </a:r>
             <a:endParaRPr lang="zh-CN" altLang="en-US" dirty="0"/>
           </a:p>
@@ -20395,7 +25807,7 @@
         </p:nvSpPr>
         <p:spPr>
           <a:xfrm>
-            <a:off x="5929243" y="3806622"/>
+            <a:off x="6169852" y="3427956"/>
             <a:ext cx="2732156" cy="369332"/>
           </a:xfrm>
           <a:prstGeom prst="rect">
@@ -20440,16 +25852,31 @@
               </a:rPr>
               <a:t>乘加</a:t>
             </a:r>
-            <a:endParaRPr lang="zh-CN" altLang="en-US" dirty="0">
-              <a:solidFill>
-                <a:schemeClr val="accent1">
-                  <a:lumMod val="75000"/>
-                </a:schemeClr>
-              </a:solidFill>
-            </a:endParaRPr>
-          </a:p>
-        </p:txBody>
-      </p:sp>
+          </a:p>
+        </p:txBody>
+      </p:sp>
+      <p:graphicFrame>
+        <p:nvGraphicFramePr>
+          <p:cNvPr id="52" name="图表 51"/>
+          <p:cNvGraphicFramePr/>
+          <p:nvPr>
+            <p:extLst>
+              <p:ext uri="{D42A27DB-BD31-4B8C-83A1-F6EECF244321}">
+                <p14:modId xmlns:p14="http://schemas.microsoft.com/office/powerpoint/2010/main" val="2724071632"/>
+              </p:ext>
+            </p:extLst>
+          </p:nvPr>
+        </p:nvGraphicFramePr>
+        <p:xfrm>
+          <a:off x="4592568" y="4540479"/>
+          <a:ext cx="3560831" cy="2357666"/>
+        </p:xfrm>
+        <a:graphic>
+          <a:graphicData uri="http://schemas.openxmlformats.org/drawingml/2006/chart">
+            <c:chart xmlns:c="http://schemas.openxmlformats.org/drawingml/2006/chart" xmlns:r="http://schemas.openxmlformats.org/officeDocument/2006/relationships" r:id="rId3"/>
+          </a:graphicData>
+        </a:graphic>
+      </p:graphicFrame>
     </p:spTree>
   </p:cSld>
   <p:clrMapOvr>
@@ -21347,7 +26774,7 @@
         <p:spPr>
           <a:xfrm>
             <a:off x="381000" y="877570"/>
-            <a:ext cx="3733800" cy="4380230"/>
+            <a:ext cx="3733800" cy="3610277"/>
           </a:xfrm>
           <a:prstGeom prst="roundRect">
             <a:avLst/>
@@ -21491,7 +26918,7 @@
         <p:spPr>
           <a:xfrm>
             <a:off x="776605" y="1154430"/>
-            <a:ext cx="506730" cy="457200"/>
+            <a:ext cx="407929" cy="364173"/>
           </a:xfrm>
           <a:prstGeom prst="rect">
             <a:avLst/>
@@ -21547,8 +26974,8 @@
         </p:nvSpPr>
         <p:spPr>
           <a:xfrm>
-            <a:off x="776605" y="1611630"/>
-            <a:ext cx="506730" cy="457200"/>
+            <a:off x="776605" y="1539211"/>
+            <a:ext cx="406659" cy="367720"/>
           </a:xfrm>
           <a:prstGeom prst="rect">
             <a:avLst/>
@@ -21604,8 +27031,8 @@
         </p:nvSpPr>
         <p:spPr>
           <a:xfrm>
-            <a:off x="776605" y="2068830"/>
-            <a:ext cx="506730" cy="457200"/>
+            <a:off x="776605" y="1933257"/>
+            <a:ext cx="427990" cy="377419"/>
           </a:xfrm>
           <a:prstGeom prst="rect">
             <a:avLst/>
@@ -21661,8 +27088,8 @@
         </p:nvSpPr>
         <p:spPr>
           <a:xfrm>
-            <a:off x="776605" y="2526030"/>
-            <a:ext cx="506730" cy="457200"/>
+            <a:off x="776605" y="2297430"/>
+            <a:ext cx="427990" cy="388328"/>
           </a:xfrm>
           <a:prstGeom prst="rect">
             <a:avLst/>
@@ -21718,8 +27145,8 @@
         </p:nvSpPr>
         <p:spPr>
           <a:xfrm>
-            <a:off x="776605" y="2983230"/>
-            <a:ext cx="506730" cy="457200"/>
+            <a:off x="776605" y="2692162"/>
+            <a:ext cx="427990" cy="341868"/>
           </a:xfrm>
           <a:prstGeom prst="rect">
             <a:avLst/>
@@ -21778,8 +27205,8 @@
         </p:nvSpPr>
         <p:spPr>
           <a:xfrm>
-            <a:off x="776605" y="3440430"/>
-            <a:ext cx="506730" cy="457200"/>
+            <a:off x="776605" y="3046382"/>
+            <a:ext cx="427990" cy="369918"/>
           </a:xfrm>
           <a:prstGeom prst="rect">
             <a:avLst/>
@@ -21818,7 +27245,7 @@
           <a:p>
             <a:pPr algn="ctr"/>
             <a:r>
-              <a:rPr lang="en-US" altLang="zh-CN">
+              <a:rPr lang="en-US" altLang="zh-CN" dirty="0">
                 <a:solidFill>
                   <a:schemeClr val="accent1">
                     <a:lumMod val="75000"/>
@@ -21838,8 +27265,8 @@
         </p:nvSpPr>
         <p:spPr>
           <a:xfrm>
-            <a:off x="776605" y="3897630"/>
-            <a:ext cx="506730" cy="457200"/>
+            <a:off x="776605" y="3410585"/>
+            <a:ext cx="427990" cy="380578"/>
           </a:xfrm>
           <a:prstGeom prst="rect">
             <a:avLst/>
@@ -21878,7 +27305,7 @@
           <a:p>
             <a:pPr algn="ctr"/>
             <a:r>
-              <a:rPr lang="en-US" altLang="zh-CN" sz="1600" dirty="0" smtClean="0">
+              <a:rPr lang="en-US" altLang="zh-CN" sz="1200" dirty="0" smtClean="0">
                 <a:solidFill>
                   <a:schemeClr val="accent1">
                     <a:lumMod val="75000"/>
@@ -21887,7 +27314,7 @@
               </a:rPr>
               <a:t>r24</a:t>
             </a:r>
-            <a:endParaRPr lang="en-US" altLang="zh-CN" sz="1600" dirty="0">
+            <a:endParaRPr lang="en-US" altLang="zh-CN" sz="1200" dirty="0">
               <a:solidFill>
                 <a:schemeClr val="accent1">
                   <a:lumMod val="75000"/>
@@ -21905,8 +27332,8 @@
         </p:nvSpPr>
         <p:spPr>
           <a:xfrm>
-            <a:off x="776605" y="4354830"/>
-            <a:ext cx="506730" cy="457200"/>
+            <a:off x="776605" y="3781002"/>
+            <a:ext cx="427990" cy="374364"/>
           </a:xfrm>
           <a:prstGeom prst="rect">
             <a:avLst/>
@@ -21945,7 +27372,7 @@
           <a:p>
             <a:pPr algn="ctr"/>
             <a:r>
-              <a:rPr lang="en-US" altLang="zh-CN" sz="1600" dirty="0" smtClean="0">
+              <a:rPr lang="en-US" altLang="zh-CN" sz="1200" dirty="0" smtClean="0">
                 <a:solidFill>
                   <a:schemeClr val="accent1">
                     <a:lumMod val="75000"/>
@@ -21954,7 +27381,7 @@
               </a:rPr>
               <a:t>r25</a:t>
             </a:r>
-            <a:endParaRPr lang="en-US" altLang="zh-CN" sz="1600" dirty="0">
+            <a:endParaRPr lang="en-US" altLang="zh-CN" sz="1200" dirty="0">
               <a:solidFill>
                 <a:schemeClr val="accent1">
                   <a:lumMod val="75000"/>
@@ -22006,7 +27433,7 @@
         <p:spPr>
           <a:xfrm>
             <a:off x="2747645" y="1154430"/>
-            <a:ext cx="1089660" cy="3750310"/>
+            <a:ext cx="1089660" cy="3004155"/>
           </a:xfrm>
           <a:prstGeom prst="rect">
             <a:avLst/>
@@ -22150,53 +27577,6 @@
       </p:sp>
       <p:sp>
         <p:nvSpPr>
-          <p:cNvPr id="21" name="文本框 20"/>
-          <p:cNvSpPr txBox="1"/>
-          <p:nvPr/>
-        </p:nvSpPr>
-        <p:spPr>
-          <a:xfrm>
-            <a:off x="537210" y="5501005"/>
-            <a:ext cx="3300095" cy="645160"/>
-          </a:xfrm>
-          <a:prstGeom prst="rect">
-            <a:avLst/>
-          </a:prstGeom>
-          <a:noFill/>
-        </p:spPr>
-        <p:txBody>
-          <a:bodyPr wrap="square" rtlCol="0">
-            <a:spAutoFit/>
-          </a:bodyPr>
-          <a:lstStyle/>
-          <a:p>
-            <a:pPr marL="285750" indent="-285750">
-              <a:buFont typeface="Arial" panose="020B0604020202020204" pitchFamily="34" charset="0"/>
-              <a:buChar char="•"/>
-            </a:pPr>
-            <a:r>
-              <a:rPr lang="zh-CN" altLang="en-US"/>
-              <a:t>单任务状态解码用时</a:t>
-            </a:r>
-            <a:r>
-              <a:rPr lang="en-US" altLang="zh-CN"/>
-              <a:t>19ms</a:t>
-            </a:r>
-          </a:p>
-          <a:p>
-            <a:pPr marL="285750" indent="-285750">
-              <a:buFont typeface="Arial" panose="020B0604020202020204" pitchFamily="34" charset="0"/>
-              <a:buChar char="•"/>
-            </a:pPr>
-            <a:r>
-              <a:rPr lang="zh-CN" altLang="en-US"/>
-              <a:t>多任务状态无法调度</a:t>
-            </a:r>
-          </a:p>
-        </p:txBody>
-      </p:sp>
-      <p:sp>
-        <p:nvSpPr>
           <p:cNvPr id="22" name="矩形 21"/>
           <p:cNvSpPr/>
           <p:nvPr/>
@@ -22204,7 +27584,7 @@
         <p:spPr>
           <a:xfrm>
             <a:off x="5367020" y="1155393"/>
-            <a:ext cx="506730" cy="457200"/>
+            <a:ext cx="403860" cy="391468"/>
           </a:xfrm>
           <a:prstGeom prst="rect">
             <a:avLst/>
@@ -22260,8 +27640,8 @@
         </p:nvSpPr>
         <p:spPr>
           <a:xfrm>
-            <a:off x="5367020" y="1612593"/>
-            <a:ext cx="506730" cy="457200"/>
+            <a:off x="5367020" y="1574078"/>
+            <a:ext cx="402590" cy="332853"/>
           </a:xfrm>
           <a:prstGeom prst="rect">
             <a:avLst/>
@@ -22317,8 +27697,8 @@
         </p:nvSpPr>
         <p:spPr>
           <a:xfrm>
-            <a:off x="5367020" y="2069793"/>
-            <a:ext cx="506730" cy="457200"/>
+            <a:off x="5367020" y="1927543"/>
+            <a:ext cx="402590" cy="354251"/>
           </a:xfrm>
           <a:prstGeom prst="rect">
             <a:avLst/>
@@ -22374,8 +27754,8 @@
         </p:nvSpPr>
         <p:spPr>
           <a:xfrm>
-            <a:off x="5367020" y="2526993"/>
-            <a:ext cx="506730" cy="457200"/>
+            <a:off x="5367020" y="2306744"/>
+            <a:ext cx="402590" cy="342472"/>
           </a:xfrm>
           <a:prstGeom prst="rect">
             <a:avLst/>
@@ -22431,8 +27811,8 @@
         </p:nvSpPr>
         <p:spPr>
           <a:xfrm>
-            <a:off x="5367020" y="2984193"/>
-            <a:ext cx="506730" cy="457200"/>
+            <a:off x="5367020" y="2653824"/>
+            <a:ext cx="402590" cy="355462"/>
           </a:xfrm>
           <a:prstGeom prst="rect">
             <a:avLst/>
@@ -22489,8 +27869,8 @@
         </p:nvSpPr>
         <p:spPr>
           <a:xfrm>
-            <a:off x="5367020" y="3441393"/>
-            <a:ext cx="506730" cy="457200"/>
+            <a:off x="5367020" y="3035933"/>
+            <a:ext cx="402590" cy="336553"/>
           </a:xfrm>
           <a:prstGeom prst="rect">
             <a:avLst/>
@@ -22547,8 +27927,8 @@
         </p:nvSpPr>
         <p:spPr>
           <a:xfrm>
-            <a:off x="5367020" y="3898593"/>
-            <a:ext cx="506730" cy="457200"/>
+            <a:off x="5367020" y="3399701"/>
+            <a:ext cx="402590" cy="391462"/>
           </a:xfrm>
           <a:prstGeom prst="rect">
             <a:avLst/>
@@ -22590,10 +27970,10 @@
           <a:p>
             <a:pPr algn="ctr"/>
             <a:r>
-              <a:rPr lang="en-US" altLang="zh-CN" sz="1600" dirty="0" smtClean="0"/>
+              <a:rPr lang="en-US" altLang="zh-CN" sz="1200" dirty="0" smtClean="0"/>
               <a:t>r24</a:t>
             </a:r>
-            <a:endParaRPr lang="en-US" altLang="zh-CN" sz="1600" dirty="0"/>
+            <a:endParaRPr lang="en-US" altLang="zh-CN" sz="1200" dirty="0"/>
           </a:p>
         </p:txBody>
       </p:sp>
@@ -22605,8 +27985,8 @@
         </p:nvSpPr>
         <p:spPr>
           <a:xfrm>
-            <a:off x="5367020" y="4355793"/>
-            <a:ext cx="506730" cy="457200"/>
+            <a:off x="5358129" y="3792687"/>
+            <a:ext cx="411481" cy="365898"/>
           </a:xfrm>
           <a:prstGeom prst="rect">
             <a:avLst/>
@@ -22648,7 +28028,7 @@
           <a:p>
             <a:pPr algn="ctr"/>
             <a:r>
-              <a:rPr lang="en-US" altLang="zh-CN" sz="1600"/>
+              <a:rPr lang="en-US" altLang="zh-CN" sz="1200" dirty="0"/>
               <a:t>r25</a:t>
             </a:r>
           </a:p>
@@ -22662,8 +28042,8 @@
         </p:nvSpPr>
         <p:spPr>
           <a:xfrm>
-            <a:off x="7543800" y="1204923"/>
-            <a:ext cx="1089660" cy="3750310"/>
+            <a:off x="7333991" y="1153309"/>
+            <a:ext cx="1013460" cy="3005276"/>
           </a:xfrm>
           <a:prstGeom prst="rect">
             <a:avLst/>
@@ -22719,7 +28099,7 @@
         </p:nvSpPr>
         <p:spPr>
           <a:xfrm>
-            <a:off x="6282690" y="1838018"/>
+            <a:off x="6234171" y="1485583"/>
             <a:ext cx="824230" cy="302260"/>
           </a:xfrm>
           <a:prstGeom prst="rightArrow">
@@ -22773,7 +28153,7 @@
         </p:nvSpPr>
         <p:spPr>
           <a:xfrm rot="10800000">
-            <a:off x="6246495" y="4053533"/>
+            <a:off x="6167120" y="3606640"/>
             <a:ext cx="824230" cy="302260"/>
           </a:xfrm>
           <a:prstGeom prst="rightArrow">
@@ -22821,61 +28201,6 @@
       </p:sp>
       <p:sp>
         <p:nvSpPr>
-          <p:cNvPr id="33" name="文本框 32"/>
-          <p:cNvSpPr txBox="1"/>
-          <p:nvPr/>
-        </p:nvSpPr>
-        <p:spPr>
-          <a:xfrm>
-            <a:off x="4344035" y="5501005"/>
-            <a:ext cx="3619500" cy="1198880"/>
-          </a:xfrm>
-          <a:prstGeom prst="rect">
-            <a:avLst/>
-          </a:prstGeom>
-          <a:noFill/>
-        </p:spPr>
-        <p:txBody>
-          <a:bodyPr wrap="square" rtlCol="0">
-            <a:spAutoFit/>
-          </a:bodyPr>
-          <a:lstStyle/>
-          <a:p>
-            <a:pPr marL="285750" indent="-285750">
-              <a:buFont typeface="Wingdings" panose="05000000000000000000" charset="0"/>
-              <a:buChar char=""/>
-            </a:pPr>
-            <a:r>
-              <a:rPr lang="zh-CN" altLang="en-US"/>
-              <a:t>核心代码内联汇编实现，所有变量只在内存里加载一次</a:t>
-            </a:r>
-          </a:p>
-          <a:p>
-            <a:pPr marL="285750" indent="-285750">
-              <a:buFont typeface="Wingdings" panose="05000000000000000000" charset="0"/>
-              <a:buChar char=""/>
-            </a:pPr>
-            <a:r>
-              <a:rPr lang="zh-CN" altLang="en-US"/>
-              <a:t>结果：MP3解码时间</a:t>
-            </a:r>
-            <a:r>
-              <a:rPr lang="en-US"/>
-              <a:t>18ms</a:t>
-            </a:r>
-            <a:r>
-              <a:rPr lang="zh-CN" altLang="en-US"/>
-              <a:t>，多任务状态为</a:t>
-            </a:r>
-            <a:r>
-              <a:rPr lang="en-US" altLang="zh-CN"/>
-              <a:t>26ms</a:t>
-            </a:r>
-          </a:p>
-        </p:txBody>
-      </p:sp>
-      <p:sp>
-        <p:nvSpPr>
           <p:cNvPr id="34" name="文本框 33"/>
           <p:cNvSpPr txBox="1"/>
           <p:nvPr/>
@@ -22915,8 +28240,8 @@
         </p:nvSpPr>
         <p:spPr>
           <a:xfrm rot="10800000">
-            <a:off x="1349058" y="3034030"/>
-            <a:ext cx="178752" cy="1749741"/>
+            <a:off x="1340803" y="2670336"/>
+            <a:ext cx="178752" cy="1485030"/>
           </a:xfrm>
           <a:prstGeom prst="leftBrace">
             <a:avLst>
@@ -22956,7 +28281,7 @@
         </p:nvSpPr>
         <p:spPr>
           <a:xfrm>
-            <a:off x="1519555" y="3183096"/>
+            <a:off x="1504084" y="2750457"/>
             <a:ext cx="445452" cy="1477328"/>
           </a:xfrm>
           <a:prstGeom prst="rect">
@@ -22995,7 +28320,7 @@
         <p:spPr>
           <a:xfrm>
             <a:off x="4878070" y="847725"/>
-            <a:ext cx="3953192" cy="4380230"/>
+            <a:ext cx="3953192" cy="3670930"/>
           </a:xfrm>
           <a:prstGeom prst="roundRect">
             <a:avLst/>
@@ -23114,6 +28439,120 @@
                 <a:srgbClr val="512886"/>
               </a:solidFill>
             </a:endParaRPr>
+          </a:p>
+        </p:txBody>
+      </p:sp>
+      <p:graphicFrame>
+        <p:nvGraphicFramePr>
+          <p:cNvPr id="39" name="图表 38"/>
+          <p:cNvGraphicFramePr/>
+          <p:nvPr>
+            <p:extLst>
+              <p:ext uri="{D42A27DB-BD31-4B8C-83A1-F6EECF244321}">
+                <p14:modId xmlns:p14="http://schemas.microsoft.com/office/powerpoint/2010/main" val="1563402864"/>
+              </p:ext>
+            </p:extLst>
+          </p:nvPr>
+        </p:nvGraphicFramePr>
+        <p:xfrm>
+          <a:off x="4729105" y="4574365"/>
+          <a:ext cx="3343390" cy="2326099"/>
+        </p:xfrm>
+        <a:graphic>
+          <a:graphicData uri="http://schemas.openxmlformats.org/drawingml/2006/chart">
+            <c:chart xmlns:c="http://schemas.openxmlformats.org/drawingml/2006/chart" xmlns:r="http://schemas.openxmlformats.org/officeDocument/2006/relationships" r:id="rId3"/>
+          </a:graphicData>
+        </a:graphic>
+      </p:graphicFrame>
+      <p:sp>
+        <p:nvSpPr>
+          <p:cNvPr id="40" name="文本框 39"/>
+          <p:cNvSpPr txBox="1"/>
+          <p:nvPr/>
+        </p:nvSpPr>
+        <p:spPr>
+          <a:xfrm>
+            <a:off x="7763" y="5092050"/>
+            <a:ext cx="4497562" cy="1477328"/>
+          </a:xfrm>
+          <a:prstGeom prst="rect">
+            <a:avLst/>
+          </a:prstGeom>
+          <a:noFill/>
+        </p:spPr>
+        <p:txBody>
+          <a:bodyPr wrap="square" rtlCol="0">
+            <a:spAutoFit/>
+          </a:bodyPr>
+          <a:lstStyle/>
+          <a:p>
+            <a:r>
+              <a:rPr lang="zh-CN" altLang="en-US" dirty="0" smtClean="0"/>
+              <a:t>结果</a:t>
+            </a:r>
+            <a:r>
+              <a:rPr lang="zh-CN" altLang="en-US" dirty="0" smtClean="0"/>
+              <a:t>：</a:t>
+            </a:r>
+            <a:endParaRPr lang="en-US" altLang="zh-CN" dirty="0" smtClean="0"/>
+          </a:p>
+          <a:p>
+            <a:pPr marL="285750" indent="-285750">
+              <a:buFont typeface="Arial" panose="020B0604020202020204" pitchFamily="34" charset="0"/>
+              <a:buChar char="•"/>
+            </a:pPr>
+            <a:r>
+              <a:rPr lang="zh-CN" altLang="en-US" dirty="0" smtClean="0"/>
+              <a:t>单任务状态运行</a:t>
+            </a:r>
+            <a:r>
+              <a:rPr lang="zh-CN" altLang="en-US" dirty="0"/>
+              <a:t>时解码一帧所需</a:t>
+            </a:r>
+            <a:r>
+              <a:rPr lang="zh-CN" altLang="en-US" dirty="0" smtClean="0"/>
+              <a:t>时间降低到</a:t>
+            </a:r>
+            <a:r>
+              <a:rPr lang="zh-CN" altLang="en-US" dirty="0"/>
+              <a:t>约</a:t>
+            </a:r>
+            <a:r>
+              <a:rPr lang="zh-CN" altLang="en-US" dirty="0" smtClean="0"/>
+              <a:t>1</a:t>
+            </a:r>
+            <a:r>
+              <a:rPr lang="en-US" altLang="zh-CN" dirty="0" smtClean="0"/>
+              <a:t>8</a:t>
+            </a:r>
+            <a:r>
+              <a:rPr lang="zh-CN" altLang="en-US" dirty="0" smtClean="0"/>
+              <a:t>ms</a:t>
+            </a:r>
+            <a:r>
+              <a:rPr lang="zh-CN" altLang="en-US" dirty="0" smtClean="0"/>
+              <a:t>。</a:t>
+            </a:r>
+            <a:endParaRPr lang="en-US" altLang="zh-CN" dirty="0" smtClean="0"/>
+          </a:p>
+          <a:p>
+            <a:pPr marL="285750" indent="-285750">
+              <a:buFont typeface="Arial" panose="020B0604020202020204" pitchFamily="34" charset="0"/>
+              <a:buChar char="•"/>
+            </a:pPr>
+            <a:r>
+              <a:rPr lang="zh-CN" altLang="en-US" dirty="0" smtClean="0"/>
+              <a:t>多任务状态解码时间为约</a:t>
+            </a:r>
+            <a:r>
+              <a:rPr lang="en-US" altLang="zh-CN" dirty="0" smtClean="0"/>
+              <a:t>26ms</a:t>
+            </a:r>
+            <a:r>
+              <a:rPr lang="zh-CN" altLang="en-US" dirty="0" smtClean="0"/>
+              <a:t>，处于饱和状态。。</a:t>
+            </a:r>
+            <a:endParaRPr lang="zh-CN" altLang="en-US" dirty="0"/>
           </a:p>
         </p:txBody>
       </p:sp>
@@ -23125,12 +28564,90 @@
   <p:timing>
     <p:tnLst>
       <p:par>
-        <p:cTn id="1" dur="indefinite" restart="never" nodeType="tmRoot"/>
+        <p:cTn id="1" dur="indefinite" restart="never" nodeType="tmRoot">
+          <p:childTnLst>
+            <p:seq concurrent="1" nextAc="seek">
+              <p:cTn id="2" dur="indefinite" nodeType="mainSeq">
+                <p:childTnLst>
+                  <p:par>
+                    <p:cTn id="3" fill="hold">
+                      <p:stCondLst>
+                        <p:cond delay="indefinite"/>
+                      </p:stCondLst>
+                      <p:childTnLst>
+                        <p:par>
+                          <p:cTn id="4" fill="hold">
+                            <p:stCondLst>
+                              <p:cond delay="0"/>
+                            </p:stCondLst>
+                            <p:childTnLst>
+                              <p:par>
+                                <p:cTn id="5" presetID="13" presetClass="entr" presetSubtype="16" fill="hold" grpId="1" nodeType="clickEffect">
+                                  <p:stCondLst>
+                                    <p:cond delay="0"/>
+                                  </p:stCondLst>
+                                  <p:childTnLst>
+                                    <p:set>
+                                      <p:cBhvr>
+                                        <p:cTn id="6" dur="1" fill="hold">
+                                          <p:stCondLst>
+                                            <p:cond delay="0"/>
+                                          </p:stCondLst>
+                                        </p:cTn>
+                                        <p:tgtEl>
+                                          <p:spTgt spid="40"/>
+                                        </p:tgtEl>
+                                        <p:attrNameLst>
+                                          <p:attrName>style.visibility</p:attrName>
+                                        </p:attrNameLst>
+                                      </p:cBhvr>
+                                      <p:to>
+                                        <p:strVal val="visible"/>
+                                      </p:to>
+                                    </p:set>
+                                    <p:animEffect transition="in" filter="plus(in)">
+                                      <p:cBhvr>
+                                        <p:cTn id="7" dur="2000"/>
+                                        <p:tgtEl>
+                                          <p:spTgt spid="40"/>
+                                        </p:tgtEl>
+                                      </p:cBhvr>
+                                    </p:animEffect>
+                                  </p:childTnLst>
+                                </p:cTn>
+                              </p:par>
+                            </p:childTnLst>
+                          </p:cTn>
+                        </p:par>
+                      </p:childTnLst>
+                    </p:cTn>
+                  </p:par>
+                </p:childTnLst>
+              </p:cTn>
+              <p:prevCondLst>
+                <p:cond evt="onPrev" delay="0">
+                  <p:tgtEl>
+                    <p:sldTgt/>
+                  </p:tgtEl>
+                </p:cond>
+              </p:prevCondLst>
+              <p:nextCondLst>
+                <p:cond evt="onNext" delay="0">
+                  <p:tgtEl>
+                    <p:sldTgt/>
+                  </p:tgtEl>
+                </p:cond>
+              </p:nextCondLst>
+            </p:seq>
+          </p:childTnLst>
+        </p:cTn>
       </p:par>
     </p:tnLst>
     <p:bldLst>
       <p:bldP spid="19" grpId="0" animBg="1"/>
       <p:bldP spid="19" grpId="1" animBg="1"/>
+      <p:bldP spid="40" grpId="0"/>
+      <p:bldP spid="40" grpId="1"/>
     </p:bldLst>
   </p:timing>
 </p:sld>
@@ -23608,8 +29125,8 @@
         </p:nvSpPr>
         <p:spPr>
           <a:xfrm>
-            <a:off x="739140" y="3952875"/>
-            <a:ext cx="2308860" cy="922020"/>
+            <a:off x="429260" y="3435450"/>
+            <a:ext cx="3159125" cy="1285032"/>
           </a:xfrm>
           <a:prstGeom prst="rect">
             <a:avLst/>
@@ -23623,31 +29140,49 @@
           <a:lstStyle/>
           <a:p>
             <a:pPr marL="285750" indent="-285750">
+              <a:lnSpc>
+                <a:spcPct val="150000"/>
+              </a:lnSpc>
               <a:buFont typeface="Wingdings" panose="05000000000000000000" charset="0"/>
               <a:buChar char=""/>
             </a:pPr>
             <a:r>
-              <a:rPr lang="zh-CN" altLang="en-US"/>
-              <a:t>数据存储压力大</a:t>
-            </a:r>
+              <a:rPr lang="zh-CN" altLang="en-US" dirty="0"/>
+              <a:t>数据存储压力</a:t>
+            </a:r>
+            <a:r>
+              <a:rPr lang="zh-CN" altLang="en-US" dirty="0" smtClean="0"/>
+              <a:t>大</a:t>
+            </a:r>
+            <a:endParaRPr lang="en-US" altLang="zh-CN" dirty="0" smtClean="0"/>
           </a:p>
           <a:p>
             <a:pPr marL="285750" indent="-285750">
+              <a:lnSpc>
+                <a:spcPct val="150000"/>
+              </a:lnSpc>
               <a:buFont typeface="Wingdings" panose="05000000000000000000" charset="0"/>
               <a:buChar char=""/>
             </a:pPr>
             <a:r>
-              <a:rPr lang="zh-CN" altLang="en-US"/>
-              <a:t>多任务状态解码时间长（</a:t>
-            </a:r>
-            <a:r>
-              <a:rPr lang="en-US" altLang="zh-CN"/>
-              <a:t>26ms</a:t>
-            </a:r>
-            <a:r>
-              <a:rPr lang="zh-CN" altLang="en-US"/>
-              <a:t>）</a:t>
-            </a:r>
+              <a:rPr lang="zh-CN" altLang="en-US" dirty="0" smtClean="0"/>
+              <a:t>取指，取数据所需周期长</a:t>
+            </a:r>
+            <a:endParaRPr lang="en-US" altLang="zh-CN" dirty="0" smtClean="0"/>
+          </a:p>
+          <a:p>
+            <a:pPr marL="285750" indent="-285750">
+              <a:lnSpc>
+                <a:spcPct val="150000"/>
+              </a:lnSpc>
+              <a:buFont typeface="Wingdings" panose="05000000000000000000" charset="0"/>
+              <a:buChar char=""/>
+            </a:pPr>
+            <a:r>
+              <a:rPr lang="zh-CN" altLang="en-US" dirty="0" smtClean="0"/>
+              <a:t>流水线优势难发挥</a:t>
+            </a:r>
+            <a:endParaRPr lang="zh-CN" altLang="en-US" dirty="0"/>
           </a:p>
         </p:txBody>
       </p:sp>
@@ -24019,8 +29554,8 @@
         </p:nvSpPr>
         <p:spPr>
           <a:xfrm>
-            <a:off x="4439285" y="3952875"/>
-            <a:ext cx="2924810" cy="1198880"/>
+            <a:off x="75796" y="5278358"/>
+            <a:ext cx="4137429" cy="1200329"/>
           </a:xfrm>
           <a:prstGeom prst="rect">
             <a:avLst/>
@@ -24033,36 +29568,57 @@
           </a:bodyPr>
           <a:lstStyle/>
           <a:p>
+            <a:r>
+              <a:rPr lang="zh-CN" altLang="en-US" dirty="0" smtClean="0"/>
+              <a:t>结果：</a:t>
+            </a:r>
+            <a:endParaRPr lang="en-US" altLang="zh-CN" dirty="0" smtClean="0"/>
+          </a:p>
+          <a:p>
             <a:pPr marL="285750" indent="-285750">
-              <a:buFont typeface="Wingdings" panose="05000000000000000000" charset="0"/>
-              <a:buChar char=""/>
+              <a:buFont typeface="Arial" panose="020B0604020202020204" pitchFamily="34" charset="0"/>
+              <a:buChar char="•"/>
             </a:pPr>
             <a:r>
-              <a:rPr lang="zh-CN" altLang="en-US"/>
-              <a:t>加快了存取速度</a:t>
-            </a:r>
+              <a:rPr lang="zh-CN" altLang="en-US" dirty="0"/>
+              <a:t>单任务状态运行时解码一帧所需时间降低到约</a:t>
+            </a:r>
+            <a:r>
+              <a:rPr lang="en-US" altLang="zh-CN" dirty="0" smtClean="0"/>
+              <a:t>14ms</a:t>
+            </a:r>
+            <a:r>
+              <a:rPr lang="zh-CN" altLang="en-US" dirty="0" smtClean="0"/>
+              <a:t>。</a:t>
+            </a:r>
+            <a:endParaRPr lang="en-US" altLang="zh-CN" dirty="0" smtClean="0"/>
           </a:p>
           <a:p>
             <a:pPr marL="285750" indent="-285750">
-              <a:buFont typeface="Wingdings" panose="05000000000000000000" charset="0"/>
-              <a:buChar char=""/>
+              <a:buFont typeface="Arial" panose="020B0604020202020204" pitchFamily="34" charset="0"/>
+              <a:buChar char="•"/>
             </a:pPr>
             <a:r>
-              <a:rPr lang="zh-CN" altLang="en-US"/>
-              <a:t>结果：单任务解码时间减少到</a:t>
-            </a:r>
-            <a:r>
-              <a:rPr lang="en-US" altLang="zh-CN"/>
-              <a:t>14ms</a:t>
-            </a:r>
-            <a:r>
-              <a:rPr lang="zh-CN" altLang="en-US"/>
-              <a:t>，多任务状态解码时间</a:t>
-            </a:r>
-            <a:r>
-              <a:rPr lang="en-US" altLang="zh-CN"/>
+              <a:rPr lang="zh-CN" altLang="en-US" dirty="0" smtClean="0"/>
+              <a:t>多任务</a:t>
+            </a:r>
+            <a:r>
+              <a:rPr lang="zh-CN" altLang="en-US" dirty="0"/>
+              <a:t>状态解码</a:t>
+            </a:r>
+            <a:r>
+              <a:rPr lang="zh-CN" altLang="en-US" dirty="0" smtClean="0"/>
+              <a:t>时间为约</a:t>
+            </a:r>
+            <a:r>
+              <a:rPr lang="en-US" altLang="zh-CN" dirty="0" smtClean="0"/>
               <a:t>18ms</a:t>
             </a:r>
+            <a:r>
+              <a:rPr lang="zh-CN" altLang="en-US" dirty="0" smtClean="0"/>
+              <a:t>。</a:t>
+            </a:r>
+            <a:endParaRPr lang="en-US" altLang="zh-CN" dirty="0"/>
           </a:p>
         </p:txBody>
       </p:sp>
@@ -24244,6 +29800,28 @@
           </a:p>
         </p:txBody>
       </p:sp>
+      <p:graphicFrame>
+        <p:nvGraphicFramePr>
+          <p:cNvPr id="25" name="图表 24"/>
+          <p:cNvGraphicFramePr/>
+          <p:nvPr>
+            <p:extLst>
+              <p:ext uri="{D42A27DB-BD31-4B8C-83A1-F6EECF244321}">
+                <p14:modId xmlns:p14="http://schemas.microsoft.com/office/powerpoint/2010/main" val="1180436115"/>
+              </p:ext>
+            </p:extLst>
+          </p:nvPr>
+        </p:nvGraphicFramePr>
+        <p:xfrm>
+          <a:off x="4046884" y="4534216"/>
+          <a:ext cx="4367472" cy="2326099"/>
+        </p:xfrm>
+        <a:graphic>
+          <a:graphicData uri="http://schemas.openxmlformats.org/drawingml/2006/chart">
+            <c:chart xmlns:c="http://schemas.openxmlformats.org/drawingml/2006/chart" xmlns:r="http://schemas.openxmlformats.org/officeDocument/2006/relationships" r:id="rId2"/>
+          </a:graphicData>
+        </a:graphic>
+      </p:graphicFrame>
     </p:spTree>
   </p:cSld>
   <p:clrMapOvr>
@@ -24386,14 +29964,24 @@
           <a:p>
             <a:pPr algn="ctr"/>
             <a:r>
-              <a:rPr lang="zh-CN" altLang="en-US">
+              <a:rPr lang="zh-CN" altLang="en-US" dirty="0" smtClean="0">
                 <a:solidFill>
                   <a:schemeClr val="accent1">
                     <a:lumMod val="75000"/>
                   </a:schemeClr>
                 </a:solidFill>
               </a:rPr>
-              <a:t>电台服务器</a:t>
+              <a:t>网络电台</a:t>
+            </a:r>
+            <a:r>
+              <a:rPr lang="zh-CN" altLang="en-US" dirty="0">
+                <a:solidFill>
+                  <a:schemeClr val="accent1">
+                    <a:lumMod val="75000"/>
+                  </a:schemeClr>
+                </a:solidFill>
+              </a:rPr>
+              <a:t>服务器</a:t>
             </a:r>
           </a:p>
         </p:txBody>
@@ -24446,15 +30034,22 @@
           <a:p>
             <a:pPr algn="ctr"/>
             <a:r>
-              <a:rPr lang="en-US" altLang="zh-CN">
+              <a:rPr lang="en-US" altLang="zh-CN" dirty="0" err="1" smtClean="0">
                 <a:solidFill>
                   <a:schemeClr val="accent1">
                     <a:lumMod val="75000"/>
                   </a:schemeClr>
                 </a:solidFill>
               </a:rPr>
-              <a:t>iRythm</a:t>
-            </a:r>
+              <a:t>iRhythm</a:t>
+            </a:r>
+            <a:endParaRPr lang="en-US" altLang="zh-CN" dirty="0">
+              <a:solidFill>
+                <a:schemeClr val="accent1">
+                  <a:lumMod val="75000"/>
+                </a:schemeClr>
+              </a:solidFill>
+            </a:endParaRPr>
           </a:p>
         </p:txBody>
       </p:sp>

--- a/doc/华智队作品展示PPT.pptx
+++ b/doc/华智队作品展示PPT.pptx
@@ -647,7 +647,6 @@
                       <a:noFill/>
                     </a:ln>
                   </c15:spPr>
-                  <c15:layout/>
                   <c15:dlblFieldTable/>
                   <c15:showDataLabelsRange val="0"/>
                 </c:ext>
@@ -981,7 +980,6 @@
                       <a:noFill/>
                     </a:ln>
                   </c15:spPr>
-                  <c15:layout/>
                   <c15:dlblFieldTable/>
                   <c15:showDataLabelsRange val="0"/>
                 </c:ext>
@@ -1926,7 +1924,6 @@
                       <a:noFill/>
                     </a:ln>
                   </c15:spPr>
-                  <c15:layout/>
                   <c15:dlblFieldTable/>
                   <c15:showDataLabelsRange val="0"/>
                 </c:ext>
@@ -2267,7 +2264,6 @@
                       <a:noFill/>
                     </a:ln>
                   </c15:spPr>
-                  <c15:layout/>
                   <c15:dlblFieldTable/>
                   <c15:showDataLabelsRange val="0"/>
                 </c:ext>
@@ -3215,7 +3211,6 @@
                     <a:noFill/>
                   </a:ln>
                 </c15:spPr>
-                <c15:layout/>
                 <c15:showLeaderLines val="0"/>
               </c:ext>
             </c:extLst>
@@ -3563,7 +3558,6 @@
                     <a:noFill/>
                   </a:ln>
                 </c15:spPr>
-                <c15:layout/>
                 <c15:showLeaderLines val="0"/>
               </c:ext>
             </c:extLst>
@@ -16674,6 +16668,59 @@
           </a:prstGeom>
         </p:spPr>
       </p:pic>
+      <p:sp>
+        <p:nvSpPr>
+          <p:cNvPr id="16" name="文本框 15"/>
+          <p:cNvSpPr txBox="1"/>
+          <p:nvPr/>
+        </p:nvSpPr>
+        <p:spPr>
+          <a:xfrm>
+            <a:off x="5486399" y="189202"/>
+            <a:ext cx="3469641" cy="461665"/>
+          </a:xfrm>
+          <a:prstGeom prst="rect">
+            <a:avLst/>
+          </a:prstGeom>
+          <a:noFill/>
+        </p:spPr>
+        <p:txBody>
+          <a:bodyPr wrap="square" rtlCol="0">
+            <a:spAutoFit/>
+          </a:bodyPr>
+          <a:lstStyle/>
+          <a:p>
+            <a:pPr algn="ctr"/>
+            <a:r>
+              <a:rPr lang="en-US" altLang="zh-CN" sz="2400" dirty="0" smtClean="0">
+                <a:solidFill>
+                  <a:schemeClr val="accent1">
+                    <a:lumMod val="75000"/>
+                  </a:schemeClr>
+                </a:solidFill>
+              </a:rPr>
+              <a:t>SPI-I2S</a:t>
+            </a:r>
+            <a:r>
+              <a:rPr lang="zh-CN" altLang="en-US" sz="2400" dirty="0" smtClean="0">
+                <a:solidFill>
+                  <a:schemeClr val="accent1">
+                    <a:lumMod val="75000"/>
+                  </a:schemeClr>
+                </a:solidFill>
+              </a:rPr>
+              <a:t>协议转换电路</a:t>
+            </a:r>
+            <a:endParaRPr lang="zh-CN" altLang="en-US" sz="2400" dirty="0">
+              <a:solidFill>
+                <a:schemeClr val="accent1">
+                  <a:lumMod val="75000"/>
+                </a:schemeClr>
+              </a:solidFill>
+            </a:endParaRPr>
+          </a:p>
+        </p:txBody>
+      </p:sp>
     </p:spTree>
   </p:cSld>
   <p:clrMapOvr>
@@ -16770,51 +16817,6 @@
       </p:cxnSp>
       <p:sp>
         <p:nvSpPr>
-          <p:cNvPr id="6" name="文本框 5"/>
-          <p:cNvSpPr txBox="1"/>
-          <p:nvPr/>
-        </p:nvSpPr>
-        <p:spPr>
-          <a:xfrm>
-            <a:off x="3553460" y="791845"/>
-            <a:ext cx="1817370" cy="398780"/>
-          </a:xfrm>
-          <a:prstGeom prst="rect">
-            <a:avLst/>
-          </a:prstGeom>
-          <a:noFill/>
-        </p:spPr>
-        <p:txBody>
-          <a:bodyPr wrap="square" rtlCol="0">
-            <a:spAutoFit/>
-          </a:bodyPr>
-          <a:lstStyle/>
-          <a:p>
-            <a:r>
-              <a:rPr lang="en-US" altLang="zh-CN" sz="2000">
-                <a:solidFill>
-                  <a:schemeClr val="accent1">
-                    <a:lumMod val="75000"/>
-                  </a:schemeClr>
-                </a:solidFill>
-              </a:rPr>
-              <a:t>FIFO</a:t>
-            </a:r>
-            <a:r>
-              <a:rPr lang="zh-CN" altLang="en-US" sz="2000">
-                <a:solidFill>
-                  <a:schemeClr val="accent1">
-                    <a:lumMod val="75000"/>
-                  </a:schemeClr>
-                </a:solidFill>
-              </a:rPr>
-              <a:t>控制流程</a:t>
-            </a:r>
-          </a:p>
-        </p:txBody>
-      </p:sp>
-      <p:sp>
-        <p:nvSpPr>
           <p:cNvPr id="7" name="右箭头 6"/>
           <p:cNvSpPr/>
           <p:nvPr/>
@@ -17388,11 +17390,7 @@
             </a:r>
             <a:r>
               <a:rPr lang="en-US" altLang="zh-CN" dirty="0" smtClean="0"/>
-              <a:t>Net </a:t>
-            </a:r>
-            <a:r>
-              <a:rPr lang="en-US" altLang="zh-CN" dirty="0" smtClean="0"/>
-              <a:t>Task</a:t>
+              <a:t>Net Task</a:t>
             </a:r>
             <a:r>
               <a:rPr lang="zh-CN" altLang="en-US" dirty="0"/>
@@ -17482,6 +17480,69 @@
             </a:r>
             <a:endParaRPr lang="zh-CN" altLang="en-US" dirty="0">
               <a:sym typeface="+mn-ea"/>
+            </a:endParaRPr>
+          </a:p>
+        </p:txBody>
+      </p:sp>
+      <p:sp>
+        <p:nvSpPr>
+          <p:cNvPr id="20" name="文本框 19"/>
+          <p:cNvSpPr txBox="1"/>
+          <p:nvPr/>
+        </p:nvSpPr>
+        <p:spPr>
+          <a:xfrm>
+            <a:off x="5867400" y="197465"/>
+            <a:ext cx="3276600" cy="461665"/>
+          </a:xfrm>
+          <a:prstGeom prst="rect">
+            <a:avLst/>
+          </a:prstGeom>
+          <a:noFill/>
+        </p:spPr>
+        <p:txBody>
+          <a:bodyPr wrap="square" rtlCol="0">
+            <a:spAutoFit/>
+          </a:bodyPr>
+          <a:lstStyle/>
+          <a:p>
+            <a:pPr algn="ctr"/>
+            <a:r>
+              <a:rPr lang="zh-CN" altLang="en-US" sz="2400" dirty="0" smtClean="0">
+                <a:solidFill>
+                  <a:schemeClr val="accent1">
+                    <a:lumMod val="75000"/>
+                  </a:schemeClr>
+                </a:solidFill>
+              </a:rPr>
+              <a:t>外部</a:t>
+            </a:r>
+            <a:r>
+              <a:rPr lang="en-US" altLang="zh-CN" sz="2400" dirty="0" smtClean="0">
+                <a:solidFill>
+                  <a:schemeClr val="accent1">
+                    <a:lumMod val="75000"/>
+                  </a:schemeClr>
+                </a:solidFill>
+              </a:rPr>
+              <a:t>FIFO</a:t>
+            </a:r>
+            <a:r>
+              <a:rPr lang="zh-CN" altLang="en-US" sz="2400" dirty="0" smtClean="0">
+                <a:solidFill>
+                  <a:schemeClr val="accent1">
+                    <a:lumMod val="75000"/>
+                  </a:schemeClr>
+                </a:solidFill>
+              </a:rPr>
+              <a:t>控制流程</a:t>
+            </a:r>
+            <a:endParaRPr lang="zh-CN" altLang="en-US" sz="2400" dirty="0">
+              <a:solidFill>
+                <a:schemeClr val="accent1">
+                  <a:lumMod val="75000"/>
+                </a:schemeClr>
+              </a:solidFill>
             </a:endParaRPr>
           </a:p>
         </p:txBody>
@@ -20211,6 +20272,59 @@
           </a:p>
         </p:txBody>
       </p:sp>
+      <p:sp>
+        <p:nvSpPr>
+          <p:cNvPr id="29" name="文本框 28"/>
+          <p:cNvSpPr txBox="1"/>
+          <p:nvPr/>
+        </p:nvSpPr>
+        <p:spPr>
+          <a:xfrm>
+            <a:off x="6186688" y="189884"/>
+            <a:ext cx="2991948" cy="461665"/>
+          </a:xfrm>
+          <a:prstGeom prst="rect">
+            <a:avLst/>
+          </a:prstGeom>
+          <a:noFill/>
+        </p:spPr>
+        <p:txBody>
+          <a:bodyPr wrap="square" rtlCol="0">
+            <a:spAutoFit/>
+          </a:bodyPr>
+          <a:lstStyle/>
+          <a:p>
+            <a:pPr algn="ctr"/>
+            <a:r>
+              <a:rPr lang="en-US" altLang="zh-CN" sz="2400" dirty="0" smtClean="0">
+                <a:solidFill>
+                  <a:schemeClr val="accent1">
+                    <a:lumMod val="75000"/>
+                  </a:schemeClr>
+                </a:solidFill>
+              </a:rPr>
+              <a:t>Mp3</a:t>
+            </a:r>
+            <a:r>
+              <a:rPr lang="zh-CN" altLang="en-US" sz="2400" dirty="0" smtClean="0">
+                <a:solidFill>
+                  <a:schemeClr val="accent1">
+                    <a:lumMod val="75000"/>
+                  </a:schemeClr>
+                </a:solidFill>
+              </a:rPr>
+              <a:t>解码及输出</a:t>
+            </a:r>
+            <a:endParaRPr lang="zh-CN" altLang="en-US" sz="2400" dirty="0">
+              <a:solidFill>
+                <a:schemeClr val="accent1">
+                  <a:lumMod val="75000"/>
+                </a:schemeClr>
+              </a:solidFill>
+            </a:endParaRPr>
+          </a:p>
+        </p:txBody>
+      </p:sp>
     </p:spTree>
   </p:cSld>
   <p:clrMapOvr>
@@ -20655,8 +20769,8 @@
         </p:nvSpPr>
         <p:spPr>
           <a:xfrm>
-            <a:off x="6363335" y="189202"/>
-            <a:ext cx="2592705" cy="461665"/>
+            <a:off x="6096001" y="189202"/>
+            <a:ext cx="2860040" cy="461665"/>
           </a:xfrm>
           <a:prstGeom prst="rect">
             <a:avLst/>
@@ -20678,7 +20792,27 @@
                   </a:schemeClr>
                 </a:solidFill>
               </a:rPr>
-              <a:t>算法优化加速前</a:t>
+              <a:t>算法</a:t>
+            </a:r>
+            <a:r>
+              <a:rPr lang="zh-CN" altLang="en-US" sz="2400" dirty="0" smtClean="0">
+                <a:solidFill>
+                  <a:schemeClr val="accent1">
+                    <a:lumMod val="75000"/>
+                  </a:schemeClr>
+                </a:solidFill>
+              </a:rPr>
+              <a:t>优化：加速</a:t>
+            </a:r>
+            <a:r>
+              <a:rPr lang="zh-CN" altLang="en-US" sz="2400" dirty="0" smtClean="0">
+                <a:solidFill>
+                  <a:schemeClr val="accent1">
+                    <a:lumMod val="75000"/>
+                  </a:schemeClr>
+                </a:solidFill>
+              </a:rPr>
+              <a:t>前</a:t>
             </a:r>
             <a:endParaRPr lang="zh-CN" altLang="en-US" sz="2400" dirty="0">
               <a:solidFill>
@@ -23987,10 +24121,7 @@
             <a:avLst/>
           </a:prstGeom>
           <a:solidFill>
-            <a:schemeClr val="accent1">
-              <a:lumMod val="40000"/>
-              <a:lumOff val="60000"/>
-            </a:schemeClr>
+            <a:srgbClr val="E2D4F3"/>
           </a:solidFill>
           <a:ln>
             <a:noFill/>
@@ -24097,8 +24228,8 @@
         </p:nvSpPr>
         <p:spPr>
           <a:xfrm>
-            <a:off x="6641781" y="161473"/>
-            <a:ext cx="2622550" cy="461665"/>
+            <a:off x="5251017" y="161473"/>
+            <a:ext cx="3737368" cy="461665"/>
           </a:xfrm>
           <a:prstGeom prst="rect">
             <a:avLst/>
@@ -24113,7 +24244,17 @@
           <a:p>
             <a:pPr algn="ctr"/>
             <a:r>
-              <a:rPr lang="en-US" altLang="zh-CN" sz="2400" dirty="0">
+              <a:rPr lang="zh-CN" altLang="en-US" sz="2400" dirty="0">
+                <a:solidFill>
+                  <a:schemeClr val="accent1">
+                    <a:lumMod val="75000"/>
+                  </a:schemeClr>
+                </a:solidFill>
+              </a:rPr>
+              <a:t>算法优化： </a:t>
+            </a:r>
+            <a:r>
+              <a:rPr lang="en-US" altLang="zh-CN" sz="2400" dirty="0" smtClean="0">
                 <a:solidFill>
                   <a:schemeClr val="accent1">
                     <a:lumMod val="75000"/>
@@ -25286,11 +25427,7 @@
           <a:p>
             <a:r>
               <a:rPr lang="zh-CN" altLang="en-US" dirty="0" smtClean="0"/>
-              <a:t>结果</a:t>
-            </a:r>
-            <a:r>
-              <a:rPr lang="zh-CN" altLang="en-US" dirty="0" smtClean="0"/>
-              <a:t>：</a:t>
+              <a:t>结果：</a:t>
             </a:r>
             <a:endParaRPr lang="en-US" altLang="zh-CN" dirty="0" smtClean="0"/>
           </a:p>
@@ -25317,11 +25454,7 @@
             </a:r>
             <a:r>
               <a:rPr lang="zh-CN" altLang="en-US" dirty="0" smtClean="0"/>
-              <a:t>ms</a:t>
-            </a:r>
-            <a:r>
-              <a:rPr lang="zh-CN" altLang="en-US" dirty="0" smtClean="0"/>
-              <a:t>。</a:t>
+              <a:t>ms。</a:t>
             </a:r>
             <a:endParaRPr lang="en-US" altLang="zh-CN" dirty="0" smtClean="0"/>
           </a:p>
@@ -26882,8 +27015,8 @@
         </p:nvSpPr>
         <p:spPr>
           <a:xfrm>
-            <a:off x="6400800" y="137448"/>
-            <a:ext cx="2927350" cy="461665"/>
+            <a:off x="4847590" y="137448"/>
+            <a:ext cx="4220210" cy="461665"/>
           </a:xfrm>
           <a:prstGeom prst="rect">
             <a:avLst/>
@@ -26896,6 +27029,26 @@
           </a:bodyPr>
           <a:lstStyle/>
           <a:p>
+            <a:r>
+              <a:rPr lang="zh-CN" altLang="en-US" sz="2400" dirty="0">
+                <a:solidFill>
+                  <a:schemeClr val="accent1">
+                    <a:lumMod val="75000"/>
+                  </a:schemeClr>
+                </a:solidFill>
+              </a:rPr>
+              <a:t>算法优化：</a:t>
+            </a:r>
+            <a:r>
+              <a:rPr lang="zh-CN" sz="2400" dirty="0" smtClean="0">
+                <a:solidFill>
+                  <a:schemeClr val="accent1">
+                    <a:lumMod val="75000"/>
+                  </a:schemeClr>
+                </a:solidFill>
+              </a:rPr>
+              <a:t>内</a:t>
+            </a:r>
             <a:r>
               <a:rPr lang="zh-CN" sz="2400" dirty="0">
                 <a:solidFill>
@@ -26904,7 +27057,7 @@
                   </a:schemeClr>
                 </a:solidFill>
               </a:rPr>
-              <a:t>内联汇编深度优化</a:t>
+              <a:t>联汇编深度优化</a:t>
             </a:r>
           </a:p>
         </p:txBody>
@@ -28488,11 +28641,7 @@
           <a:p>
             <a:r>
               <a:rPr lang="zh-CN" altLang="en-US" dirty="0" smtClean="0"/>
-              <a:t>结果</a:t>
-            </a:r>
-            <a:r>
-              <a:rPr lang="zh-CN" altLang="en-US" dirty="0" smtClean="0"/>
-              <a:t>：</a:t>
+              <a:t>结果：</a:t>
             </a:r>
             <a:endParaRPr lang="en-US" altLang="zh-CN" dirty="0" smtClean="0"/>
           </a:p>
@@ -28527,11 +28676,7 @@
             </a:r>
             <a:r>
               <a:rPr lang="zh-CN" altLang="en-US" dirty="0" smtClean="0"/>
-              <a:t>ms</a:t>
-            </a:r>
-            <a:r>
-              <a:rPr lang="zh-CN" altLang="en-US" dirty="0" smtClean="0"/>
-              <a:t>。</a:t>
+              <a:t>ms。</a:t>
             </a:r>
             <a:endParaRPr lang="en-US" altLang="zh-CN" dirty="0" smtClean="0"/>
           </a:p>
@@ -28740,8 +28885,8 @@
         </p:nvSpPr>
         <p:spPr>
           <a:xfrm>
-            <a:off x="5740717" y="112067"/>
-            <a:ext cx="3926205" cy="461665"/>
+            <a:off x="4213225" y="112067"/>
+            <a:ext cx="4930775" cy="461665"/>
           </a:xfrm>
           <a:prstGeom prst="rect">
             <a:avLst/>
@@ -28754,6 +28899,26 @@
           </a:bodyPr>
           <a:lstStyle/>
           <a:p>
+            <a:r>
+              <a:rPr lang="zh-CN" altLang="en-US" sz="2400" dirty="0">
+                <a:solidFill>
+                  <a:schemeClr val="accent1">
+                    <a:lumMod val="75000"/>
+                  </a:schemeClr>
+                </a:solidFill>
+              </a:rPr>
+              <a:t>算法优化：</a:t>
+            </a:r>
+            <a:r>
+              <a:rPr sz="2400" dirty="0" err="1" smtClean="0">
+                <a:solidFill>
+                  <a:schemeClr val="accent1">
+                    <a:lumMod val="75000"/>
+                  </a:schemeClr>
+                </a:solidFill>
+              </a:rPr>
+              <a:t>使用</a:t>
+            </a:r>
             <a:r>
               <a:rPr sz="2400" dirty="0" err="1">
                 <a:solidFill>
@@ -28762,7 +28927,7 @@
                   </a:schemeClr>
                 </a:solidFill>
               </a:rPr>
-              <a:t>使用CCM减少存储时间</a:t>
+              <a:t>CCM减少存储时间</a:t>
             </a:r>
             <a:endParaRPr lang="en-US" altLang="zh-CN" sz="2400" dirty="0">
               <a:solidFill>
@@ -30541,11 +30706,11 @@
           <a:lstStyle/>
           <a:p>
             <a:r>
-              <a:rPr lang="en-US" altLang="zh-CN"/>
+              <a:rPr lang="en-US" altLang="zh-CN" dirty="0"/>
               <a:t>“GET”</a:t>
             </a:r>
             <a:r>
-              <a:rPr lang="zh-CN" altLang="en-US"/>
+              <a:rPr lang="zh-CN" altLang="en-US" dirty="0"/>
               <a:t>：</a:t>
             </a:r>
           </a:p>
@@ -30696,6 +30861,58 @@
               <a:t>歌曲信息：</a:t>
             </a:r>
             <a:endParaRPr lang="en-US" altLang="zh-CN" dirty="0"/>
+          </a:p>
+        </p:txBody>
+      </p:sp>
+      <p:sp>
+        <p:nvSpPr>
+          <p:cNvPr id="33" name="文本框 32"/>
+          <p:cNvSpPr txBox="1"/>
+          <p:nvPr/>
+        </p:nvSpPr>
+        <p:spPr>
+          <a:xfrm>
+            <a:off x="7486332" y="175337"/>
+            <a:ext cx="1425575" cy="461665"/>
+          </a:xfrm>
+          <a:prstGeom prst="rect">
+            <a:avLst/>
+          </a:prstGeom>
+          <a:noFill/>
+        </p:spPr>
+        <p:txBody>
+          <a:bodyPr wrap="square" rtlCol="0">
+            <a:spAutoFit/>
+          </a:bodyPr>
+          <a:lstStyle/>
+          <a:p>
+            <a:r>
+              <a:rPr lang="zh-CN" altLang="en-US" sz="2400" dirty="0">
+                <a:solidFill>
+                  <a:schemeClr val="accent1">
+                    <a:lumMod val="75000"/>
+                  </a:schemeClr>
+                </a:solidFill>
+              </a:rPr>
+              <a:t>音乐</a:t>
+            </a:r>
+            <a:r>
+              <a:rPr lang="zh-CN" altLang="en-US" sz="2400" dirty="0" smtClean="0">
+                <a:solidFill>
+                  <a:schemeClr val="accent1">
+                    <a:lumMod val="75000"/>
+                  </a:schemeClr>
+                </a:solidFill>
+              </a:rPr>
+              <a:t>爬虫</a:t>
+            </a:r>
+            <a:endParaRPr lang="en-US" altLang="zh-CN" sz="2400" dirty="0">
+              <a:solidFill>
+                <a:schemeClr val="accent1">
+                  <a:lumMod val="75000"/>
+                </a:schemeClr>
+              </a:solidFill>
+            </a:endParaRPr>
           </a:p>
         </p:txBody>
       </p:sp>
